--- a/artifacts/apresentacao.pptx
+++ b/artifacts/apresentacao.pptx
@@ -13,6 +13,14 @@
     <p:sldId id="260" r:id="rId8"/>
     <p:sldId id="261" r:id="rId9"/>
     <p:sldId id="262" r:id="rId10"/>
+    <p:sldId id="263" r:id="rId11"/>
+    <p:sldId id="264" r:id="rId12"/>
+    <p:sldId id="265" r:id="rId13"/>
+    <p:sldId id="266" r:id="rId14"/>
+    <p:sldId id="267" r:id="rId15"/>
+    <p:sldId id="268" r:id="rId16"/>
+    <p:sldId id="269" r:id="rId17"/>
+    <p:sldId id="270" r:id="rId18"/>
   </p:sldIdLst>
   <p:sldSz cx="12192000" cy="6858000"/>
   <p:notesSz cx="7772400" cy="10058400"/>
@@ -60,7 +68,7 @@
       </p:grpSpPr>
       <p:sp>
         <p:nvSpPr>
-          <p:cNvPr id="30" name="PlaceHolder 1"/>
+          <p:cNvPr id="27" name="PlaceHolder 1"/>
           <p:cNvSpPr>
             <a:spLocks noGrp="1"/>
           </p:cNvSpPr>
@@ -70,8 +78,8 @@
         </p:nvSpPr>
         <p:spPr>
           <a:xfrm>
-            <a:off x="1371600" y="685800"/>
-            <a:ext cx="9600840" cy="1485720"/>
+            <a:off x="609480" y="273600"/>
+            <a:ext cx="10972440" cy="1144800"/>
           </a:xfrm>
           <a:prstGeom prst="rect">
             <a:avLst/>
@@ -82,18 +90,16 @@
             <a:spAutoFit/>
           </a:bodyPr>
           <a:p>
-            <a:endParaRPr b="0" lang="en-US" sz="1800" spc="-1" strike="noStrike">
-              <a:solidFill>
-                <a:srgbClr val="000000"/>
-              </a:solidFill>
-              <a:latin typeface="Franklin Gothic Book"/>
-            </a:endParaRPr>
-          </a:p>
-        </p:txBody>
-      </p:sp>
-      <p:sp>
-        <p:nvSpPr>
-          <p:cNvPr id="31" name="PlaceHolder 2"/>
+            <a:pPr algn="ctr"/>
+            <a:endParaRPr b="0" lang="en-US" sz="4400" spc="-1" strike="noStrike">
+              <a:latin typeface="Arial"/>
+            </a:endParaRPr>
+          </a:p>
+        </p:txBody>
+      </p:sp>
+      <p:sp>
+        <p:nvSpPr>
+          <p:cNvPr id="28" name="PlaceHolder 2"/>
           <p:cNvSpPr>
             <a:spLocks noGrp="1"/>
           </p:cNvSpPr>
@@ -103,8 +109,8 @@
         </p:nvSpPr>
         <p:spPr>
           <a:xfrm>
-            <a:off x="1371600" y="2286000"/>
-            <a:ext cx="9600840" cy="1707840"/>
+            <a:off x="609480" y="1604520"/>
+            <a:ext cx="10972440" cy="1896840"/>
           </a:xfrm>
           <a:prstGeom prst="rect">
             <a:avLst/>
@@ -115,18 +121,15 @@
             <a:normAutofit/>
           </a:bodyPr>
           <a:p>
-            <a:endParaRPr b="0" lang="en-US" sz="2000" spc="-1" strike="noStrike">
-              <a:solidFill>
-                <a:srgbClr val="191b0e"/>
-              </a:solidFill>
-              <a:latin typeface="Franklin Gothic Book"/>
-            </a:endParaRPr>
-          </a:p>
-        </p:txBody>
-      </p:sp>
-      <p:sp>
-        <p:nvSpPr>
-          <p:cNvPr id="32" name="PlaceHolder 3"/>
+            <a:endParaRPr b="0" lang="en-US" sz="3200" spc="-1" strike="noStrike">
+              <a:latin typeface="Arial"/>
+            </a:endParaRPr>
+          </a:p>
+        </p:txBody>
+      </p:sp>
+      <p:sp>
+        <p:nvSpPr>
+          <p:cNvPr id="29" name="PlaceHolder 3"/>
           <p:cNvSpPr>
             <a:spLocks noGrp="1"/>
           </p:cNvSpPr>
@@ -136,8 +139,8 @@
         </p:nvSpPr>
         <p:spPr>
           <a:xfrm>
-            <a:off x="1371600" y="4156560"/>
-            <a:ext cx="9600840" cy="1707840"/>
+            <a:off x="609480" y="3682080"/>
+            <a:ext cx="10972440" cy="1896840"/>
           </a:xfrm>
           <a:prstGeom prst="rect">
             <a:avLst/>
@@ -148,11 +151,8 @@
             <a:normAutofit/>
           </a:bodyPr>
           <a:p>
-            <a:endParaRPr b="0" lang="en-US" sz="2000" spc="-1" strike="noStrike">
-              <a:solidFill>
-                <a:srgbClr val="191b0e"/>
-              </a:solidFill>
-              <a:latin typeface="Franklin Gothic Book"/>
+            <a:endParaRPr b="0" lang="en-US" sz="3200" spc="-1" strike="noStrike">
+              <a:latin typeface="Arial"/>
             </a:endParaRPr>
           </a:p>
         </p:txBody>
@@ -181,7 +181,7 @@
       </p:grpSpPr>
       <p:sp>
         <p:nvSpPr>
-          <p:cNvPr id="33" name="PlaceHolder 1"/>
+          <p:cNvPr id="30" name="PlaceHolder 1"/>
           <p:cNvSpPr>
             <a:spLocks noGrp="1"/>
           </p:cNvSpPr>
@@ -191,8 +191,8 @@
         </p:nvSpPr>
         <p:spPr>
           <a:xfrm>
-            <a:off x="1371600" y="685800"/>
-            <a:ext cx="9600840" cy="1485720"/>
+            <a:off x="609480" y="273600"/>
+            <a:ext cx="10972440" cy="1144800"/>
           </a:xfrm>
           <a:prstGeom prst="rect">
             <a:avLst/>
@@ -203,18 +203,16 @@
             <a:spAutoFit/>
           </a:bodyPr>
           <a:p>
-            <a:endParaRPr b="0" lang="en-US" sz="1800" spc="-1" strike="noStrike">
-              <a:solidFill>
-                <a:srgbClr val="000000"/>
-              </a:solidFill>
-              <a:latin typeface="Franklin Gothic Book"/>
-            </a:endParaRPr>
-          </a:p>
-        </p:txBody>
-      </p:sp>
-      <p:sp>
-        <p:nvSpPr>
-          <p:cNvPr id="34" name="PlaceHolder 2"/>
+            <a:pPr algn="ctr"/>
+            <a:endParaRPr b="0" lang="en-US" sz="4400" spc="-1" strike="noStrike">
+              <a:latin typeface="Arial"/>
+            </a:endParaRPr>
+          </a:p>
+        </p:txBody>
+      </p:sp>
+      <p:sp>
+        <p:nvSpPr>
+          <p:cNvPr id="31" name="PlaceHolder 2"/>
           <p:cNvSpPr>
             <a:spLocks noGrp="1"/>
           </p:cNvSpPr>
@@ -224,8 +222,8 @@
         </p:nvSpPr>
         <p:spPr>
           <a:xfrm>
-            <a:off x="1371600" y="2286000"/>
-            <a:ext cx="4685040" cy="1707840"/>
+            <a:off x="609480" y="1604520"/>
+            <a:ext cx="5354280" cy="1896840"/>
           </a:xfrm>
           <a:prstGeom prst="rect">
             <a:avLst/>
@@ -236,18 +234,15 @@
             <a:normAutofit/>
           </a:bodyPr>
           <a:p>
-            <a:endParaRPr b="0" lang="en-US" sz="2000" spc="-1" strike="noStrike">
-              <a:solidFill>
-                <a:srgbClr val="191b0e"/>
-              </a:solidFill>
-              <a:latin typeface="Franklin Gothic Book"/>
-            </a:endParaRPr>
-          </a:p>
-        </p:txBody>
-      </p:sp>
-      <p:sp>
-        <p:nvSpPr>
-          <p:cNvPr id="35" name="PlaceHolder 3"/>
+            <a:endParaRPr b="0" lang="en-US" sz="3200" spc="-1" strike="noStrike">
+              <a:latin typeface="Arial"/>
+            </a:endParaRPr>
+          </a:p>
+        </p:txBody>
+      </p:sp>
+      <p:sp>
+        <p:nvSpPr>
+          <p:cNvPr id="32" name="PlaceHolder 3"/>
           <p:cNvSpPr>
             <a:spLocks noGrp="1"/>
           </p:cNvSpPr>
@@ -257,8 +252,8 @@
         </p:nvSpPr>
         <p:spPr>
           <a:xfrm>
-            <a:off x="6291360" y="2286000"/>
-            <a:ext cx="4685040" cy="1707840"/>
+            <a:off x="6231960" y="1604520"/>
+            <a:ext cx="5354280" cy="1896840"/>
           </a:xfrm>
           <a:prstGeom prst="rect">
             <a:avLst/>
@@ -269,18 +264,15 @@
             <a:normAutofit/>
           </a:bodyPr>
           <a:p>
-            <a:endParaRPr b="0" lang="en-US" sz="2000" spc="-1" strike="noStrike">
-              <a:solidFill>
-                <a:srgbClr val="191b0e"/>
-              </a:solidFill>
-              <a:latin typeface="Franklin Gothic Book"/>
-            </a:endParaRPr>
-          </a:p>
-        </p:txBody>
-      </p:sp>
-      <p:sp>
-        <p:nvSpPr>
-          <p:cNvPr id="36" name="PlaceHolder 4"/>
+            <a:endParaRPr b="0" lang="en-US" sz="3200" spc="-1" strike="noStrike">
+              <a:latin typeface="Arial"/>
+            </a:endParaRPr>
+          </a:p>
+        </p:txBody>
+      </p:sp>
+      <p:sp>
+        <p:nvSpPr>
+          <p:cNvPr id="33" name="PlaceHolder 4"/>
           <p:cNvSpPr>
             <a:spLocks noGrp="1"/>
           </p:cNvSpPr>
@@ -290,8 +282,8 @@
         </p:nvSpPr>
         <p:spPr>
           <a:xfrm>
-            <a:off x="1371600" y="4156560"/>
-            <a:ext cx="4685040" cy="1707840"/>
+            <a:off x="609480" y="3682080"/>
+            <a:ext cx="5354280" cy="1896840"/>
           </a:xfrm>
           <a:prstGeom prst="rect">
             <a:avLst/>
@@ -302,18 +294,15 @@
             <a:normAutofit/>
           </a:bodyPr>
           <a:p>
-            <a:endParaRPr b="0" lang="en-US" sz="2000" spc="-1" strike="noStrike">
-              <a:solidFill>
-                <a:srgbClr val="191b0e"/>
-              </a:solidFill>
-              <a:latin typeface="Franklin Gothic Book"/>
-            </a:endParaRPr>
-          </a:p>
-        </p:txBody>
-      </p:sp>
-      <p:sp>
-        <p:nvSpPr>
-          <p:cNvPr id="37" name="PlaceHolder 5"/>
+            <a:endParaRPr b="0" lang="en-US" sz="3200" spc="-1" strike="noStrike">
+              <a:latin typeface="Arial"/>
+            </a:endParaRPr>
+          </a:p>
+        </p:txBody>
+      </p:sp>
+      <p:sp>
+        <p:nvSpPr>
+          <p:cNvPr id="34" name="PlaceHolder 5"/>
           <p:cNvSpPr>
             <a:spLocks noGrp="1"/>
           </p:cNvSpPr>
@@ -323,8 +312,8 @@
         </p:nvSpPr>
         <p:spPr>
           <a:xfrm>
-            <a:off x="6291360" y="4156560"/>
-            <a:ext cx="4685040" cy="1707840"/>
+            <a:off x="6231960" y="3682080"/>
+            <a:ext cx="5354280" cy="1896840"/>
           </a:xfrm>
           <a:prstGeom prst="rect">
             <a:avLst/>
@@ -335,11 +324,8 @@
             <a:normAutofit/>
           </a:bodyPr>
           <a:p>
-            <a:endParaRPr b="0" lang="en-US" sz="2000" spc="-1" strike="noStrike">
-              <a:solidFill>
-                <a:srgbClr val="191b0e"/>
-              </a:solidFill>
-              <a:latin typeface="Franklin Gothic Book"/>
+            <a:endParaRPr b="0" lang="en-US" sz="3200" spc="-1" strike="noStrike">
+              <a:latin typeface="Arial"/>
             </a:endParaRPr>
           </a:p>
         </p:txBody>
@@ -368,7 +354,7 @@
       </p:grpSpPr>
       <p:sp>
         <p:nvSpPr>
-          <p:cNvPr id="38" name="PlaceHolder 1"/>
+          <p:cNvPr id="35" name="PlaceHolder 1"/>
           <p:cNvSpPr>
             <a:spLocks noGrp="1"/>
           </p:cNvSpPr>
@@ -378,8 +364,8 @@
         </p:nvSpPr>
         <p:spPr>
           <a:xfrm>
-            <a:off x="1371600" y="685800"/>
-            <a:ext cx="9600840" cy="1485720"/>
+            <a:off x="609480" y="273600"/>
+            <a:ext cx="10972440" cy="1144800"/>
           </a:xfrm>
           <a:prstGeom prst="rect">
             <a:avLst/>
@@ -390,18 +376,16 @@
             <a:spAutoFit/>
           </a:bodyPr>
           <a:p>
-            <a:endParaRPr b="0" lang="en-US" sz="1800" spc="-1" strike="noStrike">
-              <a:solidFill>
-                <a:srgbClr val="000000"/>
-              </a:solidFill>
-              <a:latin typeface="Franklin Gothic Book"/>
-            </a:endParaRPr>
-          </a:p>
-        </p:txBody>
-      </p:sp>
-      <p:sp>
-        <p:nvSpPr>
-          <p:cNvPr id="39" name="PlaceHolder 2"/>
+            <a:pPr algn="ctr"/>
+            <a:endParaRPr b="0" lang="en-US" sz="4400" spc="-1" strike="noStrike">
+              <a:latin typeface="Arial"/>
+            </a:endParaRPr>
+          </a:p>
+        </p:txBody>
+      </p:sp>
+      <p:sp>
+        <p:nvSpPr>
+          <p:cNvPr id="36" name="PlaceHolder 2"/>
           <p:cNvSpPr>
             <a:spLocks noGrp="1"/>
           </p:cNvSpPr>
@@ -411,8 +395,8 @@
         </p:nvSpPr>
         <p:spPr>
           <a:xfrm>
-            <a:off x="1371600" y="2286000"/>
-            <a:ext cx="3091320" cy="1707840"/>
+            <a:off x="609480" y="1604520"/>
+            <a:ext cx="3533040" cy="1896840"/>
           </a:xfrm>
           <a:prstGeom prst="rect">
             <a:avLst/>
@@ -423,18 +407,15 @@
             <a:normAutofit/>
           </a:bodyPr>
           <a:p>
-            <a:endParaRPr b="0" lang="en-US" sz="2000" spc="-1" strike="noStrike">
-              <a:solidFill>
-                <a:srgbClr val="191b0e"/>
-              </a:solidFill>
-              <a:latin typeface="Franklin Gothic Book"/>
-            </a:endParaRPr>
-          </a:p>
-        </p:txBody>
-      </p:sp>
-      <p:sp>
-        <p:nvSpPr>
-          <p:cNvPr id="40" name="PlaceHolder 3"/>
+            <a:endParaRPr b="0" lang="en-US" sz="3200" spc="-1" strike="noStrike">
+              <a:latin typeface="Arial"/>
+            </a:endParaRPr>
+          </a:p>
+        </p:txBody>
+      </p:sp>
+      <p:sp>
+        <p:nvSpPr>
+          <p:cNvPr id="37" name="PlaceHolder 3"/>
           <p:cNvSpPr>
             <a:spLocks noGrp="1"/>
           </p:cNvSpPr>
@@ -444,8 +425,8 @@
         </p:nvSpPr>
         <p:spPr>
           <a:xfrm>
-            <a:off x="4617720" y="2286000"/>
-            <a:ext cx="3091320" cy="1707840"/>
+            <a:off x="4319640" y="1604520"/>
+            <a:ext cx="3533040" cy="1896840"/>
           </a:xfrm>
           <a:prstGeom prst="rect">
             <a:avLst/>
@@ -456,18 +437,15 @@
             <a:normAutofit/>
           </a:bodyPr>
           <a:p>
-            <a:endParaRPr b="0" lang="en-US" sz="2000" spc="-1" strike="noStrike">
-              <a:solidFill>
-                <a:srgbClr val="191b0e"/>
-              </a:solidFill>
-              <a:latin typeface="Franklin Gothic Book"/>
-            </a:endParaRPr>
-          </a:p>
-        </p:txBody>
-      </p:sp>
-      <p:sp>
-        <p:nvSpPr>
-          <p:cNvPr id="41" name="PlaceHolder 4"/>
+            <a:endParaRPr b="0" lang="en-US" sz="3200" spc="-1" strike="noStrike">
+              <a:latin typeface="Arial"/>
+            </a:endParaRPr>
+          </a:p>
+        </p:txBody>
+      </p:sp>
+      <p:sp>
+        <p:nvSpPr>
+          <p:cNvPr id="38" name="PlaceHolder 4"/>
           <p:cNvSpPr>
             <a:spLocks noGrp="1"/>
           </p:cNvSpPr>
@@ -477,8 +455,8 @@
         </p:nvSpPr>
         <p:spPr>
           <a:xfrm>
-            <a:off x="7864200" y="2286000"/>
-            <a:ext cx="3091320" cy="1707840"/>
+            <a:off x="8029800" y="1604520"/>
+            <a:ext cx="3533040" cy="1896840"/>
           </a:xfrm>
           <a:prstGeom prst="rect">
             <a:avLst/>
@@ -489,18 +467,15 @@
             <a:normAutofit/>
           </a:bodyPr>
           <a:p>
-            <a:endParaRPr b="0" lang="en-US" sz="2000" spc="-1" strike="noStrike">
-              <a:solidFill>
-                <a:srgbClr val="191b0e"/>
-              </a:solidFill>
-              <a:latin typeface="Franklin Gothic Book"/>
-            </a:endParaRPr>
-          </a:p>
-        </p:txBody>
-      </p:sp>
-      <p:sp>
-        <p:nvSpPr>
-          <p:cNvPr id="42" name="PlaceHolder 5"/>
+            <a:endParaRPr b="0" lang="en-US" sz="3200" spc="-1" strike="noStrike">
+              <a:latin typeface="Arial"/>
+            </a:endParaRPr>
+          </a:p>
+        </p:txBody>
+      </p:sp>
+      <p:sp>
+        <p:nvSpPr>
+          <p:cNvPr id="39" name="PlaceHolder 5"/>
           <p:cNvSpPr>
             <a:spLocks noGrp="1"/>
           </p:cNvSpPr>
@@ -510,8 +485,8 @@
         </p:nvSpPr>
         <p:spPr>
           <a:xfrm>
-            <a:off x="1371600" y="4156560"/>
-            <a:ext cx="3091320" cy="1707840"/>
+            <a:off x="609480" y="3682080"/>
+            <a:ext cx="3533040" cy="1896840"/>
           </a:xfrm>
           <a:prstGeom prst="rect">
             <a:avLst/>
@@ -522,18 +497,15 @@
             <a:normAutofit/>
           </a:bodyPr>
           <a:p>
-            <a:endParaRPr b="0" lang="en-US" sz="2000" spc="-1" strike="noStrike">
-              <a:solidFill>
-                <a:srgbClr val="191b0e"/>
-              </a:solidFill>
-              <a:latin typeface="Franklin Gothic Book"/>
-            </a:endParaRPr>
-          </a:p>
-        </p:txBody>
-      </p:sp>
-      <p:sp>
-        <p:nvSpPr>
-          <p:cNvPr id="43" name="PlaceHolder 6"/>
+            <a:endParaRPr b="0" lang="en-US" sz="3200" spc="-1" strike="noStrike">
+              <a:latin typeface="Arial"/>
+            </a:endParaRPr>
+          </a:p>
+        </p:txBody>
+      </p:sp>
+      <p:sp>
+        <p:nvSpPr>
+          <p:cNvPr id="40" name="PlaceHolder 6"/>
           <p:cNvSpPr>
             <a:spLocks noGrp="1"/>
           </p:cNvSpPr>
@@ -543,8 +515,8 @@
         </p:nvSpPr>
         <p:spPr>
           <a:xfrm>
-            <a:off x="4617720" y="4156560"/>
-            <a:ext cx="3091320" cy="1707840"/>
+            <a:off x="4319640" y="3682080"/>
+            <a:ext cx="3533040" cy="1896840"/>
           </a:xfrm>
           <a:prstGeom prst="rect">
             <a:avLst/>
@@ -555,18 +527,15 @@
             <a:normAutofit/>
           </a:bodyPr>
           <a:p>
-            <a:endParaRPr b="0" lang="en-US" sz="2000" spc="-1" strike="noStrike">
-              <a:solidFill>
-                <a:srgbClr val="191b0e"/>
-              </a:solidFill>
-              <a:latin typeface="Franklin Gothic Book"/>
-            </a:endParaRPr>
-          </a:p>
-        </p:txBody>
-      </p:sp>
-      <p:sp>
-        <p:nvSpPr>
-          <p:cNvPr id="44" name="PlaceHolder 7"/>
+            <a:endParaRPr b="0" lang="en-US" sz="3200" spc="-1" strike="noStrike">
+              <a:latin typeface="Arial"/>
+            </a:endParaRPr>
+          </a:p>
+        </p:txBody>
+      </p:sp>
+      <p:sp>
+        <p:nvSpPr>
+          <p:cNvPr id="41" name="PlaceHolder 7"/>
           <p:cNvSpPr>
             <a:spLocks noGrp="1"/>
           </p:cNvSpPr>
@@ -576,8 +545,8 @@
         </p:nvSpPr>
         <p:spPr>
           <a:xfrm>
-            <a:off x="7864200" y="4156560"/>
-            <a:ext cx="3091320" cy="1707840"/>
+            <a:off x="8029800" y="3682080"/>
+            <a:ext cx="3533040" cy="1896840"/>
           </a:xfrm>
           <a:prstGeom prst="rect">
             <a:avLst/>
@@ -588,11 +557,8 @@
             <a:normAutofit/>
           </a:bodyPr>
           <a:p>
-            <a:endParaRPr b="0" lang="en-US" sz="2000" spc="-1" strike="noStrike">
-              <a:solidFill>
-                <a:srgbClr val="191b0e"/>
-              </a:solidFill>
-              <a:latin typeface="Franklin Gothic Book"/>
+            <a:endParaRPr b="0" lang="en-US" sz="3200" spc="-1" strike="noStrike">
+              <a:latin typeface="Arial"/>
             </a:endParaRPr>
           </a:p>
         </p:txBody>
@@ -643,7 +609,7 @@
       </p:grpSpPr>
       <p:sp>
         <p:nvSpPr>
-          <p:cNvPr id="51" name="PlaceHolder 1"/>
+          <p:cNvPr id="45" name="PlaceHolder 1"/>
           <p:cNvSpPr>
             <a:spLocks noGrp="1"/>
           </p:cNvSpPr>
@@ -653,8 +619,8 @@
         </p:nvSpPr>
         <p:spPr>
           <a:xfrm>
-            <a:off x="1371600" y="685800"/>
-            <a:ext cx="9600840" cy="1485720"/>
+            <a:off x="609480" y="273600"/>
+            <a:ext cx="10972440" cy="1144800"/>
           </a:xfrm>
           <a:prstGeom prst="rect">
             <a:avLst/>
@@ -665,18 +631,16 @@
             <a:spAutoFit/>
           </a:bodyPr>
           <a:p>
-            <a:endParaRPr b="0" lang="en-US" sz="1800" spc="-1" strike="noStrike">
-              <a:solidFill>
-                <a:srgbClr val="000000"/>
-              </a:solidFill>
-              <a:latin typeface="Franklin Gothic Book"/>
-            </a:endParaRPr>
-          </a:p>
-        </p:txBody>
-      </p:sp>
-      <p:sp>
-        <p:nvSpPr>
-          <p:cNvPr id="52" name="PlaceHolder 2"/>
+            <a:pPr algn="ctr"/>
+            <a:endParaRPr b="0" lang="en-US" sz="4400" spc="-1" strike="noStrike">
+              <a:latin typeface="Arial"/>
+            </a:endParaRPr>
+          </a:p>
+        </p:txBody>
+      </p:sp>
+      <p:sp>
+        <p:nvSpPr>
+          <p:cNvPr id="46" name="PlaceHolder 2"/>
           <p:cNvSpPr>
             <a:spLocks noGrp="1"/>
           </p:cNvSpPr>
@@ -686,8 +650,8 @@
         </p:nvSpPr>
         <p:spPr>
           <a:xfrm>
-            <a:off x="1371600" y="2286000"/>
-            <a:ext cx="9600840" cy="3580920"/>
+            <a:off x="609480" y="1604520"/>
+            <a:ext cx="10972440" cy="3977280"/>
           </a:xfrm>
           <a:prstGeom prst="rect">
             <a:avLst/>
@@ -729,7 +693,7 @@
       </p:grpSpPr>
       <p:sp>
         <p:nvSpPr>
-          <p:cNvPr id="53" name="PlaceHolder 1"/>
+          <p:cNvPr id="47" name="PlaceHolder 1"/>
           <p:cNvSpPr>
             <a:spLocks noGrp="1"/>
           </p:cNvSpPr>
@@ -739,8 +703,8 @@
         </p:nvSpPr>
         <p:spPr>
           <a:xfrm>
-            <a:off x="1371600" y="685800"/>
-            <a:ext cx="9600840" cy="1485720"/>
+            <a:off x="609480" y="273600"/>
+            <a:ext cx="10972440" cy="1144800"/>
           </a:xfrm>
           <a:prstGeom prst="rect">
             <a:avLst/>
@@ -751,18 +715,16 @@
             <a:spAutoFit/>
           </a:bodyPr>
           <a:p>
-            <a:endParaRPr b="0" lang="en-US" sz="1800" spc="-1" strike="noStrike">
-              <a:solidFill>
-                <a:srgbClr val="000000"/>
-              </a:solidFill>
-              <a:latin typeface="Franklin Gothic Book"/>
-            </a:endParaRPr>
-          </a:p>
-        </p:txBody>
-      </p:sp>
-      <p:sp>
-        <p:nvSpPr>
-          <p:cNvPr id="54" name="PlaceHolder 2"/>
+            <a:pPr algn="ctr"/>
+            <a:endParaRPr b="0" lang="en-US" sz="4400" spc="-1" strike="noStrike">
+              <a:latin typeface="Arial"/>
+            </a:endParaRPr>
+          </a:p>
+        </p:txBody>
+      </p:sp>
+      <p:sp>
+        <p:nvSpPr>
+          <p:cNvPr id="48" name="PlaceHolder 2"/>
           <p:cNvSpPr>
             <a:spLocks noGrp="1"/>
           </p:cNvSpPr>
@@ -772,8 +734,8 @@
         </p:nvSpPr>
         <p:spPr>
           <a:xfrm>
-            <a:off x="1371600" y="2286000"/>
-            <a:ext cx="9600840" cy="3580920"/>
+            <a:off x="609480" y="1604520"/>
+            <a:ext cx="10972440" cy="3977280"/>
           </a:xfrm>
           <a:prstGeom prst="rect">
             <a:avLst/>
@@ -784,11 +746,8 @@
             <a:normAutofit/>
           </a:bodyPr>
           <a:p>
-            <a:endParaRPr b="0" lang="en-US" sz="2000" spc="-1" strike="noStrike">
-              <a:solidFill>
-                <a:srgbClr val="191b0e"/>
-              </a:solidFill>
-              <a:latin typeface="Franklin Gothic Book"/>
+            <a:endParaRPr b="0" lang="en-US" sz="3200" spc="-1" strike="noStrike">
+              <a:latin typeface="Arial"/>
             </a:endParaRPr>
           </a:p>
         </p:txBody>
@@ -817,7 +776,7 @@
       </p:grpSpPr>
       <p:sp>
         <p:nvSpPr>
-          <p:cNvPr id="55" name="PlaceHolder 1"/>
+          <p:cNvPr id="49" name="PlaceHolder 1"/>
           <p:cNvSpPr>
             <a:spLocks noGrp="1"/>
           </p:cNvSpPr>
@@ -827,8 +786,8 @@
         </p:nvSpPr>
         <p:spPr>
           <a:xfrm>
-            <a:off x="1371600" y="685800"/>
-            <a:ext cx="9600840" cy="1485720"/>
+            <a:off x="609480" y="273600"/>
+            <a:ext cx="10972440" cy="1144800"/>
           </a:xfrm>
           <a:prstGeom prst="rect">
             <a:avLst/>
@@ -839,18 +798,16 @@
             <a:spAutoFit/>
           </a:bodyPr>
           <a:p>
-            <a:endParaRPr b="0" lang="en-US" sz="1800" spc="-1" strike="noStrike">
-              <a:solidFill>
-                <a:srgbClr val="000000"/>
-              </a:solidFill>
-              <a:latin typeface="Franklin Gothic Book"/>
-            </a:endParaRPr>
-          </a:p>
-        </p:txBody>
-      </p:sp>
-      <p:sp>
-        <p:nvSpPr>
-          <p:cNvPr id="56" name="PlaceHolder 2"/>
+            <a:pPr algn="ctr"/>
+            <a:endParaRPr b="0" lang="en-US" sz="4400" spc="-1" strike="noStrike">
+              <a:latin typeface="Arial"/>
+            </a:endParaRPr>
+          </a:p>
+        </p:txBody>
+      </p:sp>
+      <p:sp>
+        <p:nvSpPr>
+          <p:cNvPr id="50" name="PlaceHolder 2"/>
           <p:cNvSpPr>
             <a:spLocks noGrp="1"/>
           </p:cNvSpPr>
@@ -860,8 +817,8 @@
         </p:nvSpPr>
         <p:spPr>
           <a:xfrm>
-            <a:off x="1371600" y="2286000"/>
-            <a:ext cx="4685040" cy="3580920"/>
+            <a:off x="609480" y="1604520"/>
+            <a:ext cx="5354280" cy="3977280"/>
           </a:xfrm>
           <a:prstGeom prst="rect">
             <a:avLst/>
@@ -872,18 +829,15 @@
             <a:normAutofit/>
           </a:bodyPr>
           <a:p>
-            <a:endParaRPr b="0" lang="en-US" sz="2000" spc="-1" strike="noStrike">
-              <a:solidFill>
-                <a:srgbClr val="191b0e"/>
-              </a:solidFill>
-              <a:latin typeface="Franklin Gothic Book"/>
-            </a:endParaRPr>
-          </a:p>
-        </p:txBody>
-      </p:sp>
-      <p:sp>
-        <p:nvSpPr>
-          <p:cNvPr id="57" name="PlaceHolder 3"/>
+            <a:endParaRPr b="0" lang="en-US" sz="3200" spc="-1" strike="noStrike">
+              <a:latin typeface="Arial"/>
+            </a:endParaRPr>
+          </a:p>
+        </p:txBody>
+      </p:sp>
+      <p:sp>
+        <p:nvSpPr>
+          <p:cNvPr id="51" name="PlaceHolder 3"/>
           <p:cNvSpPr>
             <a:spLocks noGrp="1"/>
           </p:cNvSpPr>
@@ -893,8 +847,8 @@
         </p:nvSpPr>
         <p:spPr>
           <a:xfrm>
-            <a:off x="6291360" y="2286000"/>
-            <a:ext cx="4685040" cy="3580920"/>
+            <a:off x="6231960" y="1604520"/>
+            <a:ext cx="5354280" cy="3977280"/>
           </a:xfrm>
           <a:prstGeom prst="rect">
             <a:avLst/>
@@ -905,11 +859,8 @@
             <a:normAutofit/>
           </a:bodyPr>
           <a:p>
-            <a:endParaRPr b="0" lang="en-US" sz="2000" spc="-1" strike="noStrike">
-              <a:solidFill>
-                <a:srgbClr val="191b0e"/>
-              </a:solidFill>
-              <a:latin typeface="Franklin Gothic Book"/>
+            <a:endParaRPr b="0" lang="en-US" sz="3200" spc="-1" strike="noStrike">
+              <a:latin typeface="Arial"/>
             </a:endParaRPr>
           </a:p>
         </p:txBody>
@@ -938,7 +889,7 @@
       </p:grpSpPr>
       <p:sp>
         <p:nvSpPr>
-          <p:cNvPr id="58" name="PlaceHolder 1"/>
+          <p:cNvPr id="52" name="PlaceHolder 1"/>
           <p:cNvSpPr>
             <a:spLocks noGrp="1"/>
           </p:cNvSpPr>
@@ -948,8 +899,8 @@
         </p:nvSpPr>
         <p:spPr>
           <a:xfrm>
-            <a:off x="1371600" y="685800"/>
-            <a:ext cx="9600840" cy="1485720"/>
+            <a:off x="609480" y="273600"/>
+            <a:ext cx="10972440" cy="1144800"/>
           </a:xfrm>
           <a:prstGeom prst="rect">
             <a:avLst/>
@@ -960,11 +911,9 @@
             <a:spAutoFit/>
           </a:bodyPr>
           <a:p>
-            <a:endParaRPr b="0" lang="en-US" sz="1800" spc="-1" strike="noStrike">
-              <a:solidFill>
-                <a:srgbClr val="000000"/>
-              </a:solidFill>
-              <a:latin typeface="Franklin Gothic Book"/>
+            <a:pPr algn="ctr"/>
+            <a:endParaRPr b="0" lang="en-US" sz="4400" spc="-1" strike="noStrike">
+              <a:latin typeface="Arial"/>
             </a:endParaRPr>
           </a:p>
         </p:txBody>
@@ -993,7 +942,7 @@
       </p:grpSpPr>
       <p:sp>
         <p:nvSpPr>
-          <p:cNvPr id="59" name="PlaceHolder 1"/>
+          <p:cNvPr id="53" name="PlaceHolder 1"/>
           <p:cNvSpPr>
             <a:spLocks noGrp="1"/>
           </p:cNvSpPr>
@@ -1003,8 +952,8 @@
         </p:nvSpPr>
         <p:spPr>
           <a:xfrm>
-            <a:off x="1371600" y="685800"/>
-            <a:ext cx="9600840" cy="6888240"/>
+            <a:off x="609480" y="273600"/>
+            <a:ext cx="10972440" cy="5307840"/>
           </a:xfrm>
           <a:prstGeom prst="rect">
             <a:avLst/>
@@ -1046,7 +995,7 @@
       </p:grpSpPr>
       <p:sp>
         <p:nvSpPr>
-          <p:cNvPr id="60" name="PlaceHolder 1"/>
+          <p:cNvPr id="54" name="PlaceHolder 1"/>
           <p:cNvSpPr>
             <a:spLocks noGrp="1"/>
           </p:cNvSpPr>
@@ -1056,8 +1005,8 @@
         </p:nvSpPr>
         <p:spPr>
           <a:xfrm>
-            <a:off x="1371600" y="685800"/>
-            <a:ext cx="9600840" cy="1485720"/>
+            <a:off x="609480" y="273600"/>
+            <a:ext cx="10972440" cy="1144800"/>
           </a:xfrm>
           <a:prstGeom prst="rect">
             <a:avLst/>
@@ -1068,18 +1017,16 @@
             <a:spAutoFit/>
           </a:bodyPr>
           <a:p>
-            <a:endParaRPr b="0" lang="en-US" sz="1800" spc="-1" strike="noStrike">
-              <a:solidFill>
-                <a:srgbClr val="000000"/>
-              </a:solidFill>
-              <a:latin typeface="Franklin Gothic Book"/>
-            </a:endParaRPr>
-          </a:p>
-        </p:txBody>
-      </p:sp>
-      <p:sp>
-        <p:nvSpPr>
-          <p:cNvPr id="61" name="PlaceHolder 2"/>
+            <a:pPr algn="ctr"/>
+            <a:endParaRPr b="0" lang="en-US" sz="4400" spc="-1" strike="noStrike">
+              <a:latin typeface="Arial"/>
+            </a:endParaRPr>
+          </a:p>
+        </p:txBody>
+      </p:sp>
+      <p:sp>
+        <p:nvSpPr>
+          <p:cNvPr id="55" name="PlaceHolder 2"/>
           <p:cNvSpPr>
             <a:spLocks noGrp="1"/>
           </p:cNvSpPr>
@@ -1089,8 +1036,8 @@
         </p:nvSpPr>
         <p:spPr>
           <a:xfrm>
-            <a:off x="1371600" y="2286000"/>
-            <a:ext cx="4685040" cy="1707840"/>
+            <a:off x="609480" y="1604520"/>
+            <a:ext cx="5354280" cy="1896840"/>
           </a:xfrm>
           <a:prstGeom prst="rect">
             <a:avLst/>
@@ -1101,18 +1048,15 @@
             <a:normAutofit/>
           </a:bodyPr>
           <a:p>
-            <a:endParaRPr b="0" lang="en-US" sz="2000" spc="-1" strike="noStrike">
-              <a:solidFill>
-                <a:srgbClr val="191b0e"/>
-              </a:solidFill>
-              <a:latin typeface="Franklin Gothic Book"/>
-            </a:endParaRPr>
-          </a:p>
-        </p:txBody>
-      </p:sp>
-      <p:sp>
-        <p:nvSpPr>
-          <p:cNvPr id="62" name="PlaceHolder 3"/>
+            <a:endParaRPr b="0" lang="en-US" sz="3200" spc="-1" strike="noStrike">
+              <a:latin typeface="Arial"/>
+            </a:endParaRPr>
+          </a:p>
+        </p:txBody>
+      </p:sp>
+      <p:sp>
+        <p:nvSpPr>
+          <p:cNvPr id="56" name="PlaceHolder 3"/>
           <p:cNvSpPr>
             <a:spLocks noGrp="1"/>
           </p:cNvSpPr>
@@ -1122,8 +1066,8 @@
         </p:nvSpPr>
         <p:spPr>
           <a:xfrm>
-            <a:off x="6291360" y="2286000"/>
-            <a:ext cx="4685040" cy="3580920"/>
+            <a:off x="6231960" y="1604520"/>
+            <a:ext cx="5354280" cy="3977280"/>
           </a:xfrm>
           <a:prstGeom prst="rect">
             <a:avLst/>
@@ -1134,18 +1078,15 @@
             <a:normAutofit/>
           </a:bodyPr>
           <a:p>
-            <a:endParaRPr b="0" lang="en-US" sz="2000" spc="-1" strike="noStrike">
-              <a:solidFill>
-                <a:srgbClr val="191b0e"/>
-              </a:solidFill>
-              <a:latin typeface="Franklin Gothic Book"/>
-            </a:endParaRPr>
-          </a:p>
-        </p:txBody>
-      </p:sp>
-      <p:sp>
-        <p:nvSpPr>
-          <p:cNvPr id="63" name="PlaceHolder 4"/>
+            <a:endParaRPr b="0" lang="en-US" sz="3200" spc="-1" strike="noStrike">
+              <a:latin typeface="Arial"/>
+            </a:endParaRPr>
+          </a:p>
+        </p:txBody>
+      </p:sp>
+      <p:sp>
+        <p:nvSpPr>
+          <p:cNvPr id="57" name="PlaceHolder 4"/>
           <p:cNvSpPr>
             <a:spLocks noGrp="1"/>
           </p:cNvSpPr>
@@ -1155,8 +1096,8 @@
         </p:nvSpPr>
         <p:spPr>
           <a:xfrm>
-            <a:off x="1371600" y="4156560"/>
-            <a:ext cx="4685040" cy="1707840"/>
+            <a:off x="609480" y="3682080"/>
+            <a:ext cx="5354280" cy="1896840"/>
           </a:xfrm>
           <a:prstGeom prst="rect">
             <a:avLst/>
@@ -1167,11 +1108,8 @@
             <a:normAutofit/>
           </a:bodyPr>
           <a:p>
-            <a:endParaRPr b="0" lang="en-US" sz="2000" spc="-1" strike="noStrike">
-              <a:solidFill>
-                <a:srgbClr val="191b0e"/>
-              </a:solidFill>
-              <a:latin typeface="Franklin Gothic Book"/>
+            <a:endParaRPr b="0" lang="en-US" sz="3200" spc="-1" strike="noStrike">
+              <a:latin typeface="Arial"/>
             </a:endParaRPr>
           </a:p>
         </p:txBody>
@@ -1200,7 +1138,7 @@
       </p:grpSpPr>
       <p:sp>
         <p:nvSpPr>
-          <p:cNvPr id="9" name="PlaceHolder 1"/>
+          <p:cNvPr id="6" name="PlaceHolder 1"/>
           <p:cNvSpPr>
             <a:spLocks noGrp="1"/>
           </p:cNvSpPr>
@@ -1210,8 +1148,8 @@
         </p:nvSpPr>
         <p:spPr>
           <a:xfrm>
-            <a:off x="1371600" y="685800"/>
-            <a:ext cx="9600840" cy="1485720"/>
+            <a:off x="609480" y="273600"/>
+            <a:ext cx="10972440" cy="1144800"/>
           </a:xfrm>
           <a:prstGeom prst="rect">
             <a:avLst/>
@@ -1222,18 +1160,16 @@
             <a:spAutoFit/>
           </a:bodyPr>
           <a:p>
-            <a:endParaRPr b="0" lang="en-US" sz="1800" spc="-1" strike="noStrike">
-              <a:solidFill>
-                <a:srgbClr val="000000"/>
-              </a:solidFill>
-              <a:latin typeface="Franklin Gothic Book"/>
-            </a:endParaRPr>
-          </a:p>
-        </p:txBody>
-      </p:sp>
-      <p:sp>
-        <p:nvSpPr>
-          <p:cNvPr id="10" name="PlaceHolder 2"/>
+            <a:pPr algn="ctr"/>
+            <a:endParaRPr b="0" lang="en-US" sz="4400" spc="-1" strike="noStrike">
+              <a:latin typeface="Arial"/>
+            </a:endParaRPr>
+          </a:p>
+        </p:txBody>
+      </p:sp>
+      <p:sp>
+        <p:nvSpPr>
+          <p:cNvPr id="7" name="PlaceHolder 2"/>
           <p:cNvSpPr>
             <a:spLocks noGrp="1"/>
           </p:cNvSpPr>
@@ -1243,8 +1179,8 @@
         </p:nvSpPr>
         <p:spPr>
           <a:xfrm>
-            <a:off x="1371600" y="2286000"/>
-            <a:ext cx="9600840" cy="3580920"/>
+            <a:off x="609480" y="1604520"/>
+            <a:ext cx="10972440" cy="3977280"/>
           </a:xfrm>
           <a:prstGeom prst="rect">
             <a:avLst/>
@@ -1286,7 +1222,7 @@
       </p:grpSpPr>
       <p:sp>
         <p:nvSpPr>
-          <p:cNvPr id="64" name="PlaceHolder 1"/>
+          <p:cNvPr id="58" name="PlaceHolder 1"/>
           <p:cNvSpPr>
             <a:spLocks noGrp="1"/>
           </p:cNvSpPr>
@@ -1296,8 +1232,8 @@
         </p:nvSpPr>
         <p:spPr>
           <a:xfrm>
-            <a:off x="1371600" y="685800"/>
-            <a:ext cx="9600840" cy="1485720"/>
+            <a:off x="609480" y="273600"/>
+            <a:ext cx="10972440" cy="1144800"/>
           </a:xfrm>
           <a:prstGeom prst="rect">
             <a:avLst/>
@@ -1308,18 +1244,16 @@
             <a:spAutoFit/>
           </a:bodyPr>
           <a:p>
-            <a:endParaRPr b="0" lang="en-US" sz="1800" spc="-1" strike="noStrike">
-              <a:solidFill>
-                <a:srgbClr val="000000"/>
-              </a:solidFill>
-              <a:latin typeface="Franklin Gothic Book"/>
-            </a:endParaRPr>
-          </a:p>
-        </p:txBody>
-      </p:sp>
-      <p:sp>
-        <p:nvSpPr>
-          <p:cNvPr id="65" name="PlaceHolder 2"/>
+            <a:pPr algn="ctr"/>
+            <a:endParaRPr b="0" lang="en-US" sz="4400" spc="-1" strike="noStrike">
+              <a:latin typeface="Arial"/>
+            </a:endParaRPr>
+          </a:p>
+        </p:txBody>
+      </p:sp>
+      <p:sp>
+        <p:nvSpPr>
+          <p:cNvPr id="59" name="PlaceHolder 2"/>
           <p:cNvSpPr>
             <a:spLocks noGrp="1"/>
           </p:cNvSpPr>
@@ -1329,8 +1263,8 @@
         </p:nvSpPr>
         <p:spPr>
           <a:xfrm>
-            <a:off x="1371600" y="2286000"/>
-            <a:ext cx="4685040" cy="3580920"/>
+            <a:off x="609480" y="1604520"/>
+            <a:ext cx="5354280" cy="3977280"/>
           </a:xfrm>
           <a:prstGeom prst="rect">
             <a:avLst/>
@@ -1341,18 +1275,15 @@
             <a:normAutofit/>
           </a:bodyPr>
           <a:p>
-            <a:endParaRPr b="0" lang="en-US" sz="2000" spc="-1" strike="noStrike">
-              <a:solidFill>
-                <a:srgbClr val="191b0e"/>
-              </a:solidFill>
-              <a:latin typeface="Franklin Gothic Book"/>
-            </a:endParaRPr>
-          </a:p>
-        </p:txBody>
-      </p:sp>
-      <p:sp>
-        <p:nvSpPr>
-          <p:cNvPr id="66" name="PlaceHolder 3"/>
+            <a:endParaRPr b="0" lang="en-US" sz="3200" spc="-1" strike="noStrike">
+              <a:latin typeface="Arial"/>
+            </a:endParaRPr>
+          </a:p>
+        </p:txBody>
+      </p:sp>
+      <p:sp>
+        <p:nvSpPr>
+          <p:cNvPr id="60" name="PlaceHolder 3"/>
           <p:cNvSpPr>
             <a:spLocks noGrp="1"/>
           </p:cNvSpPr>
@@ -1362,8 +1293,8 @@
         </p:nvSpPr>
         <p:spPr>
           <a:xfrm>
-            <a:off x="6291360" y="2286000"/>
-            <a:ext cx="4685040" cy="1707840"/>
+            <a:off x="6231960" y="1604520"/>
+            <a:ext cx="5354280" cy="1896840"/>
           </a:xfrm>
           <a:prstGeom prst="rect">
             <a:avLst/>
@@ -1374,18 +1305,15 @@
             <a:normAutofit/>
           </a:bodyPr>
           <a:p>
-            <a:endParaRPr b="0" lang="en-US" sz="2000" spc="-1" strike="noStrike">
-              <a:solidFill>
-                <a:srgbClr val="191b0e"/>
-              </a:solidFill>
-              <a:latin typeface="Franklin Gothic Book"/>
-            </a:endParaRPr>
-          </a:p>
-        </p:txBody>
-      </p:sp>
-      <p:sp>
-        <p:nvSpPr>
-          <p:cNvPr id="67" name="PlaceHolder 4"/>
+            <a:endParaRPr b="0" lang="en-US" sz="3200" spc="-1" strike="noStrike">
+              <a:latin typeface="Arial"/>
+            </a:endParaRPr>
+          </a:p>
+        </p:txBody>
+      </p:sp>
+      <p:sp>
+        <p:nvSpPr>
+          <p:cNvPr id="61" name="PlaceHolder 4"/>
           <p:cNvSpPr>
             <a:spLocks noGrp="1"/>
           </p:cNvSpPr>
@@ -1395,8 +1323,8 @@
         </p:nvSpPr>
         <p:spPr>
           <a:xfrm>
-            <a:off x="6291360" y="4156560"/>
-            <a:ext cx="4685040" cy="1707840"/>
+            <a:off x="6231960" y="3682080"/>
+            <a:ext cx="5354280" cy="1896840"/>
           </a:xfrm>
           <a:prstGeom prst="rect">
             <a:avLst/>
@@ -1407,11 +1335,8 @@
             <a:normAutofit/>
           </a:bodyPr>
           <a:p>
-            <a:endParaRPr b="0" lang="en-US" sz="2000" spc="-1" strike="noStrike">
-              <a:solidFill>
-                <a:srgbClr val="191b0e"/>
-              </a:solidFill>
-              <a:latin typeface="Franklin Gothic Book"/>
+            <a:endParaRPr b="0" lang="en-US" sz="3200" spc="-1" strike="noStrike">
+              <a:latin typeface="Arial"/>
             </a:endParaRPr>
           </a:p>
         </p:txBody>
@@ -1440,7 +1365,7 @@
       </p:grpSpPr>
       <p:sp>
         <p:nvSpPr>
-          <p:cNvPr id="68" name="PlaceHolder 1"/>
+          <p:cNvPr id="62" name="PlaceHolder 1"/>
           <p:cNvSpPr>
             <a:spLocks noGrp="1"/>
           </p:cNvSpPr>
@@ -1450,8 +1375,8 @@
         </p:nvSpPr>
         <p:spPr>
           <a:xfrm>
-            <a:off x="1371600" y="685800"/>
-            <a:ext cx="9600840" cy="1485720"/>
+            <a:off x="609480" y="273600"/>
+            <a:ext cx="10972440" cy="1144800"/>
           </a:xfrm>
           <a:prstGeom prst="rect">
             <a:avLst/>
@@ -1462,18 +1387,16 @@
             <a:spAutoFit/>
           </a:bodyPr>
           <a:p>
-            <a:endParaRPr b="0" lang="en-US" sz="1800" spc="-1" strike="noStrike">
-              <a:solidFill>
-                <a:srgbClr val="000000"/>
-              </a:solidFill>
-              <a:latin typeface="Franklin Gothic Book"/>
-            </a:endParaRPr>
-          </a:p>
-        </p:txBody>
-      </p:sp>
-      <p:sp>
-        <p:nvSpPr>
-          <p:cNvPr id="69" name="PlaceHolder 2"/>
+            <a:pPr algn="ctr"/>
+            <a:endParaRPr b="0" lang="en-US" sz="4400" spc="-1" strike="noStrike">
+              <a:latin typeface="Arial"/>
+            </a:endParaRPr>
+          </a:p>
+        </p:txBody>
+      </p:sp>
+      <p:sp>
+        <p:nvSpPr>
+          <p:cNvPr id="63" name="PlaceHolder 2"/>
           <p:cNvSpPr>
             <a:spLocks noGrp="1"/>
           </p:cNvSpPr>
@@ -1483,8 +1406,8 @@
         </p:nvSpPr>
         <p:spPr>
           <a:xfrm>
-            <a:off x="1371600" y="2286000"/>
-            <a:ext cx="4685040" cy="1707840"/>
+            <a:off x="609480" y="1604520"/>
+            <a:ext cx="5354280" cy="1896840"/>
           </a:xfrm>
           <a:prstGeom prst="rect">
             <a:avLst/>
@@ -1495,18 +1418,15 @@
             <a:normAutofit/>
           </a:bodyPr>
           <a:p>
-            <a:endParaRPr b="0" lang="en-US" sz="2000" spc="-1" strike="noStrike">
-              <a:solidFill>
-                <a:srgbClr val="191b0e"/>
-              </a:solidFill>
-              <a:latin typeface="Franklin Gothic Book"/>
-            </a:endParaRPr>
-          </a:p>
-        </p:txBody>
-      </p:sp>
-      <p:sp>
-        <p:nvSpPr>
-          <p:cNvPr id="70" name="PlaceHolder 3"/>
+            <a:endParaRPr b="0" lang="en-US" sz="3200" spc="-1" strike="noStrike">
+              <a:latin typeface="Arial"/>
+            </a:endParaRPr>
+          </a:p>
+        </p:txBody>
+      </p:sp>
+      <p:sp>
+        <p:nvSpPr>
+          <p:cNvPr id="64" name="PlaceHolder 3"/>
           <p:cNvSpPr>
             <a:spLocks noGrp="1"/>
           </p:cNvSpPr>
@@ -1516,8 +1436,8 @@
         </p:nvSpPr>
         <p:spPr>
           <a:xfrm>
-            <a:off x="6291360" y="2286000"/>
-            <a:ext cx="4685040" cy="1707840"/>
+            <a:off x="6231960" y="1604520"/>
+            <a:ext cx="5354280" cy="1896840"/>
           </a:xfrm>
           <a:prstGeom prst="rect">
             <a:avLst/>
@@ -1528,18 +1448,15 @@
             <a:normAutofit/>
           </a:bodyPr>
           <a:p>
-            <a:endParaRPr b="0" lang="en-US" sz="2000" spc="-1" strike="noStrike">
-              <a:solidFill>
-                <a:srgbClr val="191b0e"/>
-              </a:solidFill>
-              <a:latin typeface="Franklin Gothic Book"/>
-            </a:endParaRPr>
-          </a:p>
-        </p:txBody>
-      </p:sp>
-      <p:sp>
-        <p:nvSpPr>
-          <p:cNvPr id="71" name="PlaceHolder 4"/>
+            <a:endParaRPr b="0" lang="en-US" sz="3200" spc="-1" strike="noStrike">
+              <a:latin typeface="Arial"/>
+            </a:endParaRPr>
+          </a:p>
+        </p:txBody>
+      </p:sp>
+      <p:sp>
+        <p:nvSpPr>
+          <p:cNvPr id="65" name="PlaceHolder 4"/>
           <p:cNvSpPr>
             <a:spLocks noGrp="1"/>
           </p:cNvSpPr>
@@ -1549,8 +1466,8 @@
         </p:nvSpPr>
         <p:spPr>
           <a:xfrm>
-            <a:off x="1371600" y="4156560"/>
-            <a:ext cx="9600840" cy="1707840"/>
+            <a:off x="609480" y="3682080"/>
+            <a:ext cx="10972440" cy="1896840"/>
           </a:xfrm>
           <a:prstGeom prst="rect">
             <a:avLst/>
@@ -1561,11 +1478,8 @@
             <a:normAutofit/>
           </a:bodyPr>
           <a:p>
-            <a:endParaRPr b="0" lang="en-US" sz="2000" spc="-1" strike="noStrike">
-              <a:solidFill>
-                <a:srgbClr val="191b0e"/>
-              </a:solidFill>
-              <a:latin typeface="Franklin Gothic Book"/>
+            <a:endParaRPr b="0" lang="en-US" sz="3200" spc="-1" strike="noStrike">
+              <a:latin typeface="Arial"/>
             </a:endParaRPr>
           </a:p>
         </p:txBody>
@@ -1594,7 +1508,7 @@
       </p:grpSpPr>
       <p:sp>
         <p:nvSpPr>
-          <p:cNvPr id="72" name="PlaceHolder 1"/>
+          <p:cNvPr id="66" name="PlaceHolder 1"/>
           <p:cNvSpPr>
             <a:spLocks noGrp="1"/>
           </p:cNvSpPr>
@@ -1604,8 +1518,8 @@
         </p:nvSpPr>
         <p:spPr>
           <a:xfrm>
-            <a:off x="1371600" y="685800"/>
-            <a:ext cx="9600840" cy="1485720"/>
+            <a:off x="609480" y="273600"/>
+            <a:ext cx="10972440" cy="1144800"/>
           </a:xfrm>
           <a:prstGeom prst="rect">
             <a:avLst/>
@@ -1616,18 +1530,16 @@
             <a:spAutoFit/>
           </a:bodyPr>
           <a:p>
-            <a:endParaRPr b="0" lang="en-US" sz="1800" spc="-1" strike="noStrike">
-              <a:solidFill>
-                <a:srgbClr val="000000"/>
-              </a:solidFill>
-              <a:latin typeface="Franklin Gothic Book"/>
-            </a:endParaRPr>
-          </a:p>
-        </p:txBody>
-      </p:sp>
-      <p:sp>
-        <p:nvSpPr>
-          <p:cNvPr id="73" name="PlaceHolder 2"/>
+            <a:pPr algn="ctr"/>
+            <a:endParaRPr b="0" lang="en-US" sz="4400" spc="-1" strike="noStrike">
+              <a:latin typeface="Arial"/>
+            </a:endParaRPr>
+          </a:p>
+        </p:txBody>
+      </p:sp>
+      <p:sp>
+        <p:nvSpPr>
+          <p:cNvPr id="67" name="PlaceHolder 2"/>
           <p:cNvSpPr>
             <a:spLocks noGrp="1"/>
           </p:cNvSpPr>
@@ -1637,8 +1549,8 @@
         </p:nvSpPr>
         <p:spPr>
           <a:xfrm>
-            <a:off x="1371600" y="2286000"/>
-            <a:ext cx="9600840" cy="1707840"/>
+            <a:off x="609480" y="1604520"/>
+            <a:ext cx="10972440" cy="1896840"/>
           </a:xfrm>
           <a:prstGeom prst="rect">
             <a:avLst/>
@@ -1649,18 +1561,15 @@
             <a:normAutofit/>
           </a:bodyPr>
           <a:p>
-            <a:endParaRPr b="0" lang="en-US" sz="2000" spc="-1" strike="noStrike">
-              <a:solidFill>
-                <a:srgbClr val="191b0e"/>
-              </a:solidFill>
-              <a:latin typeface="Franklin Gothic Book"/>
-            </a:endParaRPr>
-          </a:p>
-        </p:txBody>
-      </p:sp>
-      <p:sp>
-        <p:nvSpPr>
-          <p:cNvPr id="74" name="PlaceHolder 3"/>
+            <a:endParaRPr b="0" lang="en-US" sz="3200" spc="-1" strike="noStrike">
+              <a:latin typeface="Arial"/>
+            </a:endParaRPr>
+          </a:p>
+        </p:txBody>
+      </p:sp>
+      <p:sp>
+        <p:nvSpPr>
+          <p:cNvPr id="68" name="PlaceHolder 3"/>
           <p:cNvSpPr>
             <a:spLocks noGrp="1"/>
           </p:cNvSpPr>
@@ -1670,8 +1579,8 @@
         </p:nvSpPr>
         <p:spPr>
           <a:xfrm>
-            <a:off x="1371600" y="4156560"/>
-            <a:ext cx="9600840" cy="1707840"/>
+            <a:off x="609480" y="3682080"/>
+            <a:ext cx="10972440" cy="1896840"/>
           </a:xfrm>
           <a:prstGeom prst="rect">
             <a:avLst/>
@@ -1682,11 +1591,8 @@
             <a:normAutofit/>
           </a:bodyPr>
           <a:p>
-            <a:endParaRPr b="0" lang="en-US" sz="2000" spc="-1" strike="noStrike">
-              <a:solidFill>
-                <a:srgbClr val="191b0e"/>
-              </a:solidFill>
-              <a:latin typeface="Franklin Gothic Book"/>
+            <a:endParaRPr b="0" lang="en-US" sz="3200" spc="-1" strike="noStrike">
+              <a:latin typeface="Arial"/>
             </a:endParaRPr>
           </a:p>
         </p:txBody>
@@ -1715,7 +1621,7 @@
       </p:grpSpPr>
       <p:sp>
         <p:nvSpPr>
-          <p:cNvPr id="75" name="PlaceHolder 1"/>
+          <p:cNvPr id="69" name="PlaceHolder 1"/>
           <p:cNvSpPr>
             <a:spLocks noGrp="1"/>
           </p:cNvSpPr>
@@ -1725,8 +1631,8 @@
         </p:nvSpPr>
         <p:spPr>
           <a:xfrm>
-            <a:off x="1371600" y="685800"/>
-            <a:ext cx="9600840" cy="1485720"/>
+            <a:off x="609480" y="273600"/>
+            <a:ext cx="10972440" cy="1144800"/>
           </a:xfrm>
           <a:prstGeom prst="rect">
             <a:avLst/>
@@ -1737,18 +1643,16 @@
             <a:spAutoFit/>
           </a:bodyPr>
           <a:p>
-            <a:endParaRPr b="0" lang="en-US" sz="1800" spc="-1" strike="noStrike">
-              <a:solidFill>
-                <a:srgbClr val="000000"/>
-              </a:solidFill>
-              <a:latin typeface="Franklin Gothic Book"/>
-            </a:endParaRPr>
-          </a:p>
-        </p:txBody>
-      </p:sp>
-      <p:sp>
-        <p:nvSpPr>
-          <p:cNvPr id="76" name="PlaceHolder 2"/>
+            <a:pPr algn="ctr"/>
+            <a:endParaRPr b="0" lang="en-US" sz="4400" spc="-1" strike="noStrike">
+              <a:latin typeface="Arial"/>
+            </a:endParaRPr>
+          </a:p>
+        </p:txBody>
+      </p:sp>
+      <p:sp>
+        <p:nvSpPr>
+          <p:cNvPr id="70" name="PlaceHolder 2"/>
           <p:cNvSpPr>
             <a:spLocks noGrp="1"/>
           </p:cNvSpPr>
@@ -1758,8 +1662,8 @@
         </p:nvSpPr>
         <p:spPr>
           <a:xfrm>
-            <a:off x="1371600" y="2286000"/>
-            <a:ext cx="4685040" cy="1707840"/>
+            <a:off x="609480" y="1604520"/>
+            <a:ext cx="5354280" cy="1896840"/>
           </a:xfrm>
           <a:prstGeom prst="rect">
             <a:avLst/>
@@ -1770,18 +1674,15 @@
             <a:normAutofit/>
           </a:bodyPr>
           <a:p>
-            <a:endParaRPr b="0" lang="en-US" sz="2000" spc="-1" strike="noStrike">
-              <a:solidFill>
-                <a:srgbClr val="191b0e"/>
-              </a:solidFill>
-              <a:latin typeface="Franklin Gothic Book"/>
-            </a:endParaRPr>
-          </a:p>
-        </p:txBody>
-      </p:sp>
-      <p:sp>
-        <p:nvSpPr>
-          <p:cNvPr id="77" name="PlaceHolder 3"/>
+            <a:endParaRPr b="0" lang="en-US" sz="3200" spc="-1" strike="noStrike">
+              <a:latin typeface="Arial"/>
+            </a:endParaRPr>
+          </a:p>
+        </p:txBody>
+      </p:sp>
+      <p:sp>
+        <p:nvSpPr>
+          <p:cNvPr id="71" name="PlaceHolder 3"/>
           <p:cNvSpPr>
             <a:spLocks noGrp="1"/>
           </p:cNvSpPr>
@@ -1791,8 +1692,8 @@
         </p:nvSpPr>
         <p:spPr>
           <a:xfrm>
-            <a:off x="6291360" y="2286000"/>
-            <a:ext cx="4685040" cy="1707840"/>
+            <a:off x="6231960" y="1604520"/>
+            <a:ext cx="5354280" cy="1896840"/>
           </a:xfrm>
           <a:prstGeom prst="rect">
             <a:avLst/>
@@ -1803,18 +1704,15 @@
             <a:normAutofit/>
           </a:bodyPr>
           <a:p>
-            <a:endParaRPr b="0" lang="en-US" sz="2000" spc="-1" strike="noStrike">
-              <a:solidFill>
-                <a:srgbClr val="191b0e"/>
-              </a:solidFill>
-              <a:latin typeface="Franklin Gothic Book"/>
-            </a:endParaRPr>
-          </a:p>
-        </p:txBody>
-      </p:sp>
-      <p:sp>
-        <p:nvSpPr>
-          <p:cNvPr id="78" name="PlaceHolder 4"/>
+            <a:endParaRPr b="0" lang="en-US" sz="3200" spc="-1" strike="noStrike">
+              <a:latin typeface="Arial"/>
+            </a:endParaRPr>
+          </a:p>
+        </p:txBody>
+      </p:sp>
+      <p:sp>
+        <p:nvSpPr>
+          <p:cNvPr id="72" name="PlaceHolder 4"/>
           <p:cNvSpPr>
             <a:spLocks noGrp="1"/>
           </p:cNvSpPr>
@@ -1824,8 +1722,8 @@
         </p:nvSpPr>
         <p:spPr>
           <a:xfrm>
-            <a:off x="1371600" y="4156560"/>
-            <a:ext cx="4685040" cy="1707840"/>
+            <a:off x="609480" y="3682080"/>
+            <a:ext cx="5354280" cy="1896840"/>
           </a:xfrm>
           <a:prstGeom prst="rect">
             <a:avLst/>
@@ -1836,18 +1734,15 @@
             <a:normAutofit/>
           </a:bodyPr>
           <a:p>
-            <a:endParaRPr b="0" lang="en-US" sz="2000" spc="-1" strike="noStrike">
-              <a:solidFill>
-                <a:srgbClr val="191b0e"/>
-              </a:solidFill>
-              <a:latin typeface="Franklin Gothic Book"/>
-            </a:endParaRPr>
-          </a:p>
-        </p:txBody>
-      </p:sp>
-      <p:sp>
-        <p:nvSpPr>
-          <p:cNvPr id="79" name="PlaceHolder 5"/>
+            <a:endParaRPr b="0" lang="en-US" sz="3200" spc="-1" strike="noStrike">
+              <a:latin typeface="Arial"/>
+            </a:endParaRPr>
+          </a:p>
+        </p:txBody>
+      </p:sp>
+      <p:sp>
+        <p:nvSpPr>
+          <p:cNvPr id="73" name="PlaceHolder 5"/>
           <p:cNvSpPr>
             <a:spLocks noGrp="1"/>
           </p:cNvSpPr>
@@ -1857,8 +1752,8 @@
         </p:nvSpPr>
         <p:spPr>
           <a:xfrm>
-            <a:off x="6291360" y="4156560"/>
-            <a:ext cx="4685040" cy="1707840"/>
+            <a:off x="6231960" y="3682080"/>
+            <a:ext cx="5354280" cy="1896840"/>
           </a:xfrm>
           <a:prstGeom prst="rect">
             <a:avLst/>
@@ -1869,11 +1764,8 @@
             <a:normAutofit/>
           </a:bodyPr>
           <a:p>
-            <a:endParaRPr b="0" lang="en-US" sz="2000" spc="-1" strike="noStrike">
-              <a:solidFill>
-                <a:srgbClr val="191b0e"/>
-              </a:solidFill>
-              <a:latin typeface="Franklin Gothic Book"/>
+            <a:endParaRPr b="0" lang="en-US" sz="3200" spc="-1" strike="noStrike">
+              <a:latin typeface="Arial"/>
             </a:endParaRPr>
           </a:p>
         </p:txBody>
@@ -1902,7 +1794,7 @@
       </p:grpSpPr>
       <p:sp>
         <p:nvSpPr>
-          <p:cNvPr id="80" name="PlaceHolder 1"/>
+          <p:cNvPr id="74" name="PlaceHolder 1"/>
           <p:cNvSpPr>
             <a:spLocks noGrp="1"/>
           </p:cNvSpPr>
@@ -1912,8 +1804,8 @@
         </p:nvSpPr>
         <p:spPr>
           <a:xfrm>
-            <a:off x="1371600" y="685800"/>
-            <a:ext cx="9600840" cy="1485720"/>
+            <a:off x="609480" y="273600"/>
+            <a:ext cx="10972440" cy="1144800"/>
           </a:xfrm>
           <a:prstGeom prst="rect">
             <a:avLst/>
@@ -1924,18 +1816,16 @@
             <a:spAutoFit/>
           </a:bodyPr>
           <a:p>
-            <a:endParaRPr b="0" lang="en-US" sz="1800" spc="-1" strike="noStrike">
-              <a:solidFill>
-                <a:srgbClr val="000000"/>
-              </a:solidFill>
-              <a:latin typeface="Franklin Gothic Book"/>
-            </a:endParaRPr>
-          </a:p>
-        </p:txBody>
-      </p:sp>
-      <p:sp>
-        <p:nvSpPr>
-          <p:cNvPr id="81" name="PlaceHolder 2"/>
+            <a:pPr algn="ctr"/>
+            <a:endParaRPr b="0" lang="en-US" sz="4400" spc="-1" strike="noStrike">
+              <a:latin typeface="Arial"/>
+            </a:endParaRPr>
+          </a:p>
+        </p:txBody>
+      </p:sp>
+      <p:sp>
+        <p:nvSpPr>
+          <p:cNvPr id="75" name="PlaceHolder 2"/>
           <p:cNvSpPr>
             <a:spLocks noGrp="1"/>
           </p:cNvSpPr>
@@ -1945,8 +1835,8 @@
         </p:nvSpPr>
         <p:spPr>
           <a:xfrm>
-            <a:off x="1371600" y="2286000"/>
-            <a:ext cx="3091320" cy="1707840"/>
+            <a:off x="609480" y="1604520"/>
+            <a:ext cx="3533040" cy="1896840"/>
           </a:xfrm>
           <a:prstGeom prst="rect">
             <a:avLst/>
@@ -1957,18 +1847,15 @@
             <a:normAutofit/>
           </a:bodyPr>
           <a:p>
-            <a:endParaRPr b="0" lang="en-US" sz="2000" spc="-1" strike="noStrike">
-              <a:solidFill>
-                <a:srgbClr val="191b0e"/>
-              </a:solidFill>
-              <a:latin typeface="Franklin Gothic Book"/>
-            </a:endParaRPr>
-          </a:p>
-        </p:txBody>
-      </p:sp>
-      <p:sp>
-        <p:nvSpPr>
-          <p:cNvPr id="82" name="PlaceHolder 3"/>
+            <a:endParaRPr b="0" lang="en-US" sz="3200" spc="-1" strike="noStrike">
+              <a:latin typeface="Arial"/>
+            </a:endParaRPr>
+          </a:p>
+        </p:txBody>
+      </p:sp>
+      <p:sp>
+        <p:nvSpPr>
+          <p:cNvPr id="76" name="PlaceHolder 3"/>
           <p:cNvSpPr>
             <a:spLocks noGrp="1"/>
           </p:cNvSpPr>
@@ -1978,8 +1865,8 @@
         </p:nvSpPr>
         <p:spPr>
           <a:xfrm>
-            <a:off x="4617720" y="2286000"/>
-            <a:ext cx="3091320" cy="1707840"/>
+            <a:off x="4319640" y="1604520"/>
+            <a:ext cx="3533040" cy="1896840"/>
           </a:xfrm>
           <a:prstGeom prst="rect">
             <a:avLst/>
@@ -1990,18 +1877,15 @@
             <a:normAutofit/>
           </a:bodyPr>
           <a:p>
-            <a:endParaRPr b="0" lang="en-US" sz="2000" spc="-1" strike="noStrike">
-              <a:solidFill>
-                <a:srgbClr val="191b0e"/>
-              </a:solidFill>
-              <a:latin typeface="Franklin Gothic Book"/>
-            </a:endParaRPr>
-          </a:p>
-        </p:txBody>
-      </p:sp>
-      <p:sp>
-        <p:nvSpPr>
-          <p:cNvPr id="83" name="PlaceHolder 4"/>
+            <a:endParaRPr b="0" lang="en-US" sz="3200" spc="-1" strike="noStrike">
+              <a:latin typeface="Arial"/>
+            </a:endParaRPr>
+          </a:p>
+        </p:txBody>
+      </p:sp>
+      <p:sp>
+        <p:nvSpPr>
+          <p:cNvPr id="77" name="PlaceHolder 4"/>
           <p:cNvSpPr>
             <a:spLocks noGrp="1"/>
           </p:cNvSpPr>
@@ -2011,8 +1895,8 @@
         </p:nvSpPr>
         <p:spPr>
           <a:xfrm>
-            <a:off x="7864200" y="2286000"/>
-            <a:ext cx="3091320" cy="1707840"/>
+            <a:off x="8029800" y="1604520"/>
+            <a:ext cx="3533040" cy="1896840"/>
           </a:xfrm>
           <a:prstGeom prst="rect">
             <a:avLst/>
@@ -2023,18 +1907,15 @@
             <a:normAutofit/>
           </a:bodyPr>
           <a:p>
-            <a:endParaRPr b="0" lang="en-US" sz="2000" spc="-1" strike="noStrike">
-              <a:solidFill>
-                <a:srgbClr val="191b0e"/>
-              </a:solidFill>
-              <a:latin typeface="Franklin Gothic Book"/>
-            </a:endParaRPr>
-          </a:p>
-        </p:txBody>
-      </p:sp>
-      <p:sp>
-        <p:nvSpPr>
-          <p:cNvPr id="84" name="PlaceHolder 5"/>
+            <a:endParaRPr b="0" lang="en-US" sz="3200" spc="-1" strike="noStrike">
+              <a:latin typeface="Arial"/>
+            </a:endParaRPr>
+          </a:p>
+        </p:txBody>
+      </p:sp>
+      <p:sp>
+        <p:nvSpPr>
+          <p:cNvPr id="78" name="PlaceHolder 5"/>
           <p:cNvSpPr>
             <a:spLocks noGrp="1"/>
           </p:cNvSpPr>
@@ -2044,8 +1925,8 @@
         </p:nvSpPr>
         <p:spPr>
           <a:xfrm>
-            <a:off x="1371600" y="4156560"/>
-            <a:ext cx="3091320" cy="1707840"/>
+            <a:off x="609480" y="3682080"/>
+            <a:ext cx="3533040" cy="1896840"/>
           </a:xfrm>
           <a:prstGeom prst="rect">
             <a:avLst/>
@@ -2056,18 +1937,15 @@
             <a:normAutofit/>
           </a:bodyPr>
           <a:p>
-            <a:endParaRPr b="0" lang="en-US" sz="2000" spc="-1" strike="noStrike">
-              <a:solidFill>
-                <a:srgbClr val="191b0e"/>
-              </a:solidFill>
-              <a:latin typeface="Franklin Gothic Book"/>
-            </a:endParaRPr>
-          </a:p>
-        </p:txBody>
-      </p:sp>
-      <p:sp>
-        <p:nvSpPr>
-          <p:cNvPr id="85" name="PlaceHolder 6"/>
+            <a:endParaRPr b="0" lang="en-US" sz="3200" spc="-1" strike="noStrike">
+              <a:latin typeface="Arial"/>
+            </a:endParaRPr>
+          </a:p>
+        </p:txBody>
+      </p:sp>
+      <p:sp>
+        <p:nvSpPr>
+          <p:cNvPr id="79" name="PlaceHolder 6"/>
           <p:cNvSpPr>
             <a:spLocks noGrp="1"/>
           </p:cNvSpPr>
@@ -2077,8 +1955,8 @@
         </p:nvSpPr>
         <p:spPr>
           <a:xfrm>
-            <a:off x="4617720" y="4156560"/>
-            <a:ext cx="3091320" cy="1707840"/>
+            <a:off x="4319640" y="3682080"/>
+            <a:ext cx="3533040" cy="1896840"/>
           </a:xfrm>
           <a:prstGeom prst="rect">
             <a:avLst/>
@@ -2089,18 +1967,15 @@
             <a:normAutofit/>
           </a:bodyPr>
           <a:p>
-            <a:endParaRPr b="0" lang="en-US" sz="2000" spc="-1" strike="noStrike">
-              <a:solidFill>
-                <a:srgbClr val="191b0e"/>
-              </a:solidFill>
-              <a:latin typeface="Franklin Gothic Book"/>
-            </a:endParaRPr>
-          </a:p>
-        </p:txBody>
-      </p:sp>
-      <p:sp>
-        <p:nvSpPr>
-          <p:cNvPr id="86" name="PlaceHolder 7"/>
+            <a:endParaRPr b="0" lang="en-US" sz="3200" spc="-1" strike="noStrike">
+              <a:latin typeface="Arial"/>
+            </a:endParaRPr>
+          </a:p>
+        </p:txBody>
+      </p:sp>
+      <p:sp>
+        <p:nvSpPr>
+          <p:cNvPr id="80" name="PlaceHolder 7"/>
           <p:cNvSpPr>
             <a:spLocks noGrp="1"/>
           </p:cNvSpPr>
@@ -2110,8 +1985,8 @@
         </p:nvSpPr>
         <p:spPr>
           <a:xfrm>
-            <a:off x="7864200" y="4156560"/>
-            <a:ext cx="3091320" cy="1707840"/>
+            <a:off x="8029800" y="3682080"/>
+            <a:ext cx="3533040" cy="1896840"/>
           </a:xfrm>
           <a:prstGeom prst="rect">
             <a:avLst/>
@@ -2122,11 +1997,8 @@
             <a:normAutofit/>
           </a:bodyPr>
           <a:p>
-            <a:endParaRPr b="0" lang="en-US" sz="2000" spc="-1" strike="noStrike">
-              <a:solidFill>
-                <a:srgbClr val="191b0e"/>
-              </a:solidFill>
-              <a:latin typeface="Franklin Gothic Book"/>
+            <a:endParaRPr b="0" lang="en-US" sz="3200" spc="-1" strike="noStrike">
+              <a:latin typeface="Arial"/>
             </a:endParaRPr>
           </a:p>
         </p:txBody>
@@ -2155,7 +2027,7 @@
       </p:grpSpPr>
       <p:sp>
         <p:nvSpPr>
-          <p:cNvPr id="11" name="PlaceHolder 1"/>
+          <p:cNvPr id="8" name="PlaceHolder 1"/>
           <p:cNvSpPr>
             <a:spLocks noGrp="1"/>
           </p:cNvSpPr>
@@ -2165,8 +2037,8 @@
         </p:nvSpPr>
         <p:spPr>
           <a:xfrm>
-            <a:off x="1371600" y="685800"/>
-            <a:ext cx="9600840" cy="1485720"/>
+            <a:off x="609480" y="273600"/>
+            <a:ext cx="10972440" cy="1144800"/>
           </a:xfrm>
           <a:prstGeom prst="rect">
             <a:avLst/>
@@ -2177,18 +2049,16 @@
             <a:spAutoFit/>
           </a:bodyPr>
           <a:p>
-            <a:endParaRPr b="0" lang="en-US" sz="1800" spc="-1" strike="noStrike">
-              <a:solidFill>
-                <a:srgbClr val="000000"/>
-              </a:solidFill>
-              <a:latin typeface="Franklin Gothic Book"/>
-            </a:endParaRPr>
-          </a:p>
-        </p:txBody>
-      </p:sp>
-      <p:sp>
-        <p:nvSpPr>
-          <p:cNvPr id="12" name="PlaceHolder 2"/>
+            <a:pPr algn="ctr"/>
+            <a:endParaRPr b="0" lang="en-US" sz="4400" spc="-1" strike="noStrike">
+              <a:latin typeface="Arial"/>
+            </a:endParaRPr>
+          </a:p>
+        </p:txBody>
+      </p:sp>
+      <p:sp>
+        <p:nvSpPr>
+          <p:cNvPr id="9" name="PlaceHolder 2"/>
           <p:cNvSpPr>
             <a:spLocks noGrp="1"/>
           </p:cNvSpPr>
@@ -2198,8 +2068,8 @@
         </p:nvSpPr>
         <p:spPr>
           <a:xfrm>
-            <a:off x="1371600" y="2286000"/>
-            <a:ext cx="9600840" cy="3580920"/>
+            <a:off x="609480" y="1604520"/>
+            <a:ext cx="10972440" cy="3977280"/>
           </a:xfrm>
           <a:prstGeom prst="rect">
             <a:avLst/>
@@ -2210,11 +2080,8 @@
             <a:normAutofit/>
           </a:bodyPr>
           <a:p>
-            <a:endParaRPr b="0" lang="en-US" sz="2000" spc="-1" strike="noStrike">
-              <a:solidFill>
-                <a:srgbClr val="191b0e"/>
-              </a:solidFill>
-              <a:latin typeface="Franklin Gothic Book"/>
+            <a:endParaRPr b="0" lang="en-US" sz="3200" spc="-1" strike="noStrike">
+              <a:latin typeface="Arial"/>
             </a:endParaRPr>
           </a:p>
         </p:txBody>
@@ -2243,7 +2110,7 @@
       </p:grpSpPr>
       <p:sp>
         <p:nvSpPr>
-          <p:cNvPr id="13" name="PlaceHolder 1"/>
+          <p:cNvPr id="10" name="PlaceHolder 1"/>
           <p:cNvSpPr>
             <a:spLocks noGrp="1"/>
           </p:cNvSpPr>
@@ -2253,8 +2120,8 @@
         </p:nvSpPr>
         <p:spPr>
           <a:xfrm>
-            <a:off x="1371600" y="685800"/>
-            <a:ext cx="9600840" cy="1485720"/>
+            <a:off x="609480" y="273600"/>
+            <a:ext cx="10972440" cy="1144800"/>
           </a:xfrm>
           <a:prstGeom prst="rect">
             <a:avLst/>
@@ -2265,18 +2132,16 @@
             <a:spAutoFit/>
           </a:bodyPr>
           <a:p>
-            <a:endParaRPr b="0" lang="en-US" sz="1800" spc="-1" strike="noStrike">
-              <a:solidFill>
-                <a:srgbClr val="000000"/>
-              </a:solidFill>
-              <a:latin typeface="Franklin Gothic Book"/>
-            </a:endParaRPr>
-          </a:p>
-        </p:txBody>
-      </p:sp>
-      <p:sp>
-        <p:nvSpPr>
-          <p:cNvPr id="14" name="PlaceHolder 2"/>
+            <a:pPr algn="ctr"/>
+            <a:endParaRPr b="0" lang="en-US" sz="4400" spc="-1" strike="noStrike">
+              <a:latin typeface="Arial"/>
+            </a:endParaRPr>
+          </a:p>
+        </p:txBody>
+      </p:sp>
+      <p:sp>
+        <p:nvSpPr>
+          <p:cNvPr id="11" name="PlaceHolder 2"/>
           <p:cNvSpPr>
             <a:spLocks noGrp="1"/>
           </p:cNvSpPr>
@@ -2286,8 +2151,8 @@
         </p:nvSpPr>
         <p:spPr>
           <a:xfrm>
-            <a:off x="1371600" y="2286000"/>
-            <a:ext cx="4685040" cy="3580920"/>
+            <a:off x="609480" y="1604520"/>
+            <a:ext cx="5354280" cy="3977280"/>
           </a:xfrm>
           <a:prstGeom prst="rect">
             <a:avLst/>
@@ -2298,18 +2163,15 @@
             <a:normAutofit/>
           </a:bodyPr>
           <a:p>
-            <a:endParaRPr b="0" lang="en-US" sz="2000" spc="-1" strike="noStrike">
-              <a:solidFill>
-                <a:srgbClr val="191b0e"/>
-              </a:solidFill>
-              <a:latin typeface="Franklin Gothic Book"/>
-            </a:endParaRPr>
-          </a:p>
-        </p:txBody>
-      </p:sp>
-      <p:sp>
-        <p:nvSpPr>
-          <p:cNvPr id="15" name="PlaceHolder 3"/>
+            <a:endParaRPr b="0" lang="en-US" sz="3200" spc="-1" strike="noStrike">
+              <a:latin typeface="Arial"/>
+            </a:endParaRPr>
+          </a:p>
+        </p:txBody>
+      </p:sp>
+      <p:sp>
+        <p:nvSpPr>
+          <p:cNvPr id="12" name="PlaceHolder 3"/>
           <p:cNvSpPr>
             <a:spLocks noGrp="1"/>
           </p:cNvSpPr>
@@ -2319,8 +2181,8 @@
         </p:nvSpPr>
         <p:spPr>
           <a:xfrm>
-            <a:off x="6291360" y="2286000"/>
-            <a:ext cx="4685040" cy="3580920"/>
+            <a:off x="6231960" y="1604520"/>
+            <a:ext cx="5354280" cy="3977280"/>
           </a:xfrm>
           <a:prstGeom prst="rect">
             <a:avLst/>
@@ -2331,11 +2193,8 @@
             <a:normAutofit/>
           </a:bodyPr>
           <a:p>
-            <a:endParaRPr b="0" lang="en-US" sz="2000" spc="-1" strike="noStrike">
-              <a:solidFill>
-                <a:srgbClr val="191b0e"/>
-              </a:solidFill>
-              <a:latin typeface="Franklin Gothic Book"/>
+            <a:endParaRPr b="0" lang="en-US" sz="3200" spc="-1" strike="noStrike">
+              <a:latin typeface="Arial"/>
             </a:endParaRPr>
           </a:p>
         </p:txBody>
@@ -2364,7 +2223,7 @@
       </p:grpSpPr>
       <p:sp>
         <p:nvSpPr>
-          <p:cNvPr id="16" name="PlaceHolder 1"/>
+          <p:cNvPr id="13" name="PlaceHolder 1"/>
           <p:cNvSpPr>
             <a:spLocks noGrp="1"/>
           </p:cNvSpPr>
@@ -2374,8 +2233,8 @@
         </p:nvSpPr>
         <p:spPr>
           <a:xfrm>
-            <a:off x="1371600" y="685800"/>
-            <a:ext cx="9600840" cy="1485720"/>
+            <a:off x="609480" y="273600"/>
+            <a:ext cx="10972440" cy="1144800"/>
           </a:xfrm>
           <a:prstGeom prst="rect">
             <a:avLst/>
@@ -2386,11 +2245,9 @@
             <a:spAutoFit/>
           </a:bodyPr>
           <a:p>
-            <a:endParaRPr b="0" lang="en-US" sz="1800" spc="-1" strike="noStrike">
-              <a:solidFill>
-                <a:srgbClr val="000000"/>
-              </a:solidFill>
-              <a:latin typeface="Franklin Gothic Book"/>
+            <a:pPr algn="ctr"/>
+            <a:endParaRPr b="0" lang="en-US" sz="4400" spc="-1" strike="noStrike">
+              <a:latin typeface="Arial"/>
             </a:endParaRPr>
           </a:p>
         </p:txBody>
@@ -2419,7 +2276,7 @@
       </p:grpSpPr>
       <p:sp>
         <p:nvSpPr>
-          <p:cNvPr id="17" name="PlaceHolder 1"/>
+          <p:cNvPr id="14" name="PlaceHolder 1"/>
           <p:cNvSpPr>
             <a:spLocks noGrp="1"/>
           </p:cNvSpPr>
@@ -2429,8 +2286,8 @@
         </p:nvSpPr>
         <p:spPr>
           <a:xfrm>
-            <a:off x="1371600" y="685800"/>
-            <a:ext cx="9600840" cy="6888240"/>
+            <a:off x="609480" y="273600"/>
+            <a:ext cx="10972440" cy="5307840"/>
           </a:xfrm>
           <a:prstGeom prst="rect">
             <a:avLst/>
@@ -2472,7 +2329,7 @@
       </p:grpSpPr>
       <p:sp>
         <p:nvSpPr>
-          <p:cNvPr id="18" name="PlaceHolder 1"/>
+          <p:cNvPr id="15" name="PlaceHolder 1"/>
           <p:cNvSpPr>
             <a:spLocks noGrp="1"/>
           </p:cNvSpPr>
@@ -2482,8 +2339,8 @@
         </p:nvSpPr>
         <p:spPr>
           <a:xfrm>
-            <a:off x="1371600" y="685800"/>
-            <a:ext cx="9600840" cy="1485720"/>
+            <a:off x="609480" y="273600"/>
+            <a:ext cx="10972440" cy="1144800"/>
           </a:xfrm>
           <a:prstGeom prst="rect">
             <a:avLst/>
@@ -2494,18 +2351,16 @@
             <a:spAutoFit/>
           </a:bodyPr>
           <a:p>
-            <a:endParaRPr b="0" lang="en-US" sz="1800" spc="-1" strike="noStrike">
-              <a:solidFill>
-                <a:srgbClr val="000000"/>
-              </a:solidFill>
-              <a:latin typeface="Franklin Gothic Book"/>
-            </a:endParaRPr>
-          </a:p>
-        </p:txBody>
-      </p:sp>
-      <p:sp>
-        <p:nvSpPr>
-          <p:cNvPr id="19" name="PlaceHolder 2"/>
+            <a:pPr algn="ctr"/>
+            <a:endParaRPr b="0" lang="en-US" sz="4400" spc="-1" strike="noStrike">
+              <a:latin typeface="Arial"/>
+            </a:endParaRPr>
+          </a:p>
+        </p:txBody>
+      </p:sp>
+      <p:sp>
+        <p:nvSpPr>
+          <p:cNvPr id="16" name="PlaceHolder 2"/>
           <p:cNvSpPr>
             <a:spLocks noGrp="1"/>
           </p:cNvSpPr>
@@ -2515,8 +2370,8 @@
         </p:nvSpPr>
         <p:spPr>
           <a:xfrm>
-            <a:off x="1371600" y="2286000"/>
-            <a:ext cx="4685040" cy="1707840"/>
+            <a:off x="609480" y="1604520"/>
+            <a:ext cx="5354280" cy="1896840"/>
           </a:xfrm>
           <a:prstGeom prst="rect">
             <a:avLst/>
@@ -2527,18 +2382,15 @@
             <a:normAutofit/>
           </a:bodyPr>
           <a:p>
-            <a:endParaRPr b="0" lang="en-US" sz="2000" spc="-1" strike="noStrike">
-              <a:solidFill>
-                <a:srgbClr val="191b0e"/>
-              </a:solidFill>
-              <a:latin typeface="Franklin Gothic Book"/>
-            </a:endParaRPr>
-          </a:p>
-        </p:txBody>
-      </p:sp>
-      <p:sp>
-        <p:nvSpPr>
-          <p:cNvPr id="20" name="PlaceHolder 3"/>
+            <a:endParaRPr b="0" lang="en-US" sz="3200" spc="-1" strike="noStrike">
+              <a:latin typeface="Arial"/>
+            </a:endParaRPr>
+          </a:p>
+        </p:txBody>
+      </p:sp>
+      <p:sp>
+        <p:nvSpPr>
+          <p:cNvPr id="17" name="PlaceHolder 3"/>
           <p:cNvSpPr>
             <a:spLocks noGrp="1"/>
           </p:cNvSpPr>
@@ -2548,8 +2400,8 @@
         </p:nvSpPr>
         <p:spPr>
           <a:xfrm>
-            <a:off x="6291360" y="2286000"/>
-            <a:ext cx="4685040" cy="3580920"/>
+            <a:off x="6231960" y="1604520"/>
+            <a:ext cx="5354280" cy="3977280"/>
           </a:xfrm>
           <a:prstGeom prst="rect">
             <a:avLst/>
@@ -2560,18 +2412,15 @@
             <a:normAutofit/>
           </a:bodyPr>
           <a:p>
-            <a:endParaRPr b="0" lang="en-US" sz="2000" spc="-1" strike="noStrike">
-              <a:solidFill>
-                <a:srgbClr val="191b0e"/>
-              </a:solidFill>
-              <a:latin typeface="Franklin Gothic Book"/>
-            </a:endParaRPr>
-          </a:p>
-        </p:txBody>
-      </p:sp>
-      <p:sp>
-        <p:nvSpPr>
-          <p:cNvPr id="21" name="PlaceHolder 4"/>
+            <a:endParaRPr b="0" lang="en-US" sz="3200" spc="-1" strike="noStrike">
+              <a:latin typeface="Arial"/>
+            </a:endParaRPr>
+          </a:p>
+        </p:txBody>
+      </p:sp>
+      <p:sp>
+        <p:nvSpPr>
+          <p:cNvPr id="18" name="PlaceHolder 4"/>
           <p:cNvSpPr>
             <a:spLocks noGrp="1"/>
           </p:cNvSpPr>
@@ -2581,8 +2430,8 @@
         </p:nvSpPr>
         <p:spPr>
           <a:xfrm>
-            <a:off x="1371600" y="4156560"/>
-            <a:ext cx="4685040" cy="1707840"/>
+            <a:off x="609480" y="3682080"/>
+            <a:ext cx="5354280" cy="1896840"/>
           </a:xfrm>
           <a:prstGeom prst="rect">
             <a:avLst/>
@@ -2593,11 +2442,8 @@
             <a:normAutofit/>
           </a:bodyPr>
           <a:p>
-            <a:endParaRPr b="0" lang="en-US" sz="2000" spc="-1" strike="noStrike">
-              <a:solidFill>
-                <a:srgbClr val="191b0e"/>
-              </a:solidFill>
-              <a:latin typeface="Franklin Gothic Book"/>
+            <a:endParaRPr b="0" lang="en-US" sz="3200" spc="-1" strike="noStrike">
+              <a:latin typeface="Arial"/>
             </a:endParaRPr>
           </a:p>
         </p:txBody>
@@ -2626,7 +2472,7 @@
       </p:grpSpPr>
       <p:sp>
         <p:nvSpPr>
-          <p:cNvPr id="22" name="PlaceHolder 1"/>
+          <p:cNvPr id="19" name="PlaceHolder 1"/>
           <p:cNvSpPr>
             <a:spLocks noGrp="1"/>
           </p:cNvSpPr>
@@ -2636,8 +2482,8 @@
         </p:nvSpPr>
         <p:spPr>
           <a:xfrm>
-            <a:off x="1371600" y="685800"/>
-            <a:ext cx="9600840" cy="1485720"/>
+            <a:off x="609480" y="273600"/>
+            <a:ext cx="10972440" cy="1144800"/>
           </a:xfrm>
           <a:prstGeom prst="rect">
             <a:avLst/>
@@ -2648,18 +2494,16 @@
             <a:spAutoFit/>
           </a:bodyPr>
           <a:p>
-            <a:endParaRPr b="0" lang="en-US" sz="1800" spc="-1" strike="noStrike">
-              <a:solidFill>
-                <a:srgbClr val="000000"/>
-              </a:solidFill>
-              <a:latin typeface="Franklin Gothic Book"/>
-            </a:endParaRPr>
-          </a:p>
-        </p:txBody>
-      </p:sp>
-      <p:sp>
-        <p:nvSpPr>
-          <p:cNvPr id="23" name="PlaceHolder 2"/>
+            <a:pPr algn="ctr"/>
+            <a:endParaRPr b="0" lang="en-US" sz="4400" spc="-1" strike="noStrike">
+              <a:latin typeface="Arial"/>
+            </a:endParaRPr>
+          </a:p>
+        </p:txBody>
+      </p:sp>
+      <p:sp>
+        <p:nvSpPr>
+          <p:cNvPr id="20" name="PlaceHolder 2"/>
           <p:cNvSpPr>
             <a:spLocks noGrp="1"/>
           </p:cNvSpPr>
@@ -2669,8 +2513,8 @@
         </p:nvSpPr>
         <p:spPr>
           <a:xfrm>
-            <a:off x="1371600" y="2286000"/>
-            <a:ext cx="4685040" cy="3580920"/>
+            <a:off x="609480" y="1604520"/>
+            <a:ext cx="5354280" cy="3977280"/>
           </a:xfrm>
           <a:prstGeom prst="rect">
             <a:avLst/>
@@ -2681,18 +2525,15 @@
             <a:normAutofit/>
           </a:bodyPr>
           <a:p>
-            <a:endParaRPr b="0" lang="en-US" sz="2000" spc="-1" strike="noStrike">
-              <a:solidFill>
-                <a:srgbClr val="191b0e"/>
-              </a:solidFill>
-              <a:latin typeface="Franklin Gothic Book"/>
-            </a:endParaRPr>
-          </a:p>
-        </p:txBody>
-      </p:sp>
-      <p:sp>
-        <p:nvSpPr>
-          <p:cNvPr id="24" name="PlaceHolder 3"/>
+            <a:endParaRPr b="0" lang="en-US" sz="3200" spc="-1" strike="noStrike">
+              <a:latin typeface="Arial"/>
+            </a:endParaRPr>
+          </a:p>
+        </p:txBody>
+      </p:sp>
+      <p:sp>
+        <p:nvSpPr>
+          <p:cNvPr id="21" name="PlaceHolder 3"/>
           <p:cNvSpPr>
             <a:spLocks noGrp="1"/>
           </p:cNvSpPr>
@@ -2702,8 +2543,8 @@
         </p:nvSpPr>
         <p:spPr>
           <a:xfrm>
-            <a:off x="6291360" y="2286000"/>
-            <a:ext cx="4685040" cy="1707840"/>
+            <a:off x="6231960" y="1604520"/>
+            <a:ext cx="5354280" cy="1896840"/>
           </a:xfrm>
           <a:prstGeom prst="rect">
             <a:avLst/>
@@ -2714,18 +2555,15 @@
             <a:normAutofit/>
           </a:bodyPr>
           <a:p>
-            <a:endParaRPr b="0" lang="en-US" sz="2000" spc="-1" strike="noStrike">
-              <a:solidFill>
-                <a:srgbClr val="191b0e"/>
-              </a:solidFill>
-              <a:latin typeface="Franklin Gothic Book"/>
-            </a:endParaRPr>
-          </a:p>
-        </p:txBody>
-      </p:sp>
-      <p:sp>
-        <p:nvSpPr>
-          <p:cNvPr id="25" name="PlaceHolder 4"/>
+            <a:endParaRPr b="0" lang="en-US" sz="3200" spc="-1" strike="noStrike">
+              <a:latin typeface="Arial"/>
+            </a:endParaRPr>
+          </a:p>
+        </p:txBody>
+      </p:sp>
+      <p:sp>
+        <p:nvSpPr>
+          <p:cNvPr id="22" name="PlaceHolder 4"/>
           <p:cNvSpPr>
             <a:spLocks noGrp="1"/>
           </p:cNvSpPr>
@@ -2735,8 +2573,8 @@
         </p:nvSpPr>
         <p:spPr>
           <a:xfrm>
-            <a:off x="6291360" y="4156560"/>
-            <a:ext cx="4685040" cy="1707840"/>
+            <a:off x="6231960" y="3682080"/>
+            <a:ext cx="5354280" cy="1896840"/>
           </a:xfrm>
           <a:prstGeom prst="rect">
             <a:avLst/>
@@ -2747,11 +2585,8 @@
             <a:normAutofit/>
           </a:bodyPr>
           <a:p>
-            <a:endParaRPr b="0" lang="en-US" sz="2000" spc="-1" strike="noStrike">
-              <a:solidFill>
-                <a:srgbClr val="191b0e"/>
-              </a:solidFill>
-              <a:latin typeface="Franklin Gothic Book"/>
+            <a:endParaRPr b="0" lang="en-US" sz="3200" spc="-1" strike="noStrike">
+              <a:latin typeface="Arial"/>
             </a:endParaRPr>
           </a:p>
         </p:txBody>
@@ -2780,7 +2615,7 @@
       </p:grpSpPr>
       <p:sp>
         <p:nvSpPr>
-          <p:cNvPr id="26" name="PlaceHolder 1"/>
+          <p:cNvPr id="23" name="PlaceHolder 1"/>
           <p:cNvSpPr>
             <a:spLocks noGrp="1"/>
           </p:cNvSpPr>
@@ -2790,8 +2625,8 @@
         </p:nvSpPr>
         <p:spPr>
           <a:xfrm>
-            <a:off x="1371600" y="685800"/>
-            <a:ext cx="9600840" cy="1485720"/>
+            <a:off x="609480" y="273600"/>
+            <a:ext cx="10972440" cy="1144800"/>
           </a:xfrm>
           <a:prstGeom prst="rect">
             <a:avLst/>
@@ -2802,18 +2637,16 @@
             <a:spAutoFit/>
           </a:bodyPr>
           <a:p>
-            <a:endParaRPr b="0" lang="en-US" sz="1800" spc="-1" strike="noStrike">
-              <a:solidFill>
-                <a:srgbClr val="000000"/>
-              </a:solidFill>
-              <a:latin typeface="Franklin Gothic Book"/>
-            </a:endParaRPr>
-          </a:p>
-        </p:txBody>
-      </p:sp>
-      <p:sp>
-        <p:nvSpPr>
-          <p:cNvPr id="27" name="PlaceHolder 2"/>
+            <a:pPr algn="ctr"/>
+            <a:endParaRPr b="0" lang="en-US" sz="4400" spc="-1" strike="noStrike">
+              <a:latin typeface="Arial"/>
+            </a:endParaRPr>
+          </a:p>
+        </p:txBody>
+      </p:sp>
+      <p:sp>
+        <p:nvSpPr>
+          <p:cNvPr id="24" name="PlaceHolder 2"/>
           <p:cNvSpPr>
             <a:spLocks noGrp="1"/>
           </p:cNvSpPr>
@@ -2823,8 +2656,8 @@
         </p:nvSpPr>
         <p:spPr>
           <a:xfrm>
-            <a:off x="1371600" y="2286000"/>
-            <a:ext cx="4685040" cy="1707840"/>
+            <a:off x="609480" y="1604520"/>
+            <a:ext cx="5354280" cy="1896840"/>
           </a:xfrm>
           <a:prstGeom prst="rect">
             <a:avLst/>
@@ -2835,18 +2668,15 @@
             <a:normAutofit/>
           </a:bodyPr>
           <a:p>
-            <a:endParaRPr b="0" lang="en-US" sz="2000" spc="-1" strike="noStrike">
-              <a:solidFill>
-                <a:srgbClr val="191b0e"/>
-              </a:solidFill>
-              <a:latin typeface="Franklin Gothic Book"/>
-            </a:endParaRPr>
-          </a:p>
-        </p:txBody>
-      </p:sp>
-      <p:sp>
-        <p:nvSpPr>
-          <p:cNvPr id="28" name="PlaceHolder 3"/>
+            <a:endParaRPr b="0" lang="en-US" sz="3200" spc="-1" strike="noStrike">
+              <a:latin typeface="Arial"/>
+            </a:endParaRPr>
+          </a:p>
+        </p:txBody>
+      </p:sp>
+      <p:sp>
+        <p:nvSpPr>
+          <p:cNvPr id="25" name="PlaceHolder 3"/>
           <p:cNvSpPr>
             <a:spLocks noGrp="1"/>
           </p:cNvSpPr>
@@ -2856,8 +2686,8 @@
         </p:nvSpPr>
         <p:spPr>
           <a:xfrm>
-            <a:off x="6291360" y="2286000"/>
-            <a:ext cx="4685040" cy="1707840"/>
+            <a:off x="6231960" y="1604520"/>
+            <a:ext cx="5354280" cy="1896840"/>
           </a:xfrm>
           <a:prstGeom prst="rect">
             <a:avLst/>
@@ -2868,18 +2698,15 @@
             <a:normAutofit/>
           </a:bodyPr>
           <a:p>
-            <a:endParaRPr b="0" lang="en-US" sz="2000" spc="-1" strike="noStrike">
-              <a:solidFill>
-                <a:srgbClr val="191b0e"/>
-              </a:solidFill>
-              <a:latin typeface="Franklin Gothic Book"/>
-            </a:endParaRPr>
-          </a:p>
-        </p:txBody>
-      </p:sp>
-      <p:sp>
-        <p:nvSpPr>
-          <p:cNvPr id="29" name="PlaceHolder 4"/>
+            <a:endParaRPr b="0" lang="en-US" sz="3200" spc="-1" strike="noStrike">
+              <a:latin typeface="Arial"/>
+            </a:endParaRPr>
+          </a:p>
+        </p:txBody>
+      </p:sp>
+      <p:sp>
+        <p:nvSpPr>
+          <p:cNvPr id="26" name="PlaceHolder 4"/>
           <p:cNvSpPr>
             <a:spLocks noGrp="1"/>
           </p:cNvSpPr>
@@ -2889,8 +2716,8 @@
         </p:nvSpPr>
         <p:spPr>
           <a:xfrm>
-            <a:off x="1371600" y="4156560"/>
-            <a:ext cx="9600840" cy="1707840"/>
+            <a:off x="609480" y="3682080"/>
+            <a:ext cx="10972440" cy="1896840"/>
           </a:xfrm>
           <a:prstGeom prst="rect">
             <a:avLst/>
@@ -2901,11 +2728,8 @@
             <a:normAutofit/>
           </a:bodyPr>
           <a:p>
-            <a:endParaRPr b="0" lang="en-US" sz="2000" spc="-1" strike="noStrike">
-              <a:solidFill>
-                <a:srgbClr val="191b0e"/>
-              </a:solidFill>
-              <a:latin typeface="Franklin Gothic Book"/>
+            <a:endParaRPr b="0" lang="en-US" sz="3200" spc="-1" strike="noStrike">
+              <a:latin typeface="Arial"/>
             </a:endParaRPr>
           </a:p>
         </p:txBody>
@@ -2948,7 +2772,7 @@
         <p:spPr>
           <a:xfrm>
             <a:off x="478080" y="360"/>
-            <a:ext cx="228240" cy="6857640"/>
+            <a:ext cx="227520" cy="6856920"/>
           </a:xfrm>
           <a:prstGeom prst="rect">
             <a:avLst/>
@@ -2975,195 +2799,30 @@
           <a:fontRef idx="minor"/>
         </p:style>
       </p:sp>
-      <p:sp>
-        <p:nvSpPr>
-          <p:cNvPr id="1" name="PlaceHolder 2"/>
-          <p:cNvSpPr>
-            <a:spLocks noGrp="1"/>
-          </p:cNvSpPr>
-          <p:nvPr>
-            <p:ph type="title"/>
-          </p:nvPr>
-        </p:nvSpPr>
-        <p:spPr>
-          <a:xfrm>
-            <a:off x="1915200" y="1788480"/>
-            <a:ext cx="8361000" cy="2097720"/>
-          </a:xfrm>
-          <a:prstGeom prst="rect">
-            <a:avLst/>
-          </a:prstGeom>
-        </p:spPr>
-        <p:txBody>
-          <a:bodyPr anchor="b">
-            <a:noAutofit/>
-          </a:bodyPr>
-          <a:p>
-            <a:pPr algn="ctr">
-              <a:lnSpc>
-                <a:spcPct val="89000"/>
-              </a:lnSpc>
-            </a:pPr>
-            <a:r>
-              <a:rPr b="0" lang="en-US" sz="7200" spc="-1" strike="noStrike" cap="all">
-                <a:solidFill>
-                  <a:srgbClr val="191b0e"/>
-                </a:solidFill>
-                <a:latin typeface="Franklin Gothic Book"/>
-              </a:rPr>
-              <a:t>Click to edit Master title style</a:t>
-            </a:r>
-            <a:endParaRPr b="0" lang="en-US" sz="7200" spc="-1" strike="noStrike">
-              <a:solidFill>
-                <a:srgbClr val="000000"/>
-              </a:solidFill>
-              <a:latin typeface="Franklin Gothic Book"/>
-            </a:endParaRPr>
-          </a:p>
-        </p:txBody>
-      </p:sp>
-      <p:sp>
-        <p:nvSpPr>
-          <p:cNvPr id="2" name="PlaceHolder 3"/>
-          <p:cNvSpPr>
-            <a:spLocks noGrp="1"/>
-          </p:cNvSpPr>
-          <p:nvPr>
-            <p:ph type="dt"/>
-          </p:nvPr>
-        </p:nvSpPr>
-        <p:spPr>
-          <a:xfrm>
-            <a:off x="752760" y="6453360"/>
-            <a:ext cx="1607760" cy="404280"/>
-          </a:xfrm>
-          <a:prstGeom prst="rect">
-            <a:avLst/>
-          </a:prstGeom>
-        </p:spPr>
-        <p:txBody>
-          <a:bodyPr anchor="ctr">
-            <a:noAutofit/>
-          </a:bodyPr>
-          <a:p>
-            <a:pPr>
-              <a:lnSpc>
-                <a:spcPct val="100000"/>
-              </a:lnSpc>
-            </a:pPr>
-            <a:fld id="{1A3895B3-EC38-4858-BDD2-790B40DF14A3}" type="datetime">
-              <a:rPr b="0" lang="en-US" sz="1200" spc="-1" strike="noStrike">
-                <a:solidFill>
-                  <a:srgbClr val="191b0e"/>
-                </a:solidFill>
-                <a:latin typeface="Franklin Gothic Book"/>
-              </a:rPr>
-              <a:t>11/18/19</a:t>
-            </a:fld>
-            <a:endParaRPr b="0" lang="en-US" sz="1200" spc="-1" strike="noStrike">
-              <a:latin typeface="Times New Roman"/>
-            </a:endParaRPr>
-          </a:p>
-        </p:txBody>
-      </p:sp>
-      <p:sp>
-        <p:nvSpPr>
-          <p:cNvPr id="3" name="PlaceHolder 4"/>
-          <p:cNvSpPr>
-            <a:spLocks noGrp="1"/>
-          </p:cNvSpPr>
-          <p:nvPr>
-            <p:ph type="ftr"/>
-          </p:nvPr>
-        </p:nvSpPr>
-        <p:spPr>
-          <a:xfrm>
-            <a:off x="2584080" y="6453360"/>
-            <a:ext cx="7022880" cy="404280"/>
-          </a:xfrm>
-          <a:prstGeom prst="rect">
-            <a:avLst/>
-          </a:prstGeom>
-        </p:spPr>
-        <p:txBody>
-          <a:bodyPr anchor="ctr">
-            <a:noAutofit/>
-          </a:bodyPr>
-          <a:p>
-            <a:endParaRPr b="0" lang="en-US" sz="2400" spc="-1" strike="noStrike">
-              <a:latin typeface="Times New Roman"/>
-            </a:endParaRPr>
-          </a:p>
-        </p:txBody>
-      </p:sp>
-      <p:sp>
-        <p:nvSpPr>
-          <p:cNvPr id="4" name="PlaceHolder 5"/>
-          <p:cNvSpPr>
-            <a:spLocks noGrp="1"/>
-          </p:cNvSpPr>
-          <p:nvPr>
-            <p:ph type="sldNum"/>
-          </p:nvPr>
-        </p:nvSpPr>
-        <p:spPr>
-          <a:xfrm>
-            <a:off x="9830520" y="6453360"/>
-            <a:ext cx="1595880" cy="404280"/>
-          </a:xfrm>
-          <a:prstGeom prst="rect">
-            <a:avLst/>
-          </a:prstGeom>
-        </p:spPr>
-        <p:txBody>
-          <a:bodyPr anchor="ctr">
-            <a:noAutofit/>
-          </a:bodyPr>
-          <a:p>
-            <a:pPr algn="r">
-              <a:lnSpc>
-                <a:spcPct val="100000"/>
-              </a:lnSpc>
-            </a:pPr>
-            <a:fld id="{882ED8D7-FA2F-49EA-B3DF-6D2C37127E58}" type="slidenum">
-              <a:rPr b="0" lang="en-US" sz="1200" spc="-1" strike="noStrike">
-                <a:solidFill>
-                  <a:srgbClr val="191b0e"/>
-                </a:solidFill>
-                <a:latin typeface="Franklin Gothic Book"/>
-              </a:rPr>
-              <a:t>&lt;number&gt;</a:t>
-            </a:fld>
-            <a:endParaRPr b="0" lang="en-US" sz="1200" spc="-1" strike="noStrike">
-              <a:latin typeface="Times New Roman"/>
-            </a:endParaRPr>
-          </a:p>
-        </p:txBody>
-      </p:sp>
       <p:grpSp>
         <p:nvGrpSpPr>
-          <p:cNvPr id="5" name="Group 6"/>
+          <p:cNvPr id="1" name="Group 2"/>
           <p:cNvGrpSpPr/>
           <p:nvPr/>
         </p:nvGrpSpPr>
         <p:grpSpPr>
           <a:xfrm>
-            <a:off x="752760" y="744120"/>
+            <a:off x="752040" y="743400"/>
             <a:ext cx="10673640" cy="5349600"/>
-            <a:chOff x="752760" y="744120"/>
+            <a:chOff x="752040" y="743400"/>
             <a:chExt cx="10673640" cy="5349600"/>
           </a:xfrm>
         </p:grpSpPr>
         <p:sp>
           <p:nvSpPr>
-            <p:cNvPr id="6" name="CustomShape 7"/>
+            <p:cNvPr id="2" name="CustomShape 3"/>
             <p:cNvSpPr/>
             <p:nvPr/>
           </p:nvSpPr>
           <p:spPr>
             <a:xfrm>
               <a:off x="8151840" y="1685520"/>
-              <a:ext cx="3274560" cy="4408200"/>
+              <a:ext cx="3273840" cy="4407480"/>
             </a:xfrm>
             <a:custGeom>
               <a:avLst/>
@@ -3213,14 +2872,14 @@
         </p:sp>
         <p:sp>
           <p:nvSpPr>
-            <p:cNvPr id="7" name="CustomShape 8"/>
+            <p:cNvPr id="3" name="CustomShape 4"/>
             <p:cNvSpPr/>
             <p:nvPr/>
           </p:nvSpPr>
           <p:spPr>
             <a:xfrm flipH="1" flipV="1">
-              <a:off x="752760" y="743760"/>
-              <a:ext cx="3275280" cy="4408200"/>
+              <a:off x="752040" y="743040"/>
+              <a:ext cx="3274560" cy="4407480"/>
             </a:xfrm>
             <a:custGeom>
               <a:avLst/>
@@ -3273,7 +2932,43 @@
       </p:grpSp>
       <p:sp>
         <p:nvSpPr>
-          <p:cNvPr id="8" name="PlaceHolder 9"/>
+          <p:cNvPr id="4" name="PlaceHolder 5"/>
+          <p:cNvSpPr>
+            <a:spLocks noGrp="1"/>
+          </p:cNvSpPr>
+          <p:nvPr>
+            <p:ph type="title"/>
+          </p:nvPr>
+        </p:nvSpPr>
+        <p:spPr>
+          <a:xfrm>
+            <a:off x="609480" y="273240"/>
+            <a:ext cx="10972080" cy="1145160"/>
+          </a:xfrm>
+          <a:prstGeom prst="rect">
+            <a:avLst/>
+          </a:prstGeom>
+        </p:spPr>
+        <p:txBody>
+          <a:bodyPr lIns="0" rIns="0" tIns="0" bIns="0" anchor="ctr">
+            <a:spAutoFit/>
+          </a:bodyPr>
+          <a:p>
+            <a:r>
+              <a:rPr b="0" lang="en-US" sz="1800" spc="-1" strike="noStrike">
+                <a:latin typeface="Arial"/>
+              </a:rPr>
+              <a:t>Click to edit the title text format</a:t>
+            </a:r>
+            <a:endParaRPr b="0" lang="en-US" sz="1800" spc="-1" strike="noStrike">
+              <a:latin typeface="Arial"/>
+            </a:endParaRPr>
+          </a:p>
+        </p:txBody>
+      </p:sp>
+      <p:sp>
+        <p:nvSpPr>
+          <p:cNvPr id="5" name="PlaceHolder 6"/>
           <p:cNvSpPr>
             <a:spLocks noGrp="1"/>
           </p:cNvSpPr>
@@ -3284,7 +2979,7 @@
         <p:spPr>
           <a:xfrm>
             <a:off x="609480" y="1604520"/>
-            <a:ext cx="10972440" cy="3977280"/>
+            <a:ext cx="10972080" cy="3976920"/>
           </a:xfrm>
           <a:prstGeom prst="rect">
             <a:avLst/>
@@ -3307,19 +3002,13 @@
               <a:buChar char=""/>
             </a:pPr>
             <a:r>
-              <a:rPr b="0" lang="en-US" sz="2000" spc="-1" strike="noStrike">
-                <a:solidFill>
-                  <a:srgbClr val="191b0e"/>
-                </a:solidFill>
-                <a:latin typeface="Franklin Gothic Book"/>
+              <a:rPr b="0" lang="en-US" sz="1800" spc="-1" strike="noStrike">
+                <a:latin typeface="Arial"/>
               </a:rPr>
               <a:t>Click to edit the outline text format</a:t>
             </a:r>
-            <a:endParaRPr b="0" lang="en-US" sz="2000" spc="-1" strike="noStrike">
-              <a:solidFill>
-                <a:srgbClr val="191b0e"/>
-              </a:solidFill>
-              <a:latin typeface="Franklin Gothic Book"/>
+            <a:endParaRPr b="0" lang="en-US" sz="1800" spc="-1" strike="noStrike">
+              <a:latin typeface="Arial"/>
             </a:endParaRPr>
           </a:p>
           <a:p>
@@ -3336,18 +3025,12 @@
             </a:pPr>
             <a:r>
               <a:rPr b="0" lang="en-US" sz="1800" spc="-1" strike="noStrike">
-                <a:solidFill>
-                  <a:srgbClr val="191b0e"/>
-                </a:solidFill>
-                <a:latin typeface="Franklin Gothic Book"/>
+                <a:latin typeface="Arial"/>
               </a:rPr>
               <a:t>Second Outline Level</a:t>
             </a:r>
             <a:endParaRPr b="0" lang="en-US" sz="1800" spc="-1" strike="noStrike">
-              <a:solidFill>
-                <a:srgbClr val="191b0e"/>
-              </a:solidFill>
-              <a:latin typeface="Franklin Gothic Book"/>
+              <a:latin typeface="Arial"/>
             </a:endParaRPr>
           </a:p>
           <a:p>
@@ -3363,19 +3046,13 @@
               <a:buChar char=""/>
             </a:pPr>
             <a:r>
-              <a:rPr b="0" i="1" lang="en-US" sz="1800" spc="-1" strike="noStrike">
-                <a:solidFill>
-                  <a:srgbClr val="191b0e"/>
-                </a:solidFill>
-                <a:latin typeface="Franklin Gothic Book"/>
+              <a:rPr b="0" lang="en-US" sz="1800" spc="-1" strike="noStrike">
+                <a:latin typeface="Arial"/>
               </a:rPr>
               <a:t>Third Outline Level</a:t>
             </a:r>
-            <a:endParaRPr b="0" i="1" lang="en-US" sz="1800" spc="-1" strike="noStrike">
-              <a:solidFill>
-                <a:srgbClr val="191b0e"/>
-              </a:solidFill>
-              <a:latin typeface="Franklin Gothic Book"/>
+            <a:endParaRPr b="0" lang="en-US" sz="1800" spc="-1" strike="noStrike">
+              <a:latin typeface="Arial"/>
             </a:endParaRPr>
           </a:p>
           <a:p>
@@ -3391,19 +3068,13 @@
               <a:buChar char=""/>
             </a:pPr>
             <a:r>
-              <a:rPr b="0" lang="en-US" sz="1600" spc="-1" strike="noStrike">
-                <a:solidFill>
-                  <a:srgbClr val="191b0e"/>
-                </a:solidFill>
-                <a:latin typeface="Franklin Gothic Book"/>
+              <a:rPr b="0" lang="en-US" sz="1800" spc="-1" strike="noStrike">
+                <a:latin typeface="Arial"/>
               </a:rPr>
               <a:t>Fourth Outline Level</a:t>
             </a:r>
-            <a:endParaRPr b="0" lang="en-US" sz="1600" spc="-1" strike="noStrike">
-              <a:solidFill>
-                <a:srgbClr val="191b0e"/>
-              </a:solidFill>
-              <a:latin typeface="Franklin Gothic Book"/>
+            <a:endParaRPr b="0" lang="en-US" sz="1800" spc="-1" strike="noStrike">
+              <a:latin typeface="Arial"/>
             </a:endParaRPr>
           </a:p>
           <a:p>
@@ -3419,19 +3090,13 @@
               <a:buChar char=""/>
             </a:pPr>
             <a:r>
-              <a:rPr b="0" lang="en-US" sz="2000" spc="-1" strike="noStrike">
-                <a:solidFill>
-                  <a:srgbClr val="191b0e"/>
-                </a:solidFill>
-                <a:latin typeface="Franklin Gothic Book"/>
+              <a:rPr b="0" lang="en-US" sz="1800" spc="-1" strike="noStrike">
+                <a:latin typeface="Arial"/>
               </a:rPr>
               <a:t>Fifth Outline Level</a:t>
             </a:r>
-            <a:endParaRPr b="0" lang="en-US" sz="2000" spc="-1" strike="noStrike">
-              <a:solidFill>
-                <a:srgbClr val="191b0e"/>
-              </a:solidFill>
-              <a:latin typeface="Franklin Gothic Book"/>
+            <a:endParaRPr b="0" lang="en-US" sz="1800" spc="-1" strike="noStrike">
+              <a:latin typeface="Arial"/>
             </a:endParaRPr>
           </a:p>
           <a:p>
@@ -3447,19 +3112,13 @@
               <a:buChar char=""/>
             </a:pPr>
             <a:r>
-              <a:rPr b="0" lang="en-US" sz="2000" spc="-1" strike="noStrike">
-                <a:solidFill>
-                  <a:srgbClr val="191b0e"/>
-                </a:solidFill>
-                <a:latin typeface="Franklin Gothic Book"/>
+              <a:rPr b="0" lang="en-US" sz="1800" spc="-1" strike="noStrike">
+                <a:latin typeface="Arial"/>
               </a:rPr>
               <a:t>Sixth Outline Level</a:t>
             </a:r>
-            <a:endParaRPr b="0" lang="en-US" sz="2000" spc="-1" strike="noStrike">
-              <a:solidFill>
-                <a:srgbClr val="191b0e"/>
-              </a:solidFill>
-              <a:latin typeface="Franklin Gothic Book"/>
+            <a:endParaRPr b="0" lang="en-US" sz="1800" spc="-1" strike="noStrike">
+              <a:latin typeface="Arial"/>
             </a:endParaRPr>
           </a:p>
           <a:p>
@@ -3475,19 +3134,13 @@
               <a:buChar char=""/>
             </a:pPr>
             <a:r>
-              <a:rPr b="0" lang="en-US" sz="2000" spc="-1" strike="noStrike">
-                <a:solidFill>
-                  <a:srgbClr val="191b0e"/>
-                </a:solidFill>
-                <a:latin typeface="Franklin Gothic Book"/>
+              <a:rPr b="0" lang="en-US" sz="1800" spc="-1" strike="noStrike">
+                <a:latin typeface="Arial"/>
               </a:rPr>
               <a:t>Seventh Outline Level</a:t>
             </a:r>
-            <a:endParaRPr b="0" lang="en-US" sz="2000" spc="-1" strike="noStrike">
-              <a:solidFill>
-                <a:srgbClr val="191b0e"/>
-              </a:solidFill>
-              <a:latin typeface="Franklin Gothic Book"/>
+            <a:endParaRPr b="0" lang="en-US" sz="1800" spc="-1" strike="noStrike">
+              <a:latin typeface="Arial"/>
             </a:endParaRPr>
           </a:p>
         </p:txBody>
@@ -3538,14 +3191,14 @@
       </p:grpSpPr>
       <p:sp>
         <p:nvSpPr>
-          <p:cNvPr id="45" name="CustomShape 1"/>
+          <p:cNvPr id="42" name="CustomShape 1"/>
           <p:cNvSpPr/>
           <p:nvPr/>
         </p:nvSpPr>
         <p:spPr>
           <a:xfrm>
             <a:off x="478080" y="360"/>
-            <a:ext cx="228240" cy="6857640"/>
+            <a:ext cx="227520" cy="6856920"/>
           </a:xfrm>
           <a:prstGeom prst="rect">
             <a:avLst/>
@@ -3574,7 +3227,7 @@
       </p:sp>
       <p:sp>
         <p:nvSpPr>
-          <p:cNvPr id="46" name="PlaceHolder 2"/>
+          <p:cNvPr id="43" name="PlaceHolder 2"/>
           <p:cNvSpPr>
             <a:spLocks noGrp="1"/>
           </p:cNvSpPr>
@@ -3584,44 +3237,34 @@
         </p:nvSpPr>
         <p:spPr>
           <a:xfrm>
-            <a:off x="1371600" y="685800"/>
-            <a:ext cx="9600840" cy="1485720"/>
-          </a:xfrm>
-          <a:prstGeom prst="rect">
-            <a:avLst/>
-          </a:prstGeom>
-        </p:spPr>
-        <p:txBody>
-          <a:bodyPr>
+            <a:off x="609480" y="273600"/>
+            <a:ext cx="10972440" cy="1144800"/>
+          </a:xfrm>
+          <a:prstGeom prst="rect">
+            <a:avLst/>
+          </a:prstGeom>
+        </p:spPr>
+        <p:txBody>
+          <a:bodyPr lIns="0" rIns="0" tIns="0" bIns="0" anchor="ctr">
             <a:noAutofit/>
           </a:bodyPr>
           <a:p>
-            <a:pPr>
-              <a:lnSpc>
-                <a:spcPct val="89000"/>
-              </a:lnSpc>
-            </a:pPr>
+            <a:pPr algn="ctr"/>
             <a:r>
               <a:rPr b="0" lang="en-US" sz="4400" spc="-1" strike="noStrike">
-                <a:solidFill>
-                  <a:srgbClr val="191b0e"/>
-                </a:solidFill>
-                <a:latin typeface="Franklin Gothic Book"/>
-              </a:rPr>
-              <a:t>Click to edit Master title style</a:t>
+                <a:latin typeface="Arial"/>
+              </a:rPr>
+              <a:t>Click to edit the title text format</a:t>
             </a:r>
             <a:endParaRPr b="0" lang="en-US" sz="4400" spc="-1" strike="noStrike">
-              <a:solidFill>
-                <a:srgbClr val="000000"/>
-              </a:solidFill>
-              <a:latin typeface="Franklin Gothic Book"/>
-            </a:endParaRPr>
-          </a:p>
-        </p:txBody>
-      </p:sp>
-      <p:sp>
-        <p:nvSpPr>
-          <p:cNvPr id="47" name="PlaceHolder 3"/>
+              <a:latin typeface="Arial"/>
+            </a:endParaRPr>
+          </a:p>
+        </p:txBody>
+      </p:sp>
+      <p:sp>
+        <p:nvSpPr>
+          <p:cNvPr id="44" name="PlaceHolder 3"/>
           <p:cNvSpPr>
             <a:spLocks noGrp="1"/>
           </p:cNvSpPr>
@@ -3631,298 +3274,169 @@
         </p:nvSpPr>
         <p:spPr>
           <a:xfrm>
-            <a:off x="1371600" y="2286000"/>
-            <a:ext cx="9600840" cy="3580920"/>
-          </a:xfrm>
-          <a:prstGeom prst="rect">
-            <a:avLst/>
-          </a:prstGeom>
-        </p:spPr>
-        <p:txBody>
-          <a:bodyPr>
-            <a:noAutofit/>
-          </a:bodyPr>
-          <a:p>
-            <a:pPr marL="384120" indent="-383760">
-              <a:lnSpc>
-                <a:spcPct val="94000"/>
-              </a:lnSpc>
-              <a:spcBef>
-                <a:spcPts val="1001"/>
-              </a:spcBef>
-              <a:spcAft>
-                <a:spcPts val="201"/>
-              </a:spcAft>
+            <a:off x="609480" y="1604520"/>
+            <a:ext cx="10972440" cy="3977280"/>
+          </a:xfrm>
+          <a:prstGeom prst="rect">
+            <a:avLst/>
+          </a:prstGeom>
+        </p:spPr>
+        <p:txBody>
+          <a:bodyPr lIns="0" rIns="0" tIns="0" bIns="0">
+            <a:normAutofit/>
+          </a:bodyPr>
+          <a:p>
+            <a:pPr marL="432000" indent="-324000">
+              <a:spcBef>
+                <a:spcPts val="1417"/>
+              </a:spcBef>
               <a:buClr>
-                <a:srgbClr val="191b0e"/>
+                <a:srgbClr val="000000"/>
               </a:buClr>
-              <a:buFont typeface="Franklin Gothic Book"/>
-              <a:buChar char="■"/>
+              <a:buSzPct val="45000"/>
+              <a:buFont typeface="Wingdings" charset="2"/>
+              <a:buChar char=""/>
+            </a:pPr>
+            <a:r>
+              <a:rPr b="0" lang="en-US" sz="3200" spc="-1" strike="noStrike">
+                <a:latin typeface="Arial"/>
+              </a:rPr>
+              <a:t>Click to edit the outline text format</a:t>
+            </a:r>
+            <a:endParaRPr b="0" lang="en-US" sz="3200" spc="-1" strike="noStrike">
+              <a:latin typeface="Arial"/>
+            </a:endParaRPr>
+          </a:p>
+          <a:p>
+            <a:pPr lvl="1" marL="864000" indent="-324000">
+              <a:spcBef>
+                <a:spcPts val="1134"/>
+              </a:spcBef>
+              <a:buClr>
+                <a:srgbClr val="000000"/>
+              </a:buClr>
+              <a:buSzPct val="75000"/>
+              <a:buFont typeface="Symbol" charset="2"/>
+              <a:buChar char=""/>
+            </a:pPr>
+            <a:r>
+              <a:rPr b="0" lang="en-US" sz="2800" spc="-1" strike="noStrike">
+                <a:latin typeface="Arial"/>
+              </a:rPr>
+              <a:t>Second Outline Level</a:t>
+            </a:r>
+            <a:endParaRPr b="0" lang="en-US" sz="2800" spc="-1" strike="noStrike">
+              <a:latin typeface="Arial"/>
+            </a:endParaRPr>
+          </a:p>
+          <a:p>
+            <a:pPr lvl="2" marL="1296000" indent="-288000">
+              <a:spcBef>
+                <a:spcPts val="850"/>
+              </a:spcBef>
+              <a:buClr>
+                <a:srgbClr val="000000"/>
+              </a:buClr>
+              <a:buSzPct val="45000"/>
+              <a:buFont typeface="Wingdings" charset="2"/>
+              <a:buChar char=""/>
+            </a:pPr>
+            <a:r>
+              <a:rPr b="0" lang="en-US" sz="2400" spc="-1" strike="noStrike">
+                <a:latin typeface="Arial"/>
+              </a:rPr>
+              <a:t>Third Outline Level</a:t>
+            </a:r>
+            <a:endParaRPr b="0" lang="en-US" sz="2400" spc="-1" strike="noStrike">
+              <a:latin typeface="Arial"/>
+            </a:endParaRPr>
+          </a:p>
+          <a:p>
+            <a:pPr lvl="3" marL="1728000" indent="-216000">
+              <a:spcBef>
+                <a:spcPts val="567"/>
+              </a:spcBef>
+              <a:buClr>
+                <a:srgbClr val="000000"/>
+              </a:buClr>
+              <a:buSzPct val="75000"/>
+              <a:buFont typeface="Symbol" charset="2"/>
+              <a:buChar char=""/>
             </a:pPr>
             <a:r>
               <a:rPr b="0" lang="en-US" sz="2000" spc="-1" strike="noStrike">
-                <a:solidFill>
-                  <a:srgbClr val="191b0e"/>
-                </a:solidFill>
-                <a:latin typeface="Franklin Gothic Book"/>
-              </a:rPr>
-              <a:t>Click to edit Master text styles</a:t>
+                <a:latin typeface="Arial"/>
+              </a:rPr>
+              <a:t>Fourth Outline Level</a:t>
             </a:r>
             <a:endParaRPr b="0" lang="en-US" sz="2000" spc="-1" strike="noStrike">
-              <a:solidFill>
-                <a:srgbClr val="191b0e"/>
-              </a:solidFill>
-              <a:latin typeface="Franklin Gothic Book"/>
-            </a:endParaRPr>
-          </a:p>
-          <a:p>
-            <a:pPr lvl="1" marL="914400" indent="-383760">
-              <a:lnSpc>
-                <a:spcPct val="94000"/>
-              </a:lnSpc>
-              <a:spcBef>
-                <a:spcPts val="499"/>
-              </a:spcBef>
-              <a:spcAft>
-                <a:spcPts val="201"/>
-              </a:spcAft>
+              <a:latin typeface="Arial"/>
+            </a:endParaRPr>
+          </a:p>
+          <a:p>
+            <a:pPr lvl="4" marL="2160000" indent="-216000">
+              <a:spcBef>
+                <a:spcPts val="283"/>
+              </a:spcBef>
               <a:buClr>
-                <a:srgbClr val="191b0e"/>
+                <a:srgbClr val="000000"/>
               </a:buClr>
-              <a:buFont typeface="Franklin Gothic Book"/>
-              <a:buChar char="–"/>
-            </a:pPr>
-            <a:r>
-              <a:rPr b="0" i="1" lang="en-US" sz="2000" spc="-1" strike="noStrike">
-                <a:solidFill>
-                  <a:srgbClr val="191b0e"/>
-                </a:solidFill>
-                <a:latin typeface="Franklin Gothic Book"/>
-              </a:rPr>
-              <a:t>Second level</a:t>
+              <a:buSzPct val="45000"/>
+              <a:buFont typeface="Wingdings" charset="2"/>
+              <a:buChar char=""/>
+            </a:pPr>
+            <a:r>
+              <a:rPr b="0" lang="en-US" sz="2000" spc="-1" strike="noStrike">
+                <a:latin typeface="Arial"/>
+              </a:rPr>
+              <a:t>Fifth Outline Level</a:t>
             </a:r>
             <a:endParaRPr b="0" lang="en-US" sz="2000" spc="-1" strike="noStrike">
-              <a:solidFill>
-                <a:srgbClr val="191b0e"/>
-              </a:solidFill>
-              <a:latin typeface="Franklin Gothic Book"/>
-            </a:endParaRPr>
-          </a:p>
-          <a:p>
-            <a:pPr lvl="2" marL="1371600" indent="-383760">
-              <a:lnSpc>
-                <a:spcPct val="94000"/>
-              </a:lnSpc>
-              <a:spcBef>
-                <a:spcPts val="499"/>
-              </a:spcBef>
-              <a:spcAft>
-                <a:spcPts val="201"/>
-              </a:spcAft>
+              <a:latin typeface="Arial"/>
+            </a:endParaRPr>
+          </a:p>
+          <a:p>
+            <a:pPr lvl="5" marL="2592000" indent="-216000">
+              <a:spcBef>
+                <a:spcPts val="283"/>
+              </a:spcBef>
               <a:buClr>
-                <a:srgbClr val="191b0e"/>
+                <a:srgbClr val="000000"/>
               </a:buClr>
-              <a:buFont typeface="Franklin Gothic Book"/>
-              <a:buChar char="■"/>
-            </a:pPr>
-            <a:r>
-              <a:rPr b="0" lang="en-US" sz="1800" spc="-1" strike="noStrike">
-                <a:solidFill>
-                  <a:srgbClr val="191b0e"/>
-                </a:solidFill>
-                <a:latin typeface="Franklin Gothic Book"/>
-              </a:rPr>
-              <a:t>Third level</a:t>
-            </a:r>
-            <a:endParaRPr b="0" i="1" lang="en-US" sz="1800" spc="-1" strike="noStrike">
-              <a:solidFill>
-                <a:srgbClr val="191b0e"/>
-              </a:solidFill>
-              <a:latin typeface="Franklin Gothic Book"/>
-            </a:endParaRPr>
-          </a:p>
-          <a:p>
-            <a:pPr lvl="3" marL="1828800" indent="-383760">
-              <a:lnSpc>
-                <a:spcPct val="94000"/>
-              </a:lnSpc>
-              <a:spcBef>
-                <a:spcPts val="499"/>
-              </a:spcBef>
-              <a:spcAft>
-                <a:spcPts val="201"/>
-              </a:spcAft>
+              <a:buSzPct val="45000"/>
+              <a:buFont typeface="Wingdings" charset="2"/>
+              <a:buChar char=""/>
+            </a:pPr>
+            <a:r>
+              <a:rPr b="0" lang="en-US" sz="2000" spc="-1" strike="noStrike">
+                <a:latin typeface="Arial"/>
+              </a:rPr>
+              <a:t>Sixth Outline Level</a:t>
+            </a:r>
+            <a:endParaRPr b="0" lang="en-US" sz="2000" spc="-1" strike="noStrike">
+              <a:latin typeface="Arial"/>
+            </a:endParaRPr>
+          </a:p>
+          <a:p>
+            <a:pPr lvl="6" marL="3024000" indent="-216000">
+              <a:spcBef>
+                <a:spcPts val="283"/>
+              </a:spcBef>
               <a:buClr>
-                <a:srgbClr val="191b0e"/>
+                <a:srgbClr val="000000"/>
               </a:buClr>
-              <a:buFont typeface="Franklin Gothic Book"/>
-              <a:buChar char="–"/>
-            </a:pPr>
-            <a:r>
-              <a:rPr b="0" i="1" lang="en-US" sz="1800" spc="-1" strike="noStrike">
-                <a:solidFill>
-                  <a:srgbClr val="191b0e"/>
-                </a:solidFill>
-                <a:latin typeface="Franklin Gothic Book"/>
-              </a:rPr>
-              <a:t>Fourth level</a:t>
-            </a:r>
-            <a:endParaRPr b="0" lang="en-US" sz="1800" spc="-1" strike="noStrike">
-              <a:solidFill>
-                <a:srgbClr val="191b0e"/>
-              </a:solidFill>
-              <a:latin typeface="Franklin Gothic Book"/>
-            </a:endParaRPr>
-          </a:p>
-          <a:p>
-            <a:pPr lvl="4" marL="2286000" indent="-383760">
-              <a:lnSpc>
-                <a:spcPct val="94000"/>
-              </a:lnSpc>
-              <a:spcBef>
-                <a:spcPts val="499"/>
-              </a:spcBef>
-              <a:spcAft>
-                <a:spcPts val="201"/>
-              </a:spcAft>
-              <a:buClr>
-                <a:srgbClr val="191b0e"/>
-              </a:buClr>
-              <a:buFont typeface="Franklin Gothic Book"/>
-              <a:buChar char="■"/>
-            </a:pPr>
-            <a:r>
-              <a:rPr b="0" lang="en-US" sz="1600" spc="-1" strike="noStrike">
-                <a:solidFill>
-                  <a:srgbClr val="191b0e"/>
-                </a:solidFill>
-                <a:latin typeface="Franklin Gothic Book"/>
-              </a:rPr>
-              <a:t>Fifth level</a:t>
-            </a:r>
-            <a:endParaRPr b="0" lang="en-US" sz="1600" spc="-1" strike="noStrike">
-              <a:solidFill>
-                <a:srgbClr val="191b0e"/>
-              </a:solidFill>
-              <a:latin typeface="Franklin Gothic Book"/>
-            </a:endParaRPr>
-          </a:p>
-        </p:txBody>
-      </p:sp>
-      <p:sp>
-        <p:nvSpPr>
-          <p:cNvPr id="48" name="PlaceHolder 4"/>
-          <p:cNvSpPr>
-            <a:spLocks noGrp="1"/>
-          </p:cNvSpPr>
-          <p:nvPr>
-            <p:ph type="dt"/>
-          </p:nvPr>
-        </p:nvSpPr>
-        <p:spPr>
-          <a:xfrm>
-            <a:off x="1390680" y="6453360"/>
-            <a:ext cx="1204200" cy="404280"/>
-          </a:xfrm>
-          <a:prstGeom prst="rect">
-            <a:avLst/>
-          </a:prstGeom>
-        </p:spPr>
-        <p:txBody>
-          <a:bodyPr anchor="ctr">
-            <a:noAutofit/>
-          </a:bodyPr>
-          <a:p>
-            <a:pPr>
-              <a:lnSpc>
-                <a:spcPct val="100000"/>
-              </a:lnSpc>
-            </a:pPr>
-            <a:fld id="{7F953B36-EE9D-47D7-9019-718CA09AC386}" type="datetime">
-              <a:rPr b="0" lang="en-US" sz="1200" spc="-1" strike="noStrike">
-                <a:solidFill>
-                  <a:srgbClr val="191b0e"/>
-                </a:solidFill>
-                <a:latin typeface="Franklin Gothic Book"/>
-              </a:rPr>
-              <a:t>11/18/19</a:t>
-            </a:fld>
-            <a:endParaRPr b="0" lang="en-US" sz="1200" spc="-1" strike="noStrike">
-              <a:latin typeface="Times New Roman"/>
-            </a:endParaRPr>
-          </a:p>
-        </p:txBody>
-      </p:sp>
-      <p:sp>
-        <p:nvSpPr>
-          <p:cNvPr id="49" name="PlaceHolder 5"/>
-          <p:cNvSpPr>
-            <a:spLocks noGrp="1"/>
-          </p:cNvSpPr>
-          <p:nvPr>
-            <p:ph type="ftr"/>
-          </p:nvPr>
-        </p:nvSpPr>
-        <p:spPr>
-          <a:xfrm>
-            <a:off x="2893680" y="6453360"/>
-            <a:ext cx="6280560" cy="404280"/>
-          </a:xfrm>
-          <a:prstGeom prst="rect">
-            <a:avLst/>
-          </a:prstGeom>
-        </p:spPr>
-        <p:txBody>
-          <a:bodyPr anchor="ctr">
-            <a:noAutofit/>
-          </a:bodyPr>
-          <a:p>
-            <a:endParaRPr b="0" lang="en-US" sz="2400" spc="-1" strike="noStrike">
-              <a:latin typeface="Times New Roman"/>
-            </a:endParaRPr>
-          </a:p>
-        </p:txBody>
-      </p:sp>
-      <p:sp>
-        <p:nvSpPr>
-          <p:cNvPr id="50" name="PlaceHolder 6"/>
-          <p:cNvSpPr>
-            <a:spLocks noGrp="1"/>
-          </p:cNvSpPr>
-          <p:nvPr>
-            <p:ph type="sldNum"/>
-          </p:nvPr>
-        </p:nvSpPr>
-        <p:spPr>
-          <a:xfrm>
-            <a:off x="9472680" y="6453360"/>
-            <a:ext cx="1595880" cy="404280"/>
-          </a:xfrm>
-          <a:prstGeom prst="rect">
-            <a:avLst/>
-          </a:prstGeom>
-        </p:spPr>
-        <p:txBody>
-          <a:bodyPr anchor="ctr">
-            <a:noAutofit/>
-          </a:bodyPr>
-          <a:p>
-            <a:pPr algn="r">
-              <a:lnSpc>
-                <a:spcPct val="100000"/>
-              </a:lnSpc>
-            </a:pPr>
-            <a:fld id="{2B6A880C-DF9B-4D7F-AE76-3DFDA06F56FD}" type="slidenum">
-              <a:rPr b="0" lang="en-US" sz="1200" spc="-1" strike="noStrike">
-                <a:solidFill>
-                  <a:srgbClr val="191b0e"/>
-                </a:solidFill>
-                <a:latin typeface="Franklin Gothic Book"/>
-              </a:rPr>
-              <a:t>1</a:t>
-            </a:fld>
-            <a:endParaRPr b="0" lang="en-US" sz="1200" spc="-1" strike="noStrike">
-              <a:latin typeface="Times New Roman"/>
+              <a:buSzPct val="45000"/>
+              <a:buFont typeface="Wingdings" charset="2"/>
+              <a:buChar char=""/>
+            </a:pPr>
+            <a:r>
+              <a:rPr b="0" lang="en-US" sz="2000" spc="-1" strike="noStrike">
+                <a:latin typeface="Arial"/>
+              </a:rPr>
+              <a:t>Seventh Outline Level</a:t>
+            </a:r>
+            <a:endParaRPr b="0" lang="en-US" sz="2000" spc="-1" strike="noStrike">
+              <a:latin typeface="Arial"/>
             </a:endParaRPr>
           </a:p>
         </p:txBody>
@@ -3966,14 +3480,14 @@
       </p:grpSpPr>
       <p:sp>
         <p:nvSpPr>
-          <p:cNvPr id="87" name="TextShape 1"/>
-          <p:cNvSpPr txBox="1"/>
+          <p:cNvPr id="81" name="CustomShape 1"/>
+          <p:cNvSpPr/>
           <p:nvPr/>
         </p:nvSpPr>
         <p:spPr>
           <a:xfrm>
             <a:off x="1915200" y="1788480"/>
-            <a:ext cx="8361000" cy="2097720"/>
+            <a:ext cx="8360280" cy="2097000"/>
           </a:xfrm>
           <a:prstGeom prst="rect">
             <a:avLst/>
@@ -3983,8 +3497,14 @@
             <a:noFill/>
           </a:ln>
         </p:spPr>
-        <p:txBody>
-          <a:bodyPr anchor="b">
+        <p:style>
+          <a:lnRef idx="0"/>
+          <a:fillRef idx="0"/>
+          <a:effectRef idx="0"/>
+          <a:fontRef idx="minor"/>
+        </p:style>
+        <p:txBody>
+          <a:bodyPr lIns="90000" rIns="90000" tIns="45000" bIns="45000" anchor="b">
             <a:noAutofit/>
           </a:bodyPr>
           <a:p>
@@ -3999,28 +3519,26 @@
                   <a:srgbClr val="191b0e"/>
                 </a:solidFill>
                 <a:latin typeface="Franklin Gothic Book"/>
+                <a:ea typeface="DejaVu Sans"/>
               </a:rPr>
               <a:t>SI PET</a:t>
             </a:r>
             <a:endParaRPr b="0" lang="en-US" sz="7200" spc="-1" strike="noStrike">
-              <a:solidFill>
-                <a:srgbClr val="000000"/>
-              </a:solidFill>
-              <a:latin typeface="Franklin Gothic Book"/>
-            </a:endParaRPr>
-          </a:p>
-        </p:txBody>
-      </p:sp>
-      <p:sp>
-        <p:nvSpPr>
-          <p:cNvPr id="88" name="TextShape 2"/>
-          <p:cNvSpPr txBox="1"/>
+              <a:latin typeface="Arial"/>
+            </a:endParaRPr>
+          </a:p>
+        </p:txBody>
+      </p:sp>
+      <p:sp>
+        <p:nvSpPr>
+          <p:cNvPr id="82" name="CustomShape 2"/>
+          <p:cNvSpPr/>
           <p:nvPr/>
         </p:nvSpPr>
         <p:spPr>
           <a:xfrm>
             <a:off x="2679840" y="3956400"/>
-            <a:ext cx="6831360" cy="1085760"/>
+            <a:ext cx="6830640" cy="1085040"/>
           </a:xfrm>
           <a:prstGeom prst="rect">
             <a:avLst/>
@@ -4030,8 +3548,14 @@
             <a:noFill/>
           </a:ln>
         </p:spPr>
-        <p:txBody>
-          <a:bodyPr>
+        <p:style>
+          <a:lnRef idx="0"/>
+          <a:fillRef idx="0"/>
+          <a:effectRef idx="0"/>
+          <a:fontRef idx="minor"/>
+        </p:style>
+        <p:txBody>
+          <a:bodyPr lIns="90000" rIns="90000" tIns="45000" bIns="45000">
             <a:noAutofit/>
           </a:bodyPr>
           <a:p>
@@ -4046,6 +3570,7 @@
                   <a:srgbClr val="191b0e"/>
                 </a:solidFill>
                 <a:latin typeface="Franklin Gothic Book"/>
+                <a:ea typeface="DejaVu Sans"/>
               </a:rPr>
               <a:t>Casa inteligente para o seu animal de estimação</a:t>
             </a:r>
@@ -4095,6 +3620,1580 @@
 </p:sld>
 </file>
 
+<file path=ppt/slides/slide10.xml><?xml version="1.0" encoding="utf-8"?>
+<p:sld xmlns:a="http://schemas.openxmlformats.org/drawingml/2006/main" xmlns:p="http://schemas.openxmlformats.org/presentationml/2006/main" xmlns:r="http://schemas.openxmlformats.org/officeDocument/2006/relationships" xmlns:p14="http://schemas.microsoft.com/office/powerpoint/2010/main" xmlns:p15="http://schemas.microsoft.com/office/powerpoint/2012/main" xmlns:mc="http://schemas.openxmlformats.org/markup-compatibility/2006">
+  <p:cSld>
+    <p:spTree>
+      <p:nvGrpSpPr>
+        <p:cNvPr id="1" name=""/>
+        <p:cNvGrpSpPr/>
+        <p:nvPr/>
+      </p:nvGrpSpPr>
+      <p:grpSpPr>
+        <a:xfrm>
+          <a:off x="0" y="0"/>
+          <a:ext cx="0" cy="0"/>
+          <a:chOff x="0" y="0"/>
+          <a:chExt cx="0" cy="0"/>
+        </a:xfrm>
+      </p:grpSpPr>
+      <p:sp>
+        <p:nvSpPr>
+          <p:cNvPr id="101" name="CustomShape 1"/>
+          <p:cNvSpPr/>
+          <p:nvPr/>
+        </p:nvSpPr>
+        <p:spPr>
+          <a:xfrm>
+            <a:off x="1371600" y="685800"/>
+            <a:ext cx="9600120" cy="1485000"/>
+          </a:xfrm>
+          <a:prstGeom prst="rect">
+            <a:avLst/>
+          </a:prstGeom>
+          <a:noFill/>
+          <a:ln>
+            <a:noFill/>
+          </a:ln>
+        </p:spPr>
+        <p:style>
+          <a:lnRef idx="0"/>
+          <a:fillRef idx="0"/>
+          <a:effectRef idx="0"/>
+          <a:fontRef idx="minor"/>
+        </p:style>
+        <p:txBody>
+          <a:bodyPr lIns="90000" rIns="90000" tIns="45000" bIns="45000">
+            <a:noAutofit/>
+          </a:bodyPr>
+          <a:p>
+            <a:pPr>
+              <a:lnSpc>
+                <a:spcPct val="89000"/>
+              </a:lnSpc>
+            </a:pPr>
+            <a:r>
+              <a:rPr b="0" lang="en-US" sz="4400" spc="-1" strike="noStrike">
+                <a:solidFill>
+                  <a:srgbClr val="191b0e"/>
+                </a:solidFill>
+                <a:latin typeface="Franklin Gothic Book"/>
+                <a:ea typeface="DejaVu Sans"/>
+              </a:rPr>
+              <a:t>Funcionalidades</a:t>
+            </a:r>
+            <a:endParaRPr b="0" lang="en-US" sz="4400" spc="-1" strike="noStrike">
+              <a:latin typeface="Arial"/>
+            </a:endParaRPr>
+          </a:p>
+        </p:txBody>
+      </p:sp>
+      <p:sp>
+        <p:nvSpPr>
+          <p:cNvPr id="102" name="CustomShape 2"/>
+          <p:cNvSpPr/>
+          <p:nvPr/>
+        </p:nvSpPr>
+        <p:spPr>
+          <a:xfrm>
+            <a:off x="1371600" y="2286000"/>
+            <a:ext cx="9600120" cy="3580200"/>
+          </a:xfrm>
+          <a:prstGeom prst="rect">
+            <a:avLst/>
+          </a:prstGeom>
+          <a:noFill/>
+          <a:ln>
+            <a:noFill/>
+          </a:ln>
+        </p:spPr>
+        <p:style>
+          <a:lnRef idx="0"/>
+          <a:fillRef idx="0"/>
+          <a:effectRef idx="0"/>
+          <a:fontRef idx="minor"/>
+        </p:style>
+        <p:txBody>
+          <a:bodyPr lIns="90000" rIns="90000" tIns="45000" bIns="45000">
+            <a:noAutofit/>
+          </a:bodyPr>
+          <a:p>
+            <a:pPr marL="384120" indent="-383040">
+              <a:lnSpc>
+                <a:spcPct val="94000"/>
+              </a:lnSpc>
+              <a:spcBef>
+                <a:spcPts val="1001"/>
+              </a:spcBef>
+              <a:spcAft>
+                <a:spcPts val="201"/>
+              </a:spcAft>
+              <a:buClr>
+                <a:srgbClr val="191b0e"/>
+              </a:buClr>
+              <a:buFont typeface="Franklin Gothic Book"/>
+              <a:buChar char="■"/>
+            </a:pPr>
+            <a:r>
+              <a:rPr b="0" lang="en-US" sz="2000" spc="-1" strike="noStrike">
+                <a:solidFill>
+                  <a:srgbClr val="191b0e"/>
+                </a:solidFill>
+                <a:latin typeface="Franklin Gothic Book"/>
+                <a:ea typeface="DejaVu Sans"/>
+              </a:rPr>
+              <a:t>Controle da distribuição de alimento do animal</a:t>
+            </a:r>
+            <a:endParaRPr b="0" lang="en-US" sz="2000" spc="-1" strike="noStrike">
+              <a:latin typeface="Arial"/>
+            </a:endParaRPr>
+          </a:p>
+          <a:p>
+            <a:pPr marL="384120" indent="-383040">
+              <a:lnSpc>
+                <a:spcPct val="94000"/>
+              </a:lnSpc>
+              <a:spcBef>
+                <a:spcPts val="1001"/>
+              </a:spcBef>
+              <a:spcAft>
+                <a:spcPts val="201"/>
+              </a:spcAft>
+              <a:buClr>
+                <a:srgbClr val="191b0e"/>
+              </a:buClr>
+              <a:buFont typeface="Franklin Gothic Book"/>
+              <a:buChar char="■"/>
+            </a:pPr>
+            <a:r>
+              <a:rPr b="0" lang="en-US" sz="2000" spc="-1" strike="noStrike">
+                <a:solidFill>
+                  <a:srgbClr val="191b0e"/>
+                </a:solidFill>
+                <a:latin typeface="Franklin Gothic Book"/>
+                <a:ea typeface="DejaVu Sans"/>
+              </a:rPr>
+              <a:t>Controle de ventilação do aposento</a:t>
+            </a:r>
+            <a:endParaRPr b="0" lang="en-US" sz="2000" spc="-1" strike="noStrike">
+              <a:latin typeface="Arial"/>
+            </a:endParaRPr>
+          </a:p>
+          <a:p>
+            <a:pPr marL="384120" indent="-383040">
+              <a:lnSpc>
+                <a:spcPct val="94000"/>
+              </a:lnSpc>
+              <a:spcBef>
+                <a:spcPts val="1001"/>
+              </a:spcBef>
+              <a:spcAft>
+                <a:spcPts val="201"/>
+              </a:spcAft>
+              <a:buClr>
+                <a:srgbClr val="191b0e"/>
+              </a:buClr>
+              <a:buFont typeface="Franklin Gothic Book"/>
+              <a:buChar char="■"/>
+            </a:pPr>
+            <a:r>
+              <a:rPr b="0" lang="en-US" sz="2000" spc="-1" strike="noStrike">
+                <a:solidFill>
+                  <a:srgbClr val="191b0e"/>
+                </a:solidFill>
+                <a:latin typeface="Franklin Gothic Book"/>
+                <a:ea typeface="DejaVu Sans"/>
+              </a:rPr>
+              <a:t>Controle da iluminação do aposento</a:t>
+            </a:r>
+            <a:endParaRPr b="0" lang="en-US" sz="2000" spc="-1" strike="noStrike">
+              <a:latin typeface="Arial"/>
+            </a:endParaRPr>
+          </a:p>
+          <a:p>
+            <a:pPr marL="384120" indent="-383040">
+              <a:lnSpc>
+                <a:spcPct val="94000"/>
+              </a:lnSpc>
+              <a:spcBef>
+                <a:spcPts val="1001"/>
+              </a:spcBef>
+              <a:spcAft>
+                <a:spcPts val="201"/>
+              </a:spcAft>
+              <a:buClr>
+                <a:srgbClr val="191b0e"/>
+              </a:buClr>
+              <a:buFont typeface="Franklin Gothic Book"/>
+              <a:buChar char="■"/>
+            </a:pPr>
+            <a:r>
+              <a:rPr b="0" lang="en-US" sz="2000" spc="-1" strike="noStrike">
+                <a:solidFill>
+                  <a:srgbClr val="191b0e"/>
+                </a:solidFill>
+                <a:latin typeface="Franklin Gothic Book"/>
+                <a:ea typeface="DejaVu Sans"/>
+              </a:rPr>
+              <a:t>Alertas de atividade (Saiu/entrou em casa)</a:t>
+            </a:r>
+            <a:endParaRPr b="0" lang="en-US" sz="2000" spc="-1" strike="noStrike">
+              <a:latin typeface="Arial"/>
+            </a:endParaRPr>
+          </a:p>
+          <a:p>
+            <a:pPr marL="384120" indent="-383040">
+              <a:lnSpc>
+                <a:spcPct val="94000"/>
+              </a:lnSpc>
+              <a:spcBef>
+                <a:spcPts val="1001"/>
+              </a:spcBef>
+              <a:spcAft>
+                <a:spcPts val="201"/>
+              </a:spcAft>
+              <a:buClr>
+                <a:srgbClr val="191b0e"/>
+              </a:buClr>
+              <a:buFont typeface="Franklin Gothic Book"/>
+              <a:buChar char="■"/>
+            </a:pPr>
+            <a:r>
+              <a:rPr b="0" lang="en-US" sz="2000" spc="-1" strike="noStrike">
+                <a:solidFill>
+                  <a:srgbClr val="191b0e"/>
+                </a:solidFill>
+                <a:latin typeface="Franklin Gothic Book"/>
+                <a:ea typeface="DejaVu Sans"/>
+              </a:rPr>
+              <a:t>Log de diversos dados do animal (Peso, alimentação, atividades e outros)</a:t>
+            </a:r>
+            <a:endParaRPr b="0" lang="en-US" sz="2000" spc="-1" strike="noStrike">
+              <a:latin typeface="Arial"/>
+            </a:endParaRPr>
+          </a:p>
+          <a:p>
+            <a:pPr marL="384120" indent="-383040">
+              <a:lnSpc>
+                <a:spcPct val="94000"/>
+              </a:lnSpc>
+              <a:spcBef>
+                <a:spcPts val="1001"/>
+              </a:spcBef>
+              <a:spcAft>
+                <a:spcPts val="201"/>
+              </a:spcAft>
+              <a:buClr>
+                <a:srgbClr val="191b0e"/>
+              </a:buClr>
+              <a:buFont typeface="Franklin Gothic Book"/>
+              <a:buChar char="■"/>
+            </a:pPr>
+            <a:r>
+              <a:rPr b="0" lang="en-US" sz="2000" spc="-1" strike="noStrike">
+                <a:solidFill>
+                  <a:srgbClr val="191b0e"/>
+                </a:solidFill>
+                <a:latin typeface="Franklin Gothic Book"/>
+                <a:ea typeface="DejaVu Sans"/>
+              </a:rPr>
+              <a:t>Integração com redes sociais (Tweets sobre seus hábitos e atividades)</a:t>
+            </a:r>
+            <a:endParaRPr b="0" lang="en-US" sz="2000" spc="-1" strike="noStrike">
+              <a:latin typeface="Arial"/>
+            </a:endParaRPr>
+          </a:p>
+          <a:p>
+            <a:pPr>
+              <a:lnSpc>
+                <a:spcPct val="94000"/>
+              </a:lnSpc>
+              <a:spcBef>
+                <a:spcPts val="1001"/>
+              </a:spcBef>
+              <a:spcAft>
+                <a:spcPts val="201"/>
+              </a:spcAft>
+            </a:pPr>
+            <a:endParaRPr b="0" lang="en-US" sz="2000" spc="-1" strike="noStrike">
+              <a:latin typeface="Arial"/>
+            </a:endParaRPr>
+          </a:p>
+        </p:txBody>
+      </p:sp>
+    </p:spTree>
+  </p:cSld>
+  <mc:AlternateContent>
+    <mc:Choice Requires="p14">
+      <p:transition spd="slow" p14:dur="2000"/>
+    </mc:Choice>
+    <mc:Fallback>
+      <p:transition spd="slow"/>
+    </mc:Fallback>
+  </mc:AlternateContent>
+  <p:timing>
+    <p:tnLst>
+      <p:par>
+        <p:cTn id="19" dur="indefinite" restart="never" nodeType="tmRoot">
+          <p:childTnLst>
+            <p:seq>
+              <p:cTn id="20" dur="indefinite" nodeType="mainSeq"/>
+              <p:prevCondLst>
+                <p:cond delay="0" evt="onPrev">
+                  <p:tgtEl>
+                    <p:sldTgt/>
+                  </p:tgtEl>
+                </p:cond>
+              </p:prevCondLst>
+              <p:nextCondLst>
+                <p:cond delay="0" evt="onNext">
+                  <p:tgtEl>
+                    <p:sldTgt/>
+                  </p:tgtEl>
+                </p:cond>
+              </p:nextCondLst>
+            </p:seq>
+          </p:childTnLst>
+        </p:cTn>
+      </p:par>
+    </p:tnLst>
+  </p:timing>
+</p:sld>
+</file>
+
+<file path=ppt/slides/slide11.xml><?xml version="1.0" encoding="utf-8"?>
+<p:sld xmlns:a="http://schemas.openxmlformats.org/drawingml/2006/main" xmlns:p="http://schemas.openxmlformats.org/presentationml/2006/main" xmlns:r="http://schemas.openxmlformats.org/officeDocument/2006/relationships" xmlns:p14="http://schemas.microsoft.com/office/powerpoint/2010/main" xmlns:p15="http://schemas.microsoft.com/office/powerpoint/2012/main" xmlns:mc="http://schemas.openxmlformats.org/markup-compatibility/2006">
+  <p:cSld>
+    <p:spTree>
+      <p:nvGrpSpPr>
+        <p:cNvPr id="1" name=""/>
+        <p:cNvGrpSpPr/>
+        <p:nvPr/>
+      </p:nvGrpSpPr>
+      <p:grpSpPr>
+        <a:xfrm>
+          <a:off x="0" y="0"/>
+          <a:ext cx="0" cy="0"/>
+          <a:chOff x="0" y="0"/>
+          <a:chExt cx="0" cy="0"/>
+        </a:xfrm>
+      </p:grpSpPr>
+      <p:sp>
+        <p:nvSpPr>
+          <p:cNvPr id="103" name="CustomShape 1"/>
+          <p:cNvSpPr/>
+          <p:nvPr/>
+        </p:nvSpPr>
+        <p:spPr>
+          <a:xfrm>
+            <a:off x="1371600" y="685800"/>
+            <a:ext cx="9600120" cy="1485000"/>
+          </a:xfrm>
+          <a:prstGeom prst="rect">
+            <a:avLst/>
+          </a:prstGeom>
+          <a:noFill/>
+          <a:ln>
+            <a:noFill/>
+          </a:ln>
+        </p:spPr>
+        <p:style>
+          <a:lnRef idx="0"/>
+          <a:fillRef idx="0"/>
+          <a:effectRef idx="0"/>
+          <a:fontRef idx="minor"/>
+        </p:style>
+        <p:txBody>
+          <a:bodyPr lIns="90000" rIns="90000" tIns="45000" bIns="45000">
+            <a:noAutofit/>
+          </a:bodyPr>
+          <a:p>
+            <a:pPr>
+              <a:lnSpc>
+                <a:spcPct val="89000"/>
+              </a:lnSpc>
+            </a:pPr>
+            <a:r>
+              <a:rPr b="0" lang="en-US" sz="4400" spc="-1" strike="noStrike">
+                <a:solidFill>
+                  <a:srgbClr val="191b0e"/>
+                </a:solidFill>
+                <a:latin typeface="Franklin Gothic Book"/>
+                <a:ea typeface="DejaVu Sans"/>
+              </a:rPr>
+              <a:t>Implementação</a:t>
+            </a:r>
+            <a:endParaRPr b="0" lang="en-US" sz="4400" spc="-1" strike="noStrike">
+              <a:latin typeface="Arial"/>
+            </a:endParaRPr>
+          </a:p>
+        </p:txBody>
+      </p:sp>
+      <p:sp>
+        <p:nvSpPr>
+          <p:cNvPr id="104" name="CustomShape 2"/>
+          <p:cNvSpPr/>
+          <p:nvPr/>
+        </p:nvSpPr>
+        <p:spPr>
+          <a:xfrm>
+            <a:off x="1371600" y="2286000"/>
+            <a:ext cx="9600120" cy="3580200"/>
+          </a:xfrm>
+          <a:prstGeom prst="rect">
+            <a:avLst/>
+          </a:prstGeom>
+          <a:noFill/>
+          <a:ln>
+            <a:noFill/>
+          </a:ln>
+        </p:spPr>
+        <p:style>
+          <a:lnRef idx="0"/>
+          <a:fillRef idx="0"/>
+          <a:effectRef idx="0"/>
+          <a:fontRef idx="minor"/>
+        </p:style>
+        <p:txBody>
+          <a:bodyPr lIns="90000" rIns="90000" tIns="45000" bIns="45000">
+            <a:noAutofit/>
+          </a:bodyPr>
+          <a:p>
+            <a:pPr>
+              <a:lnSpc>
+                <a:spcPct val="94000"/>
+              </a:lnSpc>
+              <a:spcBef>
+                <a:spcPts val="1001"/>
+              </a:spcBef>
+              <a:spcAft>
+                <a:spcPts val="201"/>
+              </a:spcAft>
+            </a:pPr>
+            <a:r>
+              <a:rPr b="0" lang="en-US" sz="2000" spc="-1" strike="noStrike">
+                <a:solidFill>
+                  <a:srgbClr val="191b0e"/>
+                </a:solidFill>
+                <a:latin typeface="Franklin Gothic Book"/>
+                <a:ea typeface="DejaVu Sans"/>
+              </a:rPr>
+              <a:t>O Sistema contará com um conjunto de sensores para monitorar o ambiente do animal</a:t>
+            </a:r>
+            <a:endParaRPr b="0" lang="en-US" sz="2000" spc="-1" strike="noStrike">
+              <a:latin typeface="Arial"/>
+            </a:endParaRPr>
+          </a:p>
+          <a:p>
+            <a:pPr marL="384120" indent="-383040">
+              <a:lnSpc>
+                <a:spcPct val="94000"/>
+              </a:lnSpc>
+              <a:spcBef>
+                <a:spcPts val="1001"/>
+              </a:spcBef>
+              <a:spcAft>
+                <a:spcPts val="201"/>
+              </a:spcAft>
+              <a:buClr>
+                <a:srgbClr val="191b0e"/>
+              </a:buClr>
+              <a:buFont typeface="Franklin Gothic Book"/>
+              <a:buChar char="■"/>
+            </a:pPr>
+            <a:r>
+              <a:rPr b="0" lang="en-US" sz="2000" spc="-1" strike="noStrike">
+                <a:solidFill>
+                  <a:srgbClr val="191b0e"/>
+                </a:solidFill>
+                <a:latin typeface="Franklin Gothic Book"/>
+                <a:ea typeface="DejaVu Sans"/>
+              </a:rPr>
+              <a:t>Termostato para controlar ventilação</a:t>
+            </a:r>
+            <a:endParaRPr b="0" lang="en-US" sz="2000" spc="-1" strike="noStrike">
+              <a:latin typeface="Arial"/>
+            </a:endParaRPr>
+          </a:p>
+          <a:p>
+            <a:pPr marL="384120" indent="-383040">
+              <a:lnSpc>
+                <a:spcPct val="94000"/>
+              </a:lnSpc>
+              <a:spcBef>
+                <a:spcPts val="1001"/>
+              </a:spcBef>
+              <a:spcAft>
+                <a:spcPts val="201"/>
+              </a:spcAft>
+              <a:buClr>
+                <a:srgbClr val="191b0e"/>
+              </a:buClr>
+              <a:buFont typeface="Franklin Gothic Book"/>
+              <a:buChar char="■"/>
+            </a:pPr>
+            <a:r>
+              <a:rPr b="0" lang="en-US" sz="2000" spc="-1" strike="noStrike">
+                <a:solidFill>
+                  <a:srgbClr val="191b0e"/>
+                </a:solidFill>
+                <a:latin typeface="Franklin Gothic Book"/>
+                <a:ea typeface="DejaVu Sans"/>
+              </a:rPr>
+              <a:t>Balança para log de peso</a:t>
+            </a:r>
+            <a:endParaRPr b="0" lang="en-US" sz="2000" spc="-1" strike="noStrike">
+              <a:latin typeface="Arial"/>
+            </a:endParaRPr>
+          </a:p>
+          <a:p>
+            <a:pPr marL="384120" indent="-383040">
+              <a:lnSpc>
+                <a:spcPct val="94000"/>
+              </a:lnSpc>
+              <a:spcBef>
+                <a:spcPts val="1001"/>
+              </a:spcBef>
+              <a:spcAft>
+                <a:spcPts val="201"/>
+              </a:spcAft>
+              <a:buClr>
+                <a:srgbClr val="191b0e"/>
+              </a:buClr>
+              <a:buFont typeface="Franklin Gothic Book"/>
+              <a:buChar char="■"/>
+            </a:pPr>
+            <a:r>
+              <a:rPr b="0" lang="en-US" sz="2000" spc="-1" strike="noStrike">
+                <a:solidFill>
+                  <a:srgbClr val="191b0e"/>
+                </a:solidFill>
+                <a:latin typeface="Franklin Gothic Book"/>
+                <a:ea typeface="DejaVu Sans"/>
+              </a:rPr>
+              <a:t>Sensor na porta de acesso externo no caso de animal com acesso a rua (log de entrada/saida + notificações)</a:t>
+            </a:r>
+            <a:endParaRPr b="0" lang="en-US" sz="2000" spc="-1" strike="noStrike">
+              <a:latin typeface="Arial"/>
+            </a:endParaRPr>
+          </a:p>
+          <a:p>
+            <a:pPr marL="384120" indent="-383040">
+              <a:lnSpc>
+                <a:spcPct val="94000"/>
+              </a:lnSpc>
+              <a:spcBef>
+                <a:spcPts val="1001"/>
+              </a:spcBef>
+              <a:spcAft>
+                <a:spcPts val="201"/>
+              </a:spcAft>
+              <a:buClr>
+                <a:srgbClr val="191b0e"/>
+              </a:buClr>
+              <a:buFont typeface="Franklin Gothic Book"/>
+              <a:buChar char="■"/>
+            </a:pPr>
+            <a:r>
+              <a:rPr b="0" lang="en-US" sz="2000" spc="-1" strike="noStrike">
+                <a:solidFill>
+                  <a:srgbClr val="191b0e"/>
+                </a:solidFill>
+                <a:latin typeface="Franklin Gothic Book"/>
+                <a:ea typeface="DejaVu Sans"/>
+              </a:rPr>
+              <a:t>Sensor de iluminação para ajustar a luz do aposento</a:t>
+            </a:r>
+            <a:endParaRPr b="0" lang="en-US" sz="2000" spc="-1" strike="noStrike">
+              <a:latin typeface="Arial"/>
+            </a:endParaRPr>
+          </a:p>
+          <a:p>
+            <a:pPr>
+              <a:lnSpc>
+                <a:spcPct val="94000"/>
+              </a:lnSpc>
+              <a:spcBef>
+                <a:spcPts val="1001"/>
+              </a:spcBef>
+              <a:spcAft>
+                <a:spcPts val="201"/>
+              </a:spcAft>
+            </a:pPr>
+            <a:r>
+              <a:rPr b="0" lang="en-US" sz="2000" spc="-1" strike="noStrike">
+                <a:solidFill>
+                  <a:srgbClr val="191b0e"/>
+                </a:solidFill>
+                <a:latin typeface="Franklin Gothic Book"/>
+                <a:ea typeface="DejaVu Sans"/>
+              </a:rPr>
+              <a:t>Os dados fornecidos pelos sensores alimentaram um servidor local (raspberrypi + arduino, por exemplo) que fará o log, tomará as decições e fornecerá controle remoto e acesso aos dados para o dono, por meio de uma interface gráfica simples.</a:t>
+            </a:r>
+            <a:endParaRPr b="0" lang="en-US" sz="2000" spc="-1" strike="noStrike">
+              <a:latin typeface="Arial"/>
+            </a:endParaRPr>
+          </a:p>
+        </p:txBody>
+      </p:sp>
+    </p:spTree>
+  </p:cSld>
+  <mc:AlternateContent>
+    <mc:Choice Requires="p14">
+      <p:transition spd="slow" p14:dur="2000"/>
+    </mc:Choice>
+    <mc:Fallback>
+      <p:transition spd="slow"/>
+    </mc:Fallback>
+  </mc:AlternateContent>
+  <p:timing>
+    <p:tnLst>
+      <p:par>
+        <p:cTn id="21" dur="indefinite" restart="never" nodeType="tmRoot">
+          <p:childTnLst>
+            <p:seq>
+              <p:cTn id="22" dur="indefinite" nodeType="mainSeq"/>
+              <p:prevCondLst>
+                <p:cond delay="0" evt="onPrev">
+                  <p:tgtEl>
+                    <p:sldTgt/>
+                  </p:tgtEl>
+                </p:cond>
+              </p:prevCondLst>
+              <p:nextCondLst>
+                <p:cond delay="0" evt="onNext">
+                  <p:tgtEl>
+                    <p:sldTgt/>
+                  </p:tgtEl>
+                </p:cond>
+              </p:nextCondLst>
+            </p:seq>
+          </p:childTnLst>
+        </p:cTn>
+      </p:par>
+    </p:tnLst>
+  </p:timing>
+</p:sld>
+</file>
+
+<file path=ppt/slides/slide12.xml><?xml version="1.0" encoding="utf-8"?>
+<p:sld xmlns:a="http://schemas.openxmlformats.org/drawingml/2006/main" xmlns:p="http://schemas.openxmlformats.org/presentationml/2006/main" xmlns:r="http://schemas.openxmlformats.org/officeDocument/2006/relationships" xmlns:p14="http://schemas.microsoft.com/office/powerpoint/2010/main" xmlns:p15="http://schemas.microsoft.com/office/powerpoint/2012/main" xmlns:mc="http://schemas.openxmlformats.org/markup-compatibility/2006">
+  <p:cSld>
+    <p:spTree>
+      <p:nvGrpSpPr>
+        <p:cNvPr id="1" name=""/>
+        <p:cNvGrpSpPr/>
+        <p:nvPr/>
+      </p:nvGrpSpPr>
+      <p:grpSpPr>
+        <a:xfrm>
+          <a:off x="0" y="0"/>
+          <a:ext cx="0" cy="0"/>
+          <a:chOff x="0" y="0"/>
+          <a:chExt cx="0" cy="0"/>
+        </a:xfrm>
+      </p:grpSpPr>
+      <p:sp>
+        <p:nvSpPr>
+          <p:cNvPr id="105" name="CustomShape 1"/>
+          <p:cNvSpPr/>
+          <p:nvPr/>
+        </p:nvSpPr>
+        <p:spPr>
+          <a:xfrm>
+            <a:off x="1371600" y="685800"/>
+            <a:ext cx="9600120" cy="1485000"/>
+          </a:xfrm>
+          <a:prstGeom prst="rect">
+            <a:avLst/>
+          </a:prstGeom>
+          <a:noFill/>
+          <a:ln>
+            <a:noFill/>
+          </a:ln>
+        </p:spPr>
+        <p:style>
+          <a:lnRef idx="0"/>
+          <a:fillRef idx="0"/>
+          <a:effectRef idx="0"/>
+          <a:fontRef idx="minor"/>
+        </p:style>
+        <p:txBody>
+          <a:bodyPr lIns="90000" rIns="90000" tIns="45000" bIns="45000">
+            <a:noAutofit/>
+          </a:bodyPr>
+          <a:p>
+            <a:pPr>
+              <a:lnSpc>
+                <a:spcPct val="89000"/>
+              </a:lnSpc>
+            </a:pPr>
+            <a:r>
+              <a:rPr b="0" lang="en-US" sz="4400" spc="-1" strike="noStrike">
+                <a:solidFill>
+                  <a:srgbClr val="191b0e"/>
+                </a:solidFill>
+                <a:latin typeface="Franklin Gothic Book"/>
+                <a:ea typeface="DejaVu Sans"/>
+              </a:rPr>
+              <a:t>Sistema</a:t>
+            </a:r>
+            <a:endParaRPr b="0" lang="en-US" sz="4400" spc="-1" strike="noStrike">
+              <a:latin typeface="Arial"/>
+            </a:endParaRPr>
+          </a:p>
+        </p:txBody>
+      </p:sp>
+      <p:sp>
+        <p:nvSpPr>
+          <p:cNvPr id="106" name="CustomShape 2"/>
+          <p:cNvSpPr/>
+          <p:nvPr/>
+        </p:nvSpPr>
+        <p:spPr>
+          <a:xfrm>
+            <a:off x="1371600" y="2286000"/>
+            <a:ext cx="9600120" cy="3580200"/>
+          </a:xfrm>
+          <a:prstGeom prst="rect">
+            <a:avLst/>
+          </a:prstGeom>
+          <a:noFill/>
+          <a:ln>
+            <a:noFill/>
+          </a:ln>
+        </p:spPr>
+        <p:style>
+          <a:lnRef idx="0"/>
+          <a:fillRef idx="0"/>
+          <a:effectRef idx="0"/>
+          <a:fontRef idx="minor"/>
+        </p:style>
+        <p:txBody>
+          <a:bodyPr lIns="90000" rIns="90000" tIns="45000" bIns="45000">
+            <a:noAutofit/>
+          </a:bodyPr>
+          <a:p>
+            <a:pPr marL="384120" indent="-383040">
+              <a:lnSpc>
+                <a:spcPct val="94000"/>
+              </a:lnSpc>
+              <a:spcBef>
+                <a:spcPts val="1001"/>
+              </a:spcBef>
+              <a:spcAft>
+                <a:spcPts val="201"/>
+              </a:spcAft>
+              <a:buClr>
+                <a:srgbClr val="191b0e"/>
+              </a:buClr>
+              <a:buFont typeface="Franklin Gothic Book"/>
+              <a:buChar char="■"/>
+            </a:pPr>
+            <a:r>
+              <a:rPr b="0" lang="en-US" sz="2000" spc="-1" strike="noStrike">
+                <a:solidFill>
+                  <a:srgbClr val="191b0e"/>
+                </a:solidFill>
+                <a:latin typeface="Franklin Gothic Book"/>
+                <a:ea typeface="DejaVu Sans"/>
+              </a:rPr>
+              <a:t>O controle e acesso aos dados serão feitos por meio de uma aplicação PWA</a:t>
+            </a:r>
+            <a:endParaRPr b="0" lang="en-US" sz="2000" spc="-1" strike="noStrike">
+              <a:latin typeface="Arial"/>
+            </a:endParaRPr>
+          </a:p>
+          <a:p>
+            <a:pPr marL="384120" indent="-383040">
+              <a:lnSpc>
+                <a:spcPct val="94000"/>
+              </a:lnSpc>
+              <a:spcBef>
+                <a:spcPts val="1001"/>
+              </a:spcBef>
+              <a:spcAft>
+                <a:spcPts val="201"/>
+              </a:spcAft>
+              <a:buClr>
+                <a:srgbClr val="191b0e"/>
+              </a:buClr>
+              <a:buFont typeface="Franklin Gothic Book"/>
+              <a:buChar char="■"/>
+            </a:pPr>
+            <a:r>
+              <a:rPr b="0" lang="en-US" sz="2000" spc="-1" strike="noStrike">
+                <a:solidFill>
+                  <a:srgbClr val="191b0e"/>
+                </a:solidFill>
+                <a:latin typeface="Franklin Gothic Book"/>
+                <a:ea typeface="DejaVu Sans"/>
+              </a:rPr>
+              <a:t>Por ser uma PWA, o usuário pode adicionar a aplicação ao seu dispositivo móvel</a:t>
+            </a:r>
+            <a:endParaRPr b="0" lang="en-US" sz="2000" spc="-1" strike="noStrike">
+              <a:latin typeface="Arial"/>
+            </a:endParaRPr>
+          </a:p>
+          <a:p>
+            <a:pPr marL="384120" indent="-383040">
+              <a:lnSpc>
+                <a:spcPct val="94000"/>
+              </a:lnSpc>
+              <a:spcBef>
+                <a:spcPts val="1001"/>
+              </a:spcBef>
+              <a:spcAft>
+                <a:spcPts val="201"/>
+              </a:spcAft>
+              <a:buClr>
+                <a:srgbClr val="191b0e"/>
+              </a:buClr>
+              <a:buFont typeface="Franklin Gothic Book"/>
+              <a:buChar char="■"/>
+            </a:pPr>
+            <a:r>
+              <a:rPr b="0" lang="en-US" sz="2000" spc="-1" strike="noStrike">
+                <a:solidFill>
+                  <a:srgbClr val="191b0e"/>
+                </a:solidFill>
+                <a:latin typeface="Franklin Gothic Book"/>
+                <a:ea typeface="DejaVu Sans"/>
+              </a:rPr>
+              <a:t>A aplicação será construída em node.js para tirar proveito da infraestrutura do google firebase (hosting, functions e database)</a:t>
+            </a:r>
+            <a:endParaRPr b="0" lang="en-US" sz="2000" spc="-1" strike="noStrike">
+              <a:latin typeface="Arial"/>
+            </a:endParaRPr>
+          </a:p>
+        </p:txBody>
+      </p:sp>
+    </p:spTree>
+  </p:cSld>
+  <mc:AlternateContent>
+    <mc:Choice Requires="p14">
+      <p:transition spd="slow" p14:dur="2000"/>
+    </mc:Choice>
+    <mc:Fallback>
+      <p:transition spd="slow"/>
+    </mc:Fallback>
+  </mc:AlternateContent>
+  <p:timing>
+    <p:tnLst>
+      <p:par>
+        <p:cTn id="23" dur="indefinite" restart="never" nodeType="tmRoot">
+          <p:childTnLst>
+            <p:seq>
+              <p:cTn id="24" dur="indefinite" nodeType="mainSeq"/>
+              <p:prevCondLst>
+                <p:cond delay="0" evt="onPrev">
+                  <p:tgtEl>
+                    <p:sldTgt/>
+                  </p:tgtEl>
+                </p:cond>
+              </p:prevCondLst>
+              <p:nextCondLst>
+                <p:cond delay="0" evt="onNext">
+                  <p:tgtEl>
+                    <p:sldTgt/>
+                  </p:tgtEl>
+                </p:cond>
+              </p:nextCondLst>
+            </p:seq>
+          </p:childTnLst>
+        </p:cTn>
+      </p:par>
+    </p:tnLst>
+  </p:timing>
+</p:sld>
+</file>
+
+<file path=ppt/slides/slide13.xml><?xml version="1.0" encoding="utf-8"?>
+<p:sld xmlns:a="http://schemas.openxmlformats.org/drawingml/2006/main" xmlns:p="http://schemas.openxmlformats.org/presentationml/2006/main" xmlns:r="http://schemas.openxmlformats.org/officeDocument/2006/relationships" xmlns:p14="http://schemas.microsoft.com/office/powerpoint/2010/main" xmlns:p15="http://schemas.microsoft.com/office/powerpoint/2012/main" xmlns:mc="http://schemas.openxmlformats.org/markup-compatibility/2006">
+  <p:cSld>
+    <p:spTree>
+      <p:nvGrpSpPr>
+        <p:cNvPr id="1" name=""/>
+        <p:cNvGrpSpPr/>
+        <p:nvPr/>
+      </p:nvGrpSpPr>
+      <p:grpSpPr>
+        <a:xfrm>
+          <a:off x="0" y="0"/>
+          <a:ext cx="0" cy="0"/>
+          <a:chOff x="0" y="0"/>
+          <a:chExt cx="0" cy="0"/>
+        </a:xfrm>
+      </p:grpSpPr>
+      <p:sp>
+        <p:nvSpPr>
+          <p:cNvPr id="107" name="CustomShape 1"/>
+          <p:cNvSpPr/>
+          <p:nvPr/>
+        </p:nvSpPr>
+        <p:spPr>
+          <a:xfrm>
+            <a:off x="1371600" y="685800"/>
+            <a:ext cx="9600120" cy="1485000"/>
+          </a:xfrm>
+          <a:prstGeom prst="rect">
+            <a:avLst/>
+          </a:prstGeom>
+          <a:noFill/>
+          <a:ln>
+            <a:noFill/>
+          </a:ln>
+        </p:spPr>
+        <p:style>
+          <a:lnRef idx="0"/>
+          <a:fillRef idx="0"/>
+          <a:effectRef idx="0"/>
+          <a:fontRef idx="minor"/>
+        </p:style>
+        <p:txBody>
+          <a:bodyPr lIns="90000" rIns="90000" tIns="45000" bIns="45000">
+            <a:noAutofit/>
+          </a:bodyPr>
+          <a:p>
+            <a:pPr>
+              <a:lnSpc>
+                <a:spcPct val="89000"/>
+              </a:lnSpc>
+            </a:pPr>
+            <a:r>
+              <a:rPr b="0" lang="en-US" sz="4400" spc="-1" strike="noStrike">
+                <a:solidFill>
+                  <a:srgbClr val="191b0e"/>
+                </a:solidFill>
+                <a:latin typeface="Franklin Gothic Book"/>
+                <a:ea typeface="DejaVu Sans"/>
+              </a:rPr>
+              <a:t>Diagrama</a:t>
+            </a:r>
+            <a:endParaRPr b="0" lang="en-US" sz="4400" spc="-1" strike="noStrike">
+              <a:latin typeface="Arial"/>
+            </a:endParaRPr>
+          </a:p>
+        </p:txBody>
+      </p:sp>
+      <p:sp>
+        <p:nvSpPr>
+          <p:cNvPr id="108" name="CustomShape 2"/>
+          <p:cNvSpPr/>
+          <p:nvPr/>
+        </p:nvSpPr>
+        <p:spPr>
+          <a:xfrm>
+            <a:off x="1371600" y="2286000"/>
+            <a:ext cx="9600120" cy="3580200"/>
+          </a:xfrm>
+          <a:prstGeom prst="rect">
+            <a:avLst/>
+          </a:prstGeom>
+          <a:noFill/>
+          <a:ln>
+            <a:noFill/>
+          </a:ln>
+        </p:spPr>
+        <p:style>
+          <a:lnRef idx="0"/>
+          <a:fillRef idx="0"/>
+          <a:effectRef idx="0"/>
+          <a:fontRef idx="minor"/>
+        </p:style>
+        <p:txBody>
+          <a:bodyPr lIns="90000" rIns="90000" tIns="45000" bIns="45000">
+            <a:noAutofit/>
+          </a:bodyPr>
+          <a:p>
+            <a:pPr marL="384120" indent="-383040">
+              <a:lnSpc>
+                <a:spcPct val="94000"/>
+              </a:lnSpc>
+              <a:spcBef>
+                <a:spcPts val="1001"/>
+              </a:spcBef>
+              <a:spcAft>
+                <a:spcPts val="201"/>
+              </a:spcAft>
+              <a:buClr>
+                <a:srgbClr val="191b0e"/>
+              </a:buClr>
+              <a:buFont typeface="Franklin Gothic Book"/>
+              <a:buChar char="■"/>
+            </a:pPr>
+            <a:endParaRPr b="0" lang="en-US" sz="1800" spc="-1" strike="noStrike">
+              <a:latin typeface="Arial"/>
+            </a:endParaRPr>
+          </a:p>
+          <a:p>
+            <a:pPr marL="384120" indent="-383040">
+              <a:lnSpc>
+                <a:spcPct val="94000"/>
+              </a:lnSpc>
+              <a:spcBef>
+                <a:spcPts val="1001"/>
+              </a:spcBef>
+              <a:spcAft>
+                <a:spcPts val="201"/>
+              </a:spcAft>
+              <a:buClr>
+                <a:srgbClr val="191b0e"/>
+              </a:buClr>
+              <a:buFont typeface="Franklin Gothic Book"/>
+              <a:buChar char="■"/>
+            </a:pPr>
+            <a:endParaRPr b="0" lang="en-US" sz="1800" spc="-1" strike="noStrike">
+              <a:latin typeface="Arial"/>
+            </a:endParaRPr>
+          </a:p>
+        </p:txBody>
+      </p:sp>
+      <p:pic>
+        <p:nvPicPr>
+          <p:cNvPr id="109" name="" descr=""/>
+          <p:cNvPicPr/>
+          <p:nvPr/>
+        </p:nvPicPr>
+        <p:blipFill>
+          <a:blip r:embed="rId1"/>
+          <a:stretch/>
+        </p:blipFill>
+        <p:spPr>
+          <a:xfrm>
+            <a:off x="2103120" y="1463040"/>
+            <a:ext cx="8611920" cy="4985280"/>
+          </a:xfrm>
+          <a:prstGeom prst="rect">
+            <a:avLst/>
+          </a:prstGeom>
+          <a:ln>
+            <a:noFill/>
+          </a:ln>
+        </p:spPr>
+      </p:pic>
+    </p:spTree>
+  </p:cSld>
+  <mc:AlternateContent>
+    <mc:Choice Requires="p14">
+      <p:transition spd="slow" p14:dur="2000"/>
+    </mc:Choice>
+    <mc:Fallback>
+      <p:transition spd="slow"/>
+    </mc:Fallback>
+  </mc:AlternateContent>
+  <p:timing>
+    <p:tnLst>
+      <p:par>
+        <p:cTn id="25" dur="indefinite" restart="never" nodeType="tmRoot">
+          <p:childTnLst>
+            <p:seq>
+              <p:cTn id="26" dur="indefinite" nodeType="mainSeq"/>
+              <p:prevCondLst>
+                <p:cond delay="0" evt="onPrev">
+                  <p:tgtEl>
+                    <p:sldTgt/>
+                  </p:tgtEl>
+                </p:cond>
+              </p:prevCondLst>
+              <p:nextCondLst>
+                <p:cond delay="0" evt="onNext">
+                  <p:tgtEl>
+                    <p:sldTgt/>
+                  </p:tgtEl>
+                </p:cond>
+              </p:nextCondLst>
+            </p:seq>
+          </p:childTnLst>
+        </p:cTn>
+      </p:par>
+    </p:tnLst>
+  </p:timing>
+</p:sld>
+</file>
+
+<file path=ppt/slides/slide14.xml><?xml version="1.0" encoding="utf-8"?>
+<p:sld xmlns:a="http://schemas.openxmlformats.org/drawingml/2006/main" xmlns:p="http://schemas.openxmlformats.org/presentationml/2006/main" xmlns:r="http://schemas.openxmlformats.org/officeDocument/2006/relationships" xmlns:p14="http://schemas.microsoft.com/office/powerpoint/2010/main" xmlns:p15="http://schemas.microsoft.com/office/powerpoint/2012/main" xmlns:mc="http://schemas.openxmlformats.org/markup-compatibility/2006">
+  <p:cSld>
+    <p:spTree>
+      <p:nvGrpSpPr>
+        <p:cNvPr id="1" name=""/>
+        <p:cNvGrpSpPr/>
+        <p:nvPr/>
+      </p:nvGrpSpPr>
+      <p:grpSpPr>
+        <a:xfrm>
+          <a:off x="0" y="0"/>
+          <a:ext cx="0" cy="0"/>
+          <a:chOff x="0" y="0"/>
+          <a:chExt cx="0" cy="0"/>
+        </a:xfrm>
+      </p:grpSpPr>
+      <p:sp>
+        <p:nvSpPr>
+          <p:cNvPr id="110" name="CustomShape 1"/>
+          <p:cNvSpPr/>
+          <p:nvPr/>
+        </p:nvSpPr>
+        <p:spPr>
+          <a:xfrm>
+            <a:off x="1371600" y="685800"/>
+            <a:ext cx="9600120" cy="1485000"/>
+          </a:xfrm>
+          <a:prstGeom prst="rect">
+            <a:avLst/>
+          </a:prstGeom>
+          <a:noFill/>
+          <a:ln>
+            <a:noFill/>
+          </a:ln>
+        </p:spPr>
+        <p:style>
+          <a:lnRef idx="0"/>
+          <a:fillRef idx="0"/>
+          <a:effectRef idx="0"/>
+          <a:fontRef idx="minor"/>
+        </p:style>
+        <p:txBody>
+          <a:bodyPr lIns="90000" rIns="90000" tIns="45000" bIns="45000">
+            <a:noAutofit/>
+          </a:bodyPr>
+          <a:p>
+            <a:pPr>
+              <a:lnSpc>
+                <a:spcPct val="89000"/>
+              </a:lnSpc>
+            </a:pPr>
+            <a:r>
+              <a:rPr b="0" lang="en-US" sz="4400" spc="-1" strike="noStrike">
+                <a:solidFill>
+                  <a:srgbClr val="191b0e"/>
+                </a:solidFill>
+                <a:latin typeface="Franklin Gothic Book"/>
+                <a:ea typeface="DejaVu Sans"/>
+              </a:rPr>
+              <a:t>Consideraçoes finais</a:t>
+            </a:r>
+            <a:endParaRPr b="0" lang="en-US" sz="4400" spc="-1" strike="noStrike">
+              <a:latin typeface="Arial"/>
+            </a:endParaRPr>
+          </a:p>
+        </p:txBody>
+      </p:sp>
+      <p:sp>
+        <p:nvSpPr>
+          <p:cNvPr id="111" name="CustomShape 2"/>
+          <p:cNvSpPr/>
+          <p:nvPr/>
+        </p:nvSpPr>
+        <p:spPr>
+          <a:xfrm>
+            <a:off x="1371600" y="2286000"/>
+            <a:ext cx="9600120" cy="3580200"/>
+          </a:xfrm>
+          <a:prstGeom prst="rect">
+            <a:avLst/>
+          </a:prstGeom>
+          <a:noFill/>
+          <a:ln>
+            <a:noFill/>
+          </a:ln>
+        </p:spPr>
+        <p:style>
+          <a:lnRef idx="0"/>
+          <a:fillRef idx="0"/>
+          <a:effectRef idx="0"/>
+          <a:fontRef idx="minor"/>
+        </p:style>
+        <p:txBody>
+          <a:bodyPr lIns="90000" rIns="90000" tIns="45000" bIns="45000">
+            <a:noAutofit/>
+          </a:bodyPr>
+          <a:p>
+            <a:pPr marL="384120" indent="-383040">
+              <a:lnSpc>
+                <a:spcPct val="94000"/>
+              </a:lnSpc>
+              <a:spcBef>
+                <a:spcPts val="1001"/>
+              </a:spcBef>
+              <a:spcAft>
+                <a:spcPts val="201"/>
+              </a:spcAft>
+              <a:buClr>
+                <a:srgbClr val="191b0e"/>
+              </a:buClr>
+              <a:buFont typeface="Franklin Gothic Book"/>
+              <a:buChar char="■"/>
+            </a:pPr>
+            <a:r>
+              <a:rPr b="0" lang="en-US" sz="2000" spc="-1" strike="noStrike">
+                <a:solidFill>
+                  <a:srgbClr val="191b0e"/>
+                </a:solidFill>
+                <a:latin typeface="Franklin Gothic Book"/>
+                <a:ea typeface="DejaVu Sans"/>
+              </a:rPr>
+              <a:t>O sistema possui o objetivo de ser simples, com facilidade de alterar o seu escopo com poucos ajustes (adição / remoção de sensores e módulos), de forma que possa se ajustar à necessidades específicas</a:t>
+            </a:r>
+            <a:endParaRPr b="0" lang="en-US" sz="2000" spc="-1" strike="noStrike">
+              <a:latin typeface="Arial"/>
+            </a:endParaRPr>
+          </a:p>
+          <a:p>
+            <a:pPr marL="384120" indent="-383040">
+              <a:lnSpc>
+                <a:spcPct val="94000"/>
+              </a:lnSpc>
+              <a:spcBef>
+                <a:spcPts val="1001"/>
+              </a:spcBef>
+              <a:spcAft>
+                <a:spcPts val="201"/>
+              </a:spcAft>
+              <a:buClr>
+                <a:srgbClr val="191b0e"/>
+              </a:buClr>
+              <a:buFont typeface="Franklin Gothic Book"/>
+              <a:buChar char="■"/>
+            </a:pPr>
+            <a:r>
+              <a:rPr b="0" lang="en-US" sz="2000" spc="-1" strike="noStrike">
+                <a:solidFill>
+                  <a:srgbClr val="191b0e"/>
+                </a:solidFill>
+                <a:latin typeface="Franklin Gothic Book"/>
+                <a:ea typeface="DejaVu Sans"/>
+              </a:rPr>
+              <a:t>As implementações do sistema e da estrutura é facilmente escalável para atender diversos tipos de animais.</a:t>
+            </a:r>
+            <a:endParaRPr b="0" lang="en-US" sz="2000" spc="-1" strike="noStrike">
+              <a:latin typeface="Arial"/>
+            </a:endParaRPr>
+          </a:p>
+          <a:p>
+            <a:pPr marL="384120" indent="-383040">
+              <a:lnSpc>
+                <a:spcPct val="94000"/>
+              </a:lnSpc>
+              <a:spcBef>
+                <a:spcPts val="1001"/>
+              </a:spcBef>
+              <a:spcAft>
+                <a:spcPts val="201"/>
+              </a:spcAft>
+              <a:buClr>
+                <a:srgbClr val="191b0e"/>
+              </a:buClr>
+              <a:buFont typeface="Franklin Gothic Book"/>
+              <a:buChar char="■"/>
+            </a:pPr>
+            <a:r>
+              <a:rPr b="0" lang="en-US" sz="2000" spc="-1" strike="noStrike">
+                <a:solidFill>
+                  <a:srgbClr val="191b0e"/>
+                </a:solidFill>
+                <a:latin typeface="Franklin Gothic Book"/>
+                <a:ea typeface="DejaVu Sans"/>
+              </a:rPr>
+              <a:t>A idéia vem com o propósito de construir algo que seria útil para os membros do grupo (ou pelo menos um deles)</a:t>
+            </a:r>
+            <a:endParaRPr b="0" lang="en-US" sz="2000" spc="-1" strike="noStrike">
+              <a:latin typeface="Arial"/>
+            </a:endParaRPr>
+          </a:p>
+          <a:p>
+            <a:pPr>
+              <a:lnSpc>
+                <a:spcPct val="94000"/>
+              </a:lnSpc>
+              <a:spcBef>
+                <a:spcPts val="1001"/>
+              </a:spcBef>
+              <a:spcAft>
+                <a:spcPts val="201"/>
+              </a:spcAft>
+            </a:pPr>
+            <a:endParaRPr b="0" lang="en-US" sz="2000" spc="-1" strike="noStrike">
+              <a:latin typeface="Arial"/>
+            </a:endParaRPr>
+          </a:p>
+        </p:txBody>
+      </p:sp>
+    </p:spTree>
+  </p:cSld>
+  <mc:AlternateContent>
+    <mc:Choice Requires="p14">
+      <p:transition spd="slow" p14:dur="2000"/>
+    </mc:Choice>
+    <mc:Fallback>
+      <p:transition spd="slow"/>
+    </mc:Fallback>
+  </mc:AlternateContent>
+  <p:timing>
+    <p:tnLst>
+      <p:par>
+        <p:cTn id="27" dur="indefinite" restart="never" nodeType="tmRoot">
+          <p:childTnLst>
+            <p:seq>
+              <p:cTn id="28" dur="indefinite" nodeType="mainSeq"/>
+              <p:prevCondLst>
+                <p:cond delay="0" evt="onPrev">
+                  <p:tgtEl>
+                    <p:sldTgt/>
+                  </p:tgtEl>
+                </p:cond>
+              </p:prevCondLst>
+              <p:nextCondLst>
+                <p:cond delay="0" evt="onNext">
+                  <p:tgtEl>
+                    <p:sldTgt/>
+                  </p:tgtEl>
+                </p:cond>
+              </p:nextCondLst>
+            </p:seq>
+          </p:childTnLst>
+        </p:cTn>
+      </p:par>
+    </p:tnLst>
+  </p:timing>
+</p:sld>
+</file>
+
+<file path=ppt/slides/slide15.xml><?xml version="1.0" encoding="utf-8"?>
+<p:sld xmlns:a="http://schemas.openxmlformats.org/drawingml/2006/main" xmlns:p="http://schemas.openxmlformats.org/presentationml/2006/main" xmlns:r="http://schemas.openxmlformats.org/officeDocument/2006/relationships" xmlns:p14="http://schemas.microsoft.com/office/powerpoint/2010/main" xmlns:p15="http://schemas.microsoft.com/office/powerpoint/2012/main" xmlns:mc="http://schemas.openxmlformats.org/markup-compatibility/2006">
+  <p:cSld>
+    <p:spTree>
+      <p:nvGrpSpPr>
+        <p:cNvPr id="1" name=""/>
+        <p:cNvGrpSpPr/>
+        <p:nvPr/>
+      </p:nvGrpSpPr>
+      <p:grpSpPr>
+        <a:xfrm>
+          <a:off x="0" y="0"/>
+          <a:ext cx="0" cy="0"/>
+          <a:chOff x="0" y="0"/>
+          <a:chExt cx="0" cy="0"/>
+        </a:xfrm>
+      </p:grpSpPr>
+      <p:sp>
+        <p:nvSpPr>
+          <p:cNvPr id="112" name="CustomShape 1"/>
+          <p:cNvSpPr/>
+          <p:nvPr/>
+        </p:nvSpPr>
+        <p:spPr>
+          <a:xfrm>
+            <a:off x="1371600" y="685800"/>
+            <a:ext cx="9600120" cy="1485000"/>
+          </a:xfrm>
+          <a:prstGeom prst="rect">
+            <a:avLst/>
+          </a:prstGeom>
+          <a:noFill/>
+          <a:ln>
+            <a:noFill/>
+          </a:ln>
+        </p:spPr>
+        <p:style>
+          <a:lnRef idx="0"/>
+          <a:fillRef idx="0"/>
+          <a:effectRef idx="0"/>
+          <a:fontRef idx="minor"/>
+        </p:style>
+        <p:txBody>
+          <a:bodyPr lIns="90000" rIns="90000" tIns="45000" bIns="45000">
+            <a:noAutofit/>
+          </a:bodyPr>
+          <a:p>
+            <a:pPr>
+              <a:lnSpc>
+                <a:spcPct val="89000"/>
+              </a:lnSpc>
+            </a:pPr>
+            <a:r>
+              <a:rPr b="0" lang="en-US" sz="4400" spc="-1" strike="noStrike">
+                <a:solidFill>
+                  <a:srgbClr val="191b0e"/>
+                </a:solidFill>
+                <a:latin typeface="Franklin Gothic Book"/>
+                <a:ea typeface="DejaVu Sans"/>
+              </a:rPr>
+              <a:t>Obrigado</a:t>
+            </a:r>
+            <a:endParaRPr b="0" lang="en-US" sz="4400" spc="-1" strike="noStrike">
+              <a:latin typeface="Arial"/>
+            </a:endParaRPr>
+          </a:p>
+        </p:txBody>
+      </p:sp>
+      <p:sp>
+        <p:nvSpPr>
+          <p:cNvPr id="113" name="CustomShape 2"/>
+          <p:cNvSpPr/>
+          <p:nvPr/>
+        </p:nvSpPr>
+        <p:spPr>
+          <a:xfrm>
+            <a:off x="1371600" y="2286000"/>
+            <a:ext cx="9600120" cy="3580200"/>
+          </a:xfrm>
+          <a:prstGeom prst="rect">
+            <a:avLst/>
+          </a:prstGeom>
+          <a:noFill/>
+          <a:ln>
+            <a:noFill/>
+          </a:ln>
+        </p:spPr>
+        <p:style>
+          <a:lnRef idx="0"/>
+          <a:fillRef idx="0"/>
+          <a:effectRef idx="0"/>
+          <a:fontRef idx="minor"/>
+        </p:style>
+        <p:txBody>
+          <a:bodyPr lIns="90000" rIns="90000" tIns="45000" bIns="45000">
+            <a:noAutofit/>
+          </a:bodyPr>
+          <a:p>
+            <a:pPr>
+              <a:lnSpc>
+                <a:spcPct val="94000"/>
+              </a:lnSpc>
+              <a:spcBef>
+                <a:spcPts val="1001"/>
+              </a:spcBef>
+              <a:spcAft>
+                <a:spcPts val="201"/>
+              </a:spcAft>
+            </a:pPr>
+            <a:endParaRPr b="0" lang="en-US" sz="1800" spc="-1" strike="noStrike">
+              <a:latin typeface="Arial"/>
+            </a:endParaRPr>
+          </a:p>
+          <a:p>
+            <a:pPr>
+              <a:lnSpc>
+                <a:spcPct val="94000"/>
+              </a:lnSpc>
+              <a:spcBef>
+                <a:spcPts val="1001"/>
+              </a:spcBef>
+              <a:spcAft>
+                <a:spcPts val="201"/>
+              </a:spcAft>
+            </a:pPr>
+            <a:r>
+              <a:rPr b="0" lang="en-US" sz="2000" spc="-1" strike="noStrike">
+                <a:solidFill>
+                  <a:srgbClr val="191b0e"/>
+                </a:solidFill>
+                <a:latin typeface="Franklin Gothic Book"/>
+                <a:ea typeface="DejaVu Sans"/>
+              </a:rPr>
+              <a:t>	</a:t>
+            </a:r>
+            <a:r>
+              <a:rPr b="0" lang="en-US" sz="2000" spc="-1" strike="noStrike">
+                <a:solidFill>
+                  <a:srgbClr val="191b0e"/>
+                </a:solidFill>
+                <a:latin typeface="Franklin Gothic Book"/>
+                <a:ea typeface="DejaVu Sans"/>
+              </a:rPr>
+              <a:t>	</a:t>
+            </a:r>
+            <a:r>
+              <a:rPr b="0" lang="en-US" sz="2000" spc="-1" strike="noStrike">
+                <a:solidFill>
+                  <a:srgbClr val="191b0e"/>
+                </a:solidFill>
+                <a:latin typeface="Franklin Gothic Book"/>
+                <a:ea typeface="DejaVu Sans"/>
+              </a:rPr>
+              <a:t>	</a:t>
+            </a:r>
+            <a:r>
+              <a:rPr b="0" lang="en-US" sz="2000" spc="-1" strike="noStrike">
+                <a:solidFill>
+                  <a:srgbClr val="191b0e"/>
+                </a:solidFill>
+                <a:latin typeface="Franklin Gothic Book"/>
+                <a:ea typeface="DejaVu Sans"/>
+              </a:rPr>
+              <a:t>https://singlehorizon.com/si-pet/app/login</a:t>
+            </a:r>
+            <a:endParaRPr b="0" lang="en-US" sz="2000" spc="-1" strike="noStrike">
+              <a:latin typeface="Arial"/>
+            </a:endParaRPr>
+          </a:p>
+        </p:txBody>
+      </p:sp>
+      <p:pic>
+        <p:nvPicPr>
+          <p:cNvPr id="114" name="" descr=""/>
+          <p:cNvPicPr/>
+          <p:nvPr/>
+        </p:nvPicPr>
+        <p:blipFill>
+          <a:blip r:embed="rId1"/>
+          <a:stretch/>
+        </p:blipFill>
+        <p:spPr>
+          <a:xfrm>
+            <a:off x="5212080" y="3566160"/>
+            <a:ext cx="1904040" cy="1904040"/>
+          </a:xfrm>
+          <a:prstGeom prst="rect">
+            <a:avLst/>
+          </a:prstGeom>
+          <a:ln>
+            <a:noFill/>
+          </a:ln>
+        </p:spPr>
+      </p:pic>
+    </p:spTree>
+  </p:cSld>
+  <mc:AlternateContent>
+    <mc:Choice Requires="p14">
+      <p:transition spd="slow" p14:dur="2000"/>
+    </mc:Choice>
+    <mc:Fallback>
+      <p:transition spd="slow"/>
+    </mc:Fallback>
+  </mc:AlternateContent>
+  <p:timing>
+    <p:tnLst>
+      <p:par>
+        <p:cTn id="29" dur="indefinite" restart="never" nodeType="tmRoot">
+          <p:childTnLst>
+            <p:seq>
+              <p:cTn id="30" dur="indefinite" nodeType="mainSeq"/>
+              <p:prevCondLst>
+                <p:cond delay="0" evt="onPrev">
+                  <p:tgtEl>
+                    <p:sldTgt/>
+                  </p:tgtEl>
+                </p:cond>
+              </p:prevCondLst>
+              <p:nextCondLst>
+                <p:cond delay="0" evt="onNext">
+                  <p:tgtEl>
+                    <p:sldTgt/>
+                  </p:tgtEl>
+                </p:cond>
+              </p:nextCondLst>
+            </p:seq>
+          </p:childTnLst>
+        </p:cTn>
+      </p:par>
+    </p:tnLst>
+  </p:timing>
+</p:sld>
+</file>
+
 <file path=ppt/slides/slide2.xml><?xml version="1.0" encoding="utf-8"?>
 <p:sld xmlns:a="http://schemas.openxmlformats.org/drawingml/2006/main" xmlns:p="http://schemas.openxmlformats.org/presentationml/2006/main" xmlns:r="http://schemas.openxmlformats.org/officeDocument/2006/relationships" xmlns:p14="http://schemas.microsoft.com/office/powerpoint/2010/main" xmlns:p15="http://schemas.microsoft.com/office/powerpoint/2012/main" xmlns:mc="http://schemas.openxmlformats.org/markup-compatibility/2006">
   <p:cSld>
@@ -4114,14 +5213,14 @@
       </p:grpSpPr>
       <p:sp>
         <p:nvSpPr>
-          <p:cNvPr id="89" name="TextShape 1"/>
-          <p:cNvSpPr txBox="1"/>
+          <p:cNvPr id="83" name="CustomShape 1"/>
+          <p:cNvSpPr/>
           <p:nvPr/>
         </p:nvSpPr>
         <p:spPr>
           <a:xfrm>
             <a:off x="1371600" y="685800"/>
-            <a:ext cx="9600840" cy="1485720"/>
+            <a:ext cx="9600120" cy="1485000"/>
           </a:xfrm>
           <a:prstGeom prst="rect">
             <a:avLst/>
@@ -4131,8 +5230,14 @@
             <a:noFill/>
           </a:ln>
         </p:spPr>
-        <p:txBody>
-          <a:bodyPr>
+        <p:style>
+          <a:lnRef idx="0"/>
+          <a:fillRef idx="0"/>
+          <a:effectRef idx="0"/>
+          <a:fontRef idx="minor"/>
+        </p:style>
+        <p:txBody>
+          <a:bodyPr lIns="90000" rIns="90000" tIns="45000" bIns="45000">
             <a:noAutofit/>
           </a:bodyPr>
           <a:p>
@@ -4147,28 +5252,26 @@
                   <a:srgbClr val="191b0e"/>
                 </a:solidFill>
                 <a:latin typeface="Franklin Gothic Book"/>
+                <a:ea typeface="DejaVu Sans"/>
               </a:rPr>
               <a:t>Propósitos</a:t>
             </a:r>
             <a:endParaRPr b="0" lang="en-US" sz="4400" spc="-1" strike="noStrike">
-              <a:solidFill>
-                <a:srgbClr val="000000"/>
-              </a:solidFill>
-              <a:latin typeface="Franklin Gothic Book"/>
-            </a:endParaRPr>
-          </a:p>
-        </p:txBody>
-      </p:sp>
-      <p:sp>
-        <p:nvSpPr>
-          <p:cNvPr id="90" name="TextShape 2"/>
-          <p:cNvSpPr txBox="1"/>
+              <a:latin typeface="Arial"/>
+            </a:endParaRPr>
+          </a:p>
+        </p:txBody>
+      </p:sp>
+      <p:sp>
+        <p:nvSpPr>
+          <p:cNvPr id="84" name="CustomShape 2"/>
+          <p:cNvSpPr/>
           <p:nvPr/>
         </p:nvSpPr>
         <p:spPr>
           <a:xfrm>
             <a:off x="1371600" y="2286000"/>
-            <a:ext cx="9600840" cy="3580920"/>
+            <a:ext cx="9600120" cy="3580200"/>
           </a:xfrm>
           <a:prstGeom prst="rect">
             <a:avLst/>
@@ -4178,12 +5281,18 @@
             <a:noFill/>
           </a:ln>
         </p:spPr>
-        <p:txBody>
-          <a:bodyPr>
+        <p:style>
+          <a:lnRef idx="0"/>
+          <a:fillRef idx="0"/>
+          <a:effectRef idx="0"/>
+          <a:fontRef idx="minor"/>
+        </p:style>
+        <p:txBody>
+          <a:bodyPr lIns="90000" rIns="90000" tIns="45000" bIns="45000">
             <a:noAutofit/>
           </a:bodyPr>
           <a:p>
-            <a:pPr marL="384120" indent="-383760">
+            <a:pPr marL="384120" indent="-383040">
               <a:lnSpc>
                 <a:spcPct val="94000"/>
               </a:lnSpc>
@@ -4205,18 +5314,16 @@
                   <a:srgbClr val="191b0e"/>
                 </a:solidFill>
                 <a:latin typeface="Franklin Gothic Book"/>
+                <a:ea typeface="DejaVu Sans"/>
               </a:rPr>
               <a:t>Atender as necessidades do seu animal à distancia</a:t>
             </a:r>
             <a:endParaRPr b="0" lang="en-US" sz="2000" spc="-1" strike="noStrike">
-              <a:solidFill>
-                <a:srgbClr val="191b0e"/>
-              </a:solidFill>
-              <a:latin typeface="Franklin Gothic Book"/>
-            </a:endParaRPr>
-          </a:p>
-          <a:p>
-            <a:pPr marL="384120" indent="-383760">
+              <a:latin typeface="Arial"/>
+            </a:endParaRPr>
+          </a:p>
+          <a:p>
+            <a:pPr marL="384120" indent="-383040">
               <a:lnSpc>
                 <a:spcPct val="94000"/>
               </a:lnSpc>
@@ -4238,18 +5345,16 @@
                   <a:srgbClr val="191b0e"/>
                 </a:solidFill>
                 <a:latin typeface="Franklin Gothic Book"/>
+                <a:ea typeface="DejaVu Sans"/>
               </a:rPr>
               <a:t>Tornar seu ambiente mais agradável</a:t>
             </a:r>
             <a:endParaRPr b="0" lang="en-US" sz="2000" spc="-1" strike="noStrike">
-              <a:solidFill>
-                <a:srgbClr val="191b0e"/>
-              </a:solidFill>
-              <a:latin typeface="Franklin Gothic Book"/>
-            </a:endParaRPr>
-          </a:p>
-          <a:p>
-            <a:pPr marL="384120" indent="-383760">
+              <a:latin typeface="Arial"/>
+            </a:endParaRPr>
+          </a:p>
+          <a:p>
+            <a:pPr marL="384120" indent="-383040">
               <a:lnSpc>
                 <a:spcPct val="94000"/>
               </a:lnSpc>
@@ -4271,18 +5376,16 @@
                   <a:srgbClr val="191b0e"/>
                 </a:solidFill>
                 <a:latin typeface="Franklin Gothic Book"/>
+                <a:ea typeface="DejaVu Sans"/>
               </a:rPr>
               <a:t>Ajustas o local às suas necessidades</a:t>
             </a:r>
             <a:endParaRPr b="0" lang="en-US" sz="2000" spc="-1" strike="noStrike">
-              <a:solidFill>
-                <a:srgbClr val="191b0e"/>
-              </a:solidFill>
-              <a:latin typeface="Franklin Gothic Book"/>
-            </a:endParaRPr>
-          </a:p>
-          <a:p>
-            <a:pPr marL="384120" indent="-383760">
+              <a:latin typeface="Arial"/>
+            </a:endParaRPr>
+          </a:p>
+          <a:p>
+            <a:pPr marL="384120" indent="-383040">
               <a:lnSpc>
                 <a:spcPct val="94000"/>
               </a:lnSpc>
@@ -4304,18 +5407,16 @@
                   <a:srgbClr val="191b0e"/>
                 </a:solidFill>
                 <a:latin typeface="Franklin Gothic Book"/>
+                <a:ea typeface="DejaVu Sans"/>
               </a:rPr>
               <a:t>Informar o dono sobre a situação do ambiente</a:t>
             </a:r>
             <a:endParaRPr b="0" lang="en-US" sz="2000" spc="-1" strike="noStrike">
-              <a:solidFill>
-                <a:srgbClr val="191b0e"/>
-              </a:solidFill>
-              <a:latin typeface="Franklin Gothic Book"/>
-            </a:endParaRPr>
-          </a:p>
-          <a:p>
-            <a:pPr marL="384120" indent="-383760">
+              <a:latin typeface="Arial"/>
+            </a:endParaRPr>
+          </a:p>
+          <a:p>
+            <a:pPr marL="384120" indent="-383040">
               <a:lnSpc>
                 <a:spcPct val="94000"/>
               </a:lnSpc>
@@ -4337,14 +5438,12 @@
                   <a:srgbClr val="191b0e"/>
                 </a:solidFill>
                 <a:latin typeface="Franklin Gothic Book"/>
+                <a:ea typeface="DejaVu Sans"/>
               </a:rPr>
               <a:t>Postar em redes sociais, caso deseje</a:t>
             </a:r>
             <a:endParaRPr b="0" lang="en-US" sz="2000" spc="-1" strike="noStrike">
-              <a:solidFill>
-                <a:srgbClr val="191b0e"/>
-              </a:solidFill>
-              <a:latin typeface="Franklin Gothic Book"/>
+              <a:latin typeface="Arial"/>
             </a:endParaRPr>
           </a:p>
         </p:txBody>
@@ -4408,14 +5507,14 @@
       </p:grpSpPr>
       <p:sp>
         <p:nvSpPr>
-          <p:cNvPr id="91" name="TextShape 1"/>
-          <p:cNvSpPr txBox="1"/>
+          <p:cNvPr id="85" name="CustomShape 1"/>
+          <p:cNvSpPr/>
           <p:nvPr/>
         </p:nvSpPr>
         <p:spPr>
           <a:xfrm>
             <a:off x="1371600" y="685800"/>
-            <a:ext cx="9600840" cy="1485720"/>
+            <a:ext cx="9600120" cy="1485000"/>
           </a:xfrm>
           <a:prstGeom prst="rect">
             <a:avLst/>
@@ -4425,8 +5524,14 @@
             <a:noFill/>
           </a:ln>
         </p:spPr>
-        <p:txBody>
-          <a:bodyPr>
+        <p:style>
+          <a:lnRef idx="0"/>
+          <a:fillRef idx="0"/>
+          <a:effectRef idx="0"/>
+          <a:fontRef idx="minor"/>
+        </p:style>
+        <p:txBody>
+          <a:bodyPr lIns="90000" rIns="90000" tIns="45000" bIns="45000">
             <a:noAutofit/>
           </a:bodyPr>
           <a:p>
@@ -4441,28 +5546,26 @@
                   <a:srgbClr val="191b0e"/>
                 </a:solidFill>
                 <a:latin typeface="Franklin Gothic Book"/>
-              </a:rPr>
-              <a:t>Funcionalidades</a:t>
+                <a:ea typeface="DejaVu Sans"/>
+              </a:rPr>
+              <a:t>Fontes</a:t>
             </a:r>
             <a:endParaRPr b="0" lang="en-US" sz="4400" spc="-1" strike="noStrike">
-              <a:solidFill>
-                <a:srgbClr val="000000"/>
-              </a:solidFill>
-              <a:latin typeface="Franklin Gothic Book"/>
-            </a:endParaRPr>
-          </a:p>
-        </p:txBody>
-      </p:sp>
-      <p:sp>
-        <p:nvSpPr>
-          <p:cNvPr id="92" name="TextShape 2"/>
-          <p:cNvSpPr txBox="1"/>
+              <a:latin typeface="Arial"/>
+            </a:endParaRPr>
+          </a:p>
+        </p:txBody>
+      </p:sp>
+      <p:sp>
+        <p:nvSpPr>
+          <p:cNvPr id="86" name="CustomShape 2"/>
+          <p:cNvSpPr/>
           <p:nvPr/>
         </p:nvSpPr>
         <p:spPr>
           <a:xfrm>
             <a:off x="1371600" y="2286000"/>
-            <a:ext cx="9600840" cy="3580920"/>
+            <a:ext cx="9600120" cy="3580200"/>
           </a:xfrm>
           <a:prstGeom prst="rect">
             <a:avLst/>
@@ -4472,12 +5575,18 @@
             <a:noFill/>
           </a:ln>
         </p:spPr>
-        <p:txBody>
-          <a:bodyPr>
+        <p:style>
+          <a:lnRef idx="0"/>
+          <a:fillRef idx="0"/>
+          <a:effectRef idx="0"/>
+          <a:fontRef idx="minor"/>
+        </p:style>
+        <p:txBody>
+          <a:bodyPr lIns="90000" rIns="90000" tIns="45000" bIns="45000">
             <a:noAutofit/>
           </a:bodyPr>
           <a:p>
-            <a:pPr marL="384120" indent="-383760">
+            <a:pPr marL="384120" indent="-383040">
               <a:lnSpc>
                 <a:spcPct val="94000"/>
               </a:lnSpc>
@@ -4499,18 +5608,16 @@
                   <a:srgbClr val="191b0e"/>
                 </a:solidFill>
                 <a:latin typeface="Franklin Gothic Book"/>
-              </a:rPr>
-              <a:t>Controle da distribuição de alimento do animal</a:t>
+                <a:ea typeface="DejaVu Sans"/>
+              </a:rPr>
+              <a:t>NuriPet – A smart pet feeding machine</a:t>
             </a:r>
             <a:endParaRPr b="0" lang="en-US" sz="2000" spc="-1" strike="noStrike">
-              <a:solidFill>
-                <a:srgbClr val="191b0e"/>
-              </a:solidFill>
-              <a:latin typeface="Franklin Gothic Book"/>
-            </a:endParaRPr>
-          </a:p>
-          <a:p>
-            <a:pPr marL="384120" indent="-383760">
+              <a:latin typeface="Arial"/>
+            </a:endParaRPr>
+          </a:p>
+          <a:p>
+            <a:pPr marL="384120" indent="-383040">
               <a:lnSpc>
                 <a:spcPct val="94000"/>
               </a:lnSpc>
@@ -4532,18 +5639,16 @@
                   <a:srgbClr val="191b0e"/>
                 </a:solidFill>
                 <a:latin typeface="Franklin Gothic Book"/>
-              </a:rPr>
-              <a:t>Controle de ventilação do aposento</a:t>
+                <a:ea typeface="DejaVu Sans"/>
+              </a:rPr>
+              <a:t>Simulation of automatic food feeding system for pet animals</a:t>
             </a:r>
             <a:endParaRPr b="0" lang="en-US" sz="2000" spc="-1" strike="noStrike">
-              <a:solidFill>
-                <a:srgbClr val="191b0e"/>
-              </a:solidFill>
-              <a:latin typeface="Franklin Gothic Book"/>
-            </a:endParaRPr>
-          </a:p>
-          <a:p>
-            <a:pPr marL="384120" indent="-383760">
+              <a:latin typeface="Arial"/>
+            </a:endParaRPr>
+          </a:p>
+          <a:p>
+            <a:pPr marL="384120" indent="-383040">
               <a:lnSpc>
                 <a:spcPct val="94000"/>
               </a:lnSpc>
@@ -4565,18 +5670,32 @@
                   <a:srgbClr val="191b0e"/>
                 </a:solidFill>
                 <a:latin typeface="Franklin Gothic Book"/>
-              </a:rPr>
-              <a:t>Controle da iluminação do aposento</a:t>
+                <a:ea typeface="DejaVu Sans"/>
+              </a:rPr>
+              <a:t>Smart pet house</a:t>
             </a:r>
             <a:endParaRPr b="0" lang="en-US" sz="2000" spc="-1" strike="noStrike">
-              <a:solidFill>
-                <a:srgbClr val="191b0e"/>
-              </a:solidFill>
-              <a:latin typeface="Franklin Gothic Book"/>
-            </a:endParaRPr>
-          </a:p>
-          <a:p>
-            <a:pPr marL="384120" indent="-383760">
+              <a:latin typeface="Arial"/>
+            </a:endParaRPr>
+          </a:p>
+          <a:p>
+            <a:pPr>
+              <a:lnSpc>
+                <a:spcPct val="94000"/>
+              </a:lnSpc>
+              <a:spcBef>
+                <a:spcPts val="1001"/>
+              </a:spcBef>
+              <a:spcAft>
+                <a:spcPts val="201"/>
+              </a:spcAft>
+            </a:pPr>
+            <a:endParaRPr b="0" lang="en-US" sz="2000" spc="-1" strike="noStrike">
+              <a:latin typeface="Arial"/>
+            </a:endParaRPr>
+          </a:p>
+          <a:p>
+            <a:pPr marL="384120" indent="-383040">
               <a:lnSpc>
                 <a:spcPct val="94000"/>
               </a:lnSpc>
@@ -4598,18 +5717,16 @@
                   <a:srgbClr val="191b0e"/>
                 </a:solidFill>
                 <a:latin typeface="Franklin Gothic Book"/>
-              </a:rPr>
-              <a:t>Alertas de atividade (Saiu/entrou em casa)</a:t>
+                <a:ea typeface="DejaVu Sans"/>
+              </a:rPr>
+              <a:t>Publicados em SENSORS da IEEE.</a:t>
             </a:r>
             <a:endParaRPr b="0" lang="en-US" sz="2000" spc="-1" strike="noStrike">
-              <a:solidFill>
-                <a:srgbClr val="191b0e"/>
-              </a:solidFill>
-              <a:latin typeface="Franklin Gothic Book"/>
-            </a:endParaRPr>
-          </a:p>
-          <a:p>
-            <a:pPr marL="384120" indent="-383760">
+              <a:latin typeface="Arial"/>
+            </a:endParaRPr>
+          </a:p>
+          <a:p>
+            <a:pPr>
               <a:lnSpc>
                 <a:spcPct val="94000"/>
               </a:lnSpc>
@@ -4619,78 +5736,9 @@
               <a:spcAft>
                 <a:spcPts val="201"/>
               </a:spcAft>
-              <a:buClr>
-                <a:srgbClr val="191b0e"/>
-              </a:buClr>
-              <a:buFont typeface="Franklin Gothic Book"/>
-              <a:buChar char="■"/>
-            </a:pPr>
-            <a:r>
-              <a:rPr b="0" lang="en-US" sz="2000" spc="-1" strike="noStrike">
-                <a:solidFill>
-                  <a:srgbClr val="191b0e"/>
-                </a:solidFill>
-                <a:latin typeface="Franklin Gothic Book"/>
-              </a:rPr>
-              <a:t>Log de diversos dados do animal (Peso, alimentação, atividades e outros)</a:t>
-            </a:r>
+            </a:pPr>
             <a:endParaRPr b="0" lang="en-US" sz="2000" spc="-1" strike="noStrike">
-              <a:solidFill>
-                <a:srgbClr val="191b0e"/>
-              </a:solidFill>
-              <a:latin typeface="Franklin Gothic Book"/>
-            </a:endParaRPr>
-          </a:p>
-          <a:p>
-            <a:pPr marL="384120" indent="-383760">
-              <a:lnSpc>
-                <a:spcPct val="94000"/>
-              </a:lnSpc>
-              <a:spcBef>
-                <a:spcPts val="1001"/>
-              </a:spcBef>
-              <a:spcAft>
-                <a:spcPts val="201"/>
-              </a:spcAft>
-              <a:buClr>
-                <a:srgbClr val="191b0e"/>
-              </a:buClr>
-              <a:buFont typeface="Franklin Gothic Book"/>
-              <a:buChar char="■"/>
-            </a:pPr>
-            <a:r>
-              <a:rPr b="0" lang="en-US" sz="2000" spc="-1" strike="noStrike">
-                <a:solidFill>
-                  <a:srgbClr val="191b0e"/>
-                </a:solidFill>
-                <a:latin typeface="Franklin Gothic Book"/>
-              </a:rPr>
-              <a:t>Integração com redes sociais (Tweets sobre seus hábitos e atividades)</a:t>
-            </a:r>
-            <a:endParaRPr b="0" lang="en-US" sz="2000" spc="-1" strike="noStrike">
-              <a:solidFill>
-                <a:srgbClr val="191b0e"/>
-              </a:solidFill>
-              <a:latin typeface="Franklin Gothic Book"/>
-            </a:endParaRPr>
-          </a:p>
-          <a:p>
-            <a:pPr>
-              <a:lnSpc>
-                <a:spcPct val="94000"/>
-              </a:lnSpc>
-              <a:spcBef>
-                <a:spcPts val="1001"/>
-              </a:spcBef>
-              <a:spcAft>
-                <a:spcPts val="201"/>
-              </a:spcAft>
-            </a:pPr>
-            <a:endParaRPr b="0" lang="en-US" sz="2000" spc="-1" strike="noStrike">
-              <a:solidFill>
-                <a:srgbClr val="191b0e"/>
-              </a:solidFill>
-              <a:latin typeface="Franklin Gothic Book"/>
+              <a:latin typeface="Arial"/>
             </a:endParaRPr>
           </a:p>
         </p:txBody>
@@ -4754,14 +5802,14 @@
       </p:grpSpPr>
       <p:sp>
         <p:nvSpPr>
-          <p:cNvPr id="93" name="TextShape 1"/>
-          <p:cNvSpPr txBox="1"/>
+          <p:cNvPr id="87" name="CustomShape 1"/>
+          <p:cNvSpPr/>
           <p:nvPr/>
         </p:nvSpPr>
         <p:spPr>
           <a:xfrm>
             <a:off x="1371600" y="685800"/>
-            <a:ext cx="9600840" cy="1485720"/>
+            <a:ext cx="9600120" cy="1485000"/>
           </a:xfrm>
           <a:prstGeom prst="rect">
             <a:avLst/>
@@ -4771,8 +5819,14 @@
             <a:noFill/>
           </a:ln>
         </p:spPr>
-        <p:txBody>
-          <a:bodyPr>
+        <p:style>
+          <a:lnRef idx="0"/>
+          <a:fillRef idx="0"/>
+          <a:effectRef idx="0"/>
+          <a:fontRef idx="minor"/>
+        </p:style>
+        <p:txBody>
+          <a:bodyPr lIns="90000" rIns="90000" tIns="45000" bIns="45000">
             <a:noAutofit/>
           </a:bodyPr>
           <a:p>
@@ -4787,28 +5841,26 @@
                   <a:srgbClr val="191b0e"/>
                 </a:solidFill>
                 <a:latin typeface="Franklin Gothic Book"/>
-              </a:rPr>
-              <a:t>Implementação</a:t>
+                <a:ea typeface="DejaVu Sans"/>
+              </a:rPr>
+              <a:t>Personas</a:t>
             </a:r>
             <a:endParaRPr b="0" lang="en-US" sz="4400" spc="-1" strike="noStrike">
-              <a:solidFill>
-                <a:srgbClr val="000000"/>
-              </a:solidFill>
-              <a:latin typeface="Franklin Gothic Book"/>
-            </a:endParaRPr>
-          </a:p>
-        </p:txBody>
-      </p:sp>
-      <p:sp>
-        <p:nvSpPr>
-          <p:cNvPr id="94" name="TextShape 2"/>
-          <p:cNvSpPr txBox="1"/>
+              <a:latin typeface="Arial"/>
+            </a:endParaRPr>
+          </a:p>
+        </p:txBody>
+      </p:sp>
+      <p:sp>
+        <p:nvSpPr>
+          <p:cNvPr id="88" name="CustomShape 2"/>
+          <p:cNvSpPr/>
           <p:nvPr/>
         </p:nvSpPr>
         <p:spPr>
           <a:xfrm>
             <a:off x="1371600" y="2286000"/>
-            <a:ext cx="9600840" cy="3580920"/>
+            <a:ext cx="9600120" cy="3580200"/>
           </a:xfrm>
           <a:prstGeom prst="rect">
             <a:avLst/>
@@ -4818,8 +5870,14 @@
             <a:noFill/>
           </a:ln>
         </p:spPr>
-        <p:txBody>
-          <a:bodyPr>
+        <p:style>
+          <a:lnRef idx="0"/>
+          <a:fillRef idx="0"/>
+          <a:effectRef idx="0"/>
+          <a:fontRef idx="minor"/>
+        </p:style>
+        <p:txBody>
+          <a:bodyPr lIns="90000" rIns="90000" tIns="45000" bIns="45000">
             <a:noAutofit/>
           </a:bodyPr>
           <a:p>
@@ -4835,23 +5893,21 @@
               </a:spcAft>
             </a:pPr>
             <a:r>
-              <a:rPr b="0" lang="en-US" sz="2000" spc="-1" strike="noStrike">
+              <a:rPr b="0" lang="en-US" sz="1500" spc="-1" strike="noStrike">
                 <a:solidFill>
                   <a:srgbClr val="191b0e"/>
                 </a:solidFill>
                 <a:latin typeface="Franklin Gothic Book"/>
-              </a:rPr>
-              <a:t>O Sistema contará com um conjunto de sensores para monitorar o ambiente do animal</a:t>
-            </a:r>
-            <a:endParaRPr b="0" lang="en-US" sz="2000" spc="-1" strike="noStrike">
-              <a:solidFill>
-                <a:srgbClr val="191b0e"/>
-              </a:solidFill>
-              <a:latin typeface="Franklin Gothic Book"/>
-            </a:endParaRPr>
-          </a:p>
-          <a:p>
-            <a:pPr marL="384120" indent="-383760">
+                <a:ea typeface="DejaVu Sans"/>
+              </a:rPr>
+              <a:t>Dona Gertrudes Gonçalves, 69</a:t>
+            </a:r>
+            <a:endParaRPr b="0" lang="en-US" sz="1500" spc="-1" strike="noStrike">
+              <a:latin typeface="Arial"/>
+            </a:endParaRPr>
+          </a:p>
+          <a:p>
+            <a:pPr>
               <a:lnSpc>
                 <a:spcPct val="94000"/>
               </a:lnSpc>
@@ -4861,30 +5917,23 @@
               <a:spcAft>
                 <a:spcPts val="201"/>
               </a:spcAft>
-              <a:buClr>
-                <a:srgbClr val="191b0e"/>
-              </a:buClr>
-              <a:buFont typeface="Franklin Gothic Book"/>
-              <a:buChar char="■"/>
-            </a:pPr>
-            <a:r>
-              <a:rPr b="0" lang="en-US" sz="2000" spc="-1" strike="noStrike">
+            </a:pPr>
+            <a:r>
+              <a:rPr b="0" lang="en-US" sz="1500" spc="-1" strike="noStrike">
                 <a:solidFill>
                   <a:srgbClr val="191b0e"/>
                 </a:solidFill>
                 <a:latin typeface="Franklin Gothic Book"/>
-              </a:rPr>
-              <a:t>Termostato para controlar ventilação</a:t>
-            </a:r>
-            <a:endParaRPr b="0" lang="en-US" sz="2000" spc="-1" strike="noStrike">
-              <a:solidFill>
-                <a:srgbClr val="191b0e"/>
-              </a:solidFill>
-              <a:latin typeface="Franklin Gothic Book"/>
-            </a:endParaRPr>
-          </a:p>
-          <a:p>
-            <a:pPr marL="384120" indent="-383760">
+                <a:ea typeface="DejaVu Sans"/>
+              </a:rPr>
+              <a:t>Status: Primária;</a:t>
+            </a:r>
+            <a:endParaRPr b="0" lang="en-US" sz="1500" spc="-1" strike="noStrike">
+              <a:latin typeface="Arial"/>
+            </a:endParaRPr>
+          </a:p>
+          <a:p>
+            <a:pPr>
               <a:lnSpc>
                 <a:spcPct val="94000"/>
               </a:lnSpc>
@@ -4894,30 +5943,23 @@
               <a:spcAft>
                 <a:spcPts val="201"/>
               </a:spcAft>
-              <a:buClr>
-                <a:srgbClr val="191b0e"/>
-              </a:buClr>
-              <a:buFont typeface="Franklin Gothic Book"/>
-              <a:buChar char="■"/>
-            </a:pPr>
-            <a:r>
-              <a:rPr b="0" lang="en-US" sz="2000" spc="-1" strike="noStrike">
+            </a:pPr>
+            <a:r>
+              <a:rPr b="0" lang="en-US" sz="1500" spc="-1" strike="noStrike">
                 <a:solidFill>
                   <a:srgbClr val="191b0e"/>
                 </a:solidFill>
                 <a:latin typeface="Franklin Gothic Book"/>
-              </a:rPr>
-              <a:t>Balança para log de peso</a:t>
-            </a:r>
-            <a:endParaRPr b="0" lang="en-US" sz="2000" spc="-1" strike="noStrike">
-              <a:solidFill>
-                <a:srgbClr val="191b0e"/>
-              </a:solidFill>
-              <a:latin typeface="Franklin Gothic Book"/>
-            </a:endParaRPr>
-          </a:p>
-          <a:p>
-            <a:pPr marL="384120" indent="-383760">
+                <a:ea typeface="DejaVu Sans"/>
+              </a:rPr>
+              <a:t>Objetivo: ver os netos crescerem fortes e felizes;</a:t>
+            </a:r>
+            <a:endParaRPr b="0" lang="en-US" sz="1500" spc="-1" strike="noStrike">
+              <a:latin typeface="Arial"/>
+            </a:endParaRPr>
+          </a:p>
+          <a:p>
+            <a:pPr>
               <a:lnSpc>
                 <a:spcPct val="94000"/>
               </a:lnSpc>
@@ -4927,30 +5969,23 @@
               <a:spcAft>
                 <a:spcPts val="201"/>
               </a:spcAft>
-              <a:buClr>
-                <a:srgbClr val="191b0e"/>
-              </a:buClr>
-              <a:buFont typeface="Franklin Gothic Book"/>
-              <a:buChar char="■"/>
-            </a:pPr>
-            <a:r>
-              <a:rPr b="0" lang="en-US" sz="2000" spc="-1" strike="noStrike">
+            </a:pPr>
+            <a:r>
+              <a:rPr b="0" lang="en-US" sz="1500" spc="-1" strike="noStrike">
                 <a:solidFill>
                   <a:srgbClr val="191b0e"/>
                 </a:solidFill>
                 <a:latin typeface="Franklin Gothic Book"/>
-              </a:rPr>
-              <a:t>Sensor na porta de acesso externo no caso de animal com acesso a rua (log de entrada/saida + notificações)</a:t>
-            </a:r>
-            <a:endParaRPr b="0" lang="en-US" sz="2000" spc="-1" strike="noStrike">
-              <a:solidFill>
-                <a:srgbClr val="191b0e"/>
-              </a:solidFill>
-              <a:latin typeface="Franklin Gothic Book"/>
-            </a:endParaRPr>
-          </a:p>
-          <a:p>
-            <a:pPr marL="384120" indent="-383760">
+                <a:ea typeface="DejaVu Sans"/>
+              </a:rPr>
+              <a:t>Habilidades: assistente social aposentada, técnica em corte e costura;</a:t>
+            </a:r>
+            <a:endParaRPr b="0" lang="en-US" sz="1500" spc="-1" strike="noStrike">
+              <a:latin typeface="Arial"/>
+            </a:endParaRPr>
+          </a:p>
+          <a:p>
+            <a:pPr>
               <a:lnSpc>
                 <a:spcPct val="94000"/>
               </a:lnSpc>
@@ -4960,26 +5995,19 @@
               <a:spcAft>
                 <a:spcPts val="201"/>
               </a:spcAft>
-              <a:buClr>
-                <a:srgbClr val="191b0e"/>
-              </a:buClr>
-              <a:buFont typeface="Franklin Gothic Book"/>
-              <a:buChar char="■"/>
-            </a:pPr>
-            <a:r>
-              <a:rPr b="0" lang="en-US" sz="2000" spc="-1" strike="noStrike">
+            </a:pPr>
+            <a:r>
+              <a:rPr b="0" lang="en-US" sz="1500" spc="-1" strike="noStrike">
                 <a:solidFill>
                   <a:srgbClr val="191b0e"/>
                 </a:solidFill>
                 <a:latin typeface="Franklin Gothic Book"/>
-              </a:rPr>
-              <a:t>Sensor de iluminação para ajustar a luz do aposento</a:t>
-            </a:r>
-            <a:endParaRPr b="0" lang="en-US" sz="2000" spc="-1" strike="noStrike">
-              <a:solidFill>
-                <a:srgbClr val="191b0e"/>
-              </a:solidFill>
-              <a:latin typeface="Franklin Gothic Book"/>
+                <a:ea typeface="DejaVu Sans"/>
+              </a:rPr>
+              <a:t>Tarefas: realiza compartilhamento desautorizado de informações alheias durante o decorrer do dia. Espionagem industrial de elementos da vizinhança. Oferece conselhos não solicitados para pessoas desconhecidas. Executa suas tarefas ao longo do dia, deixando as noites livres para assistir as novelas;</a:t>
+            </a:r>
+            <a:endParaRPr b="0" lang="en-US" sz="1500" spc="-1" strike="noStrike">
+              <a:latin typeface="Arial"/>
             </a:endParaRPr>
           </a:p>
           <a:p>
@@ -4995,19 +6023,85 @@
               </a:spcAft>
             </a:pPr>
             <a:r>
-              <a:rPr b="0" lang="en-US" sz="2000" spc="-1" strike="noStrike">
+              <a:rPr b="0" lang="en-US" sz="1500" spc="-1" strike="noStrike">
                 <a:solidFill>
                   <a:srgbClr val="191b0e"/>
                 </a:solidFill>
                 <a:latin typeface="Franklin Gothic Book"/>
-              </a:rPr>
-              <a:t>Os dados fornecidos pelos sensores alimentaram um servidor local (raspberrypi + arduino, por exemplo) que fará o log, tomará as decições e fornecerá controle remoto e acesso aos dados para o dono, por meio de uma interface gráfica simples.</a:t>
-            </a:r>
-            <a:endParaRPr b="0" lang="en-US" sz="2000" spc="-1" strike="noStrike">
-              <a:solidFill>
-                <a:srgbClr val="191b0e"/>
-              </a:solidFill>
-              <a:latin typeface="Franklin Gothic Book"/>
+                <a:ea typeface="DejaVu Sans"/>
+              </a:rPr>
+              <a:t>Relacionamentos: gatos, netos, gatos dos vizinhos e, talvez, os vizinhos;</a:t>
+            </a:r>
+            <a:endParaRPr b="0" lang="en-US" sz="1500" spc="-1" strike="noStrike">
+              <a:latin typeface="Arial"/>
+            </a:endParaRPr>
+          </a:p>
+          <a:p>
+            <a:pPr>
+              <a:lnSpc>
+                <a:spcPct val="94000"/>
+              </a:lnSpc>
+              <a:spcBef>
+                <a:spcPts val="1001"/>
+              </a:spcBef>
+              <a:spcAft>
+                <a:spcPts val="201"/>
+              </a:spcAft>
+            </a:pPr>
+            <a:r>
+              <a:rPr b="0" lang="en-US" sz="1500" spc="-1" strike="noStrike">
+                <a:solidFill>
+                  <a:srgbClr val="191b0e"/>
+                </a:solidFill>
+                <a:latin typeface="Franklin Gothic Book"/>
+                <a:ea typeface="DejaVu Sans"/>
+              </a:rPr>
+              <a:t>Requisitos: alimentar o gato obeso e diabético (tipo 2) corretamente;</a:t>
+            </a:r>
+            <a:endParaRPr b="0" lang="en-US" sz="1500" spc="-1" strike="noStrike">
+              <a:latin typeface="Arial"/>
+            </a:endParaRPr>
+          </a:p>
+          <a:p>
+            <a:pPr>
+              <a:lnSpc>
+                <a:spcPct val="94000"/>
+              </a:lnSpc>
+              <a:spcBef>
+                <a:spcPts val="1001"/>
+              </a:spcBef>
+              <a:spcAft>
+                <a:spcPts val="201"/>
+              </a:spcAft>
+            </a:pPr>
+            <a:r>
+              <a:rPr b="0" lang="en-US" sz="1500" spc="-1" strike="noStrike">
+                <a:solidFill>
+                  <a:srgbClr val="191b0e"/>
+                </a:solidFill>
+                <a:latin typeface="Franklin Gothic Book"/>
+                <a:ea typeface="DejaVu Sans"/>
+              </a:rPr>
+              <a:t>Expectativas: configurar o app uma vez e tudo vai se resolver na vida da Dona Gertrudes.</a:t>
+            </a:r>
+            <a:endParaRPr b="0" lang="en-US" sz="1500" spc="-1" strike="noStrike">
+              <a:latin typeface="Arial"/>
+            </a:endParaRPr>
+          </a:p>
+          <a:p>
+            <a:pPr>
+              <a:lnSpc>
+                <a:spcPct val="94000"/>
+              </a:lnSpc>
+              <a:spcBef>
+                <a:spcPts val="1001"/>
+              </a:spcBef>
+              <a:spcAft>
+                <a:spcPts val="201"/>
+              </a:spcAft>
+            </a:pPr>
+            <a:endParaRPr b="0" lang="en-US" sz="1500" spc="-1" strike="noStrike">
+              <a:latin typeface="Arial"/>
             </a:endParaRPr>
           </a:p>
         </p:txBody>
@@ -5071,14 +6165,14 @@
       </p:grpSpPr>
       <p:sp>
         <p:nvSpPr>
-          <p:cNvPr id="95" name="TextShape 1"/>
-          <p:cNvSpPr txBox="1"/>
+          <p:cNvPr id="89" name="CustomShape 1"/>
+          <p:cNvSpPr/>
           <p:nvPr/>
         </p:nvSpPr>
         <p:spPr>
           <a:xfrm>
             <a:off x="1371600" y="685800"/>
-            <a:ext cx="9600840" cy="1485720"/>
+            <a:ext cx="9600120" cy="1485000"/>
           </a:xfrm>
           <a:prstGeom prst="rect">
             <a:avLst/>
@@ -5088,8 +6182,14 @@
             <a:noFill/>
           </a:ln>
         </p:spPr>
-        <p:txBody>
-          <a:bodyPr>
+        <p:style>
+          <a:lnRef idx="0"/>
+          <a:fillRef idx="0"/>
+          <a:effectRef idx="0"/>
+          <a:fontRef idx="minor"/>
+        </p:style>
+        <p:txBody>
+          <a:bodyPr lIns="90000" rIns="90000" tIns="45000" bIns="45000">
             <a:noAutofit/>
           </a:bodyPr>
           <a:p>
@@ -5104,28 +6204,26 @@
                   <a:srgbClr val="191b0e"/>
                 </a:solidFill>
                 <a:latin typeface="Franklin Gothic Book"/>
-              </a:rPr>
-              <a:t>Sistema</a:t>
+                <a:ea typeface="DejaVu Sans"/>
+              </a:rPr>
+              <a:t>Personas</a:t>
             </a:r>
             <a:endParaRPr b="0" lang="en-US" sz="4400" spc="-1" strike="noStrike">
-              <a:solidFill>
-                <a:srgbClr val="000000"/>
-              </a:solidFill>
-              <a:latin typeface="Franklin Gothic Book"/>
-            </a:endParaRPr>
-          </a:p>
-        </p:txBody>
-      </p:sp>
-      <p:sp>
-        <p:nvSpPr>
-          <p:cNvPr id="96" name="TextShape 2"/>
-          <p:cNvSpPr txBox="1"/>
+              <a:latin typeface="Arial"/>
+            </a:endParaRPr>
+          </a:p>
+        </p:txBody>
+      </p:sp>
+      <p:sp>
+        <p:nvSpPr>
+          <p:cNvPr id="90" name="CustomShape 2"/>
+          <p:cNvSpPr/>
           <p:nvPr/>
         </p:nvSpPr>
         <p:spPr>
           <a:xfrm>
             <a:off x="1371600" y="2286000"/>
-            <a:ext cx="9600840" cy="3580920"/>
+            <a:ext cx="9600120" cy="3580200"/>
           </a:xfrm>
           <a:prstGeom prst="rect">
             <a:avLst/>
@@ -5135,12 +6233,18 @@
             <a:noFill/>
           </a:ln>
         </p:spPr>
-        <p:txBody>
-          <a:bodyPr>
+        <p:style>
+          <a:lnRef idx="0"/>
+          <a:fillRef idx="0"/>
+          <a:effectRef idx="0"/>
+          <a:fontRef idx="minor"/>
+        </p:style>
+        <p:txBody>
+          <a:bodyPr lIns="90000" rIns="90000" tIns="45000" bIns="45000">
             <a:noAutofit/>
           </a:bodyPr>
           <a:p>
-            <a:pPr marL="384120" indent="-383760">
+            <a:pPr>
               <a:lnSpc>
                 <a:spcPct val="94000"/>
               </a:lnSpc>
@@ -5150,30 +6254,23 @@
               <a:spcAft>
                 <a:spcPts val="201"/>
               </a:spcAft>
-              <a:buClr>
-                <a:srgbClr val="191b0e"/>
-              </a:buClr>
-              <a:buFont typeface="Franklin Gothic Book"/>
-              <a:buChar char="■"/>
-            </a:pPr>
-            <a:r>
-              <a:rPr b="0" lang="en-US" sz="2000" spc="-1" strike="noStrike">
+            </a:pPr>
+            <a:r>
+              <a:rPr b="0" lang="en-US" sz="1500" spc="-1" strike="noStrike">
                 <a:solidFill>
                   <a:srgbClr val="191b0e"/>
                 </a:solidFill>
                 <a:latin typeface="Franklin Gothic Book"/>
-              </a:rPr>
-              <a:t>O controle e acesso aos dados serão feitos por meio de uma aplicação PWA</a:t>
-            </a:r>
-            <a:endParaRPr b="0" lang="en-US" sz="2000" spc="-1" strike="noStrike">
-              <a:solidFill>
-                <a:srgbClr val="191b0e"/>
-              </a:solidFill>
-              <a:latin typeface="Franklin Gothic Book"/>
-            </a:endParaRPr>
-          </a:p>
-          <a:p>
-            <a:pPr marL="384120" indent="-383760">
+                <a:ea typeface="DejaVu Sans"/>
+              </a:rPr>
+              <a:t>Me. Jonas Johnson, 26</a:t>
+            </a:r>
+            <a:endParaRPr b="0" lang="en-US" sz="1500" spc="-1" strike="noStrike">
+              <a:latin typeface="Arial"/>
+            </a:endParaRPr>
+          </a:p>
+          <a:p>
+            <a:pPr>
               <a:lnSpc>
                 <a:spcPct val="94000"/>
               </a:lnSpc>
@@ -5183,30 +6280,23 @@
               <a:spcAft>
                 <a:spcPts val="201"/>
               </a:spcAft>
-              <a:buClr>
-                <a:srgbClr val="191b0e"/>
-              </a:buClr>
-              <a:buFont typeface="Franklin Gothic Book"/>
-              <a:buChar char="■"/>
-            </a:pPr>
-            <a:r>
-              <a:rPr b="0" lang="en-US" sz="2000" spc="-1" strike="noStrike">
+            </a:pPr>
+            <a:r>
+              <a:rPr b="0" lang="en-US" sz="1500" spc="-1" strike="noStrike">
                 <a:solidFill>
                   <a:srgbClr val="191b0e"/>
                 </a:solidFill>
                 <a:latin typeface="Franklin Gothic Book"/>
-              </a:rPr>
-              <a:t>Por ser uma PWA, o usuário pode adicionar a aplicação ao seu dispositivo móvel</a:t>
-            </a:r>
-            <a:endParaRPr b="0" lang="en-US" sz="2000" spc="-1" strike="noStrike">
-              <a:solidFill>
-                <a:srgbClr val="191b0e"/>
-              </a:solidFill>
-              <a:latin typeface="Franklin Gothic Book"/>
-            </a:endParaRPr>
-          </a:p>
-          <a:p>
-            <a:pPr marL="384120" indent="-383760">
+                <a:ea typeface="DejaVu Sans"/>
+              </a:rPr>
+              <a:t>Status: Primária;</a:t>
+            </a:r>
+            <a:endParaRPr b="0" lang="en-US" sz="1500" spc="-1" strike="noStrike">
+              <a:latin typeface="Arial"/>
+            </a:endParaRPr>
+          </a:p>
+          <a:p>
+            <a:pPr>
               <a:lnSpc>
                 <a:spcPct val="94000"/>
               </a:lnSpc>
@@ -5216,26 +6306,245 @@
               <a:spcAft>
                 <a:spcPts val="201"/>
               </a:spcAft>
-              <a:buClr>
-                <a:srgbClr val="191b0e"/>
-              </a:buClr>
-              <a:buFont typeface="Franklin Gothic Book"/>
-              <a:buChar char="■"/>
-            </a:pPr>
-            <a:r>
-              <a:rPr b="0" lang="en-US" sz="2000" spc="-1" strike="noStrike">
+            </a:pPr>
+            <a:r>
+              <a:rPr b="0" lang="en-US" sz="1500" spc="-1" strike="noStrike">
                 <a:solidFill>
                   <a:srgbClr val="191b0e"/>
                 </a:solidFill>
                 <a:latin typeface="Franklin Gothic Book"/>
-              </a:rPr>
-              <a:t>A aplicação será construída em node.js para tirar proveito da infraestrutura do google firebase (hosting, functions e database)</a:t>
-            </a:r>
-            <a:endParaRPr b="0" lang="en-US" sz="2000" spc="-1" strike="noStrike">
-              <a:solidFill>
-                <a:srgbClr val="191b0e"/>
-              </a:solidFill>
-              <a:latin typeface="Franklin Gothic Book"/>
+                <a:ea typeface="DejaVu Sans"/>
+              </a:rPr>
+              <a:t>Objetivo: otimizar o uso de seu tempo livre;</a:t>
+            </a:r>
+            <a:endParaRPr b="0" lang="en-US" sz="1500" spc="-1" strike="noStrike">
+              <a:latin typeface="Arial"/>
+            </a:endParaRPr>
+          </a:p>
+          <a:p>
+            <a:pPr>
+              <a:lnSpc>
+                <a:spcPct val="94000"/>
+              </a:lnSpc>
+              <a:spcBef>
+                <a:spcPts val="1001"/>
+              </a:spcBef>
+              <a:spcAft>
+                <a:spcPts val="201"/>
+              </a:spcAft>
+            </a:pPr>
+            <a:r>
+              <a:rPr b="0" lang="en-US" sz="1500" spc="-1" strike="noStrike">
+                <a:solidFill>
+                  <a:srgbClr val="191b0e"/>
+                </a:solidFill>
+                <a:latin typeface="Franklin Gothic Book"/>
+                <a:ea typeface="DejaVu Sans"/>
+              </a:rPr>
+              <a:t>Habilidades: freelancer secutiry bounty hunter, formado no MIT;</a:t>
+            </a:r>
+            <a:endParaRPr b="0" lang="en-US" sz="1500" spc="-1" strike="noStrike">
+              <a:latin typeface="Arial"/>
+            </a:endParaRPr>
+          </a:p>
+          <a:p>
+            <a:pPr>
+              <a:lnSpc>
+                <a:spcPct val="94000"/>
+              </a:lnSpc>
+              <a:spcBef>
+                <a:spcPts val="1001"/>
+              </a:spcBef>
+              <a:spcAft>
+                <a:spcPts val="201"/>
+              </a:spcAft>
+            </a:pPr>
+            <a:r>
+              <a:rPr b="0" lang="en-US" sz="1500" spc="-1" strike="noStrike">
+                <a:solidFill>
+                  <a:srgbClr val="191b0e"/>
+                </a:solidFill>
+                <a:latin typeface="Franklin Gothic Book"/>
+                <a:ea typeface="DejaVu Sans"/>
+              </a:rPr>
+              <a:t>Tarefas: procura vulnerabilidades em sistemas durante a noite, por ser seu ganha pão, considera seu trabalho importante, mas gostaria de trabalhar como criador de lhamas full stack;</a:t>
+            </a:r>
+            <a:endParaRPr b="0" lang="en-US" sz="1500" spc="-1" strike="noStrike">
+              <a:latin typeface="Arial"/>
+            </a:endParaRPr>
+          </a:p>
+          <a:p>
+            <a:pPr>
+              <a:lnSpc>
+                <a:spcPct val="94000"/>
+              </a:lnSpc>
+              <a:spcBef>
+                <a:spcPts val="1001"/>
+              </a:spcBef>
+              <a:spcAft>
+                <a:spcPts val="201"/>
+              </a:spcAft>
+            </a:pPr>
+            <a:r>
+              <a:rPr b="0" lang="en-US" sz="1500" spc="-1" strike="noStrike">
+                <a:solidFill>
+                  <a:srgbClr val="191b0e"/>
+                </a:solidFill>
+                <a:latin typeface="Franklin Gothic Book"/>
+                <a:ea typeface="DejaVu Sans"/>
+              </a:rPr>
+              <a:t>Relacionamentos: relaciona-se com as waifus dos dating sims que ele joga e com seus amigos onlines de WOW;</a:t>
+            </a:r>
+            <a:endParaRPr b="0" lang="en-US" sz="1500" spc="-1" strike="noStrike">
+              <a:latin typeface="Arial"/>
+            </a:endParaRPr>
+          </a:p>
+          <a:p>
+            <a:pPr>
+              <a:lnSpc>
+                <a:spcPct val="94000"/>
+              </a:lnSpc>
+              <a:spcBef>
+                <a:spcPts val="1001"/>
+              </a:spcBef>
+              <a:spcAft>
+                <a:spcPts val="201"/>
+              </a:spcAft>
+            </a:pPr>
+            <a:r>
+              <a:rPr b="0" lang="en-US" sz="1500" spc="-1" strike="noStrike">
+                <a:solidFill>
+                  <a:srgbClr val="191b0e"/>
+                </a:solidFill>
+                <a:latin typeface="Franklin Gothic Book"/>
+                <a:ea typeface="DejaVu Sans"/>
+              </a:rPr>
+              <a:t>Requisitos: precisa otimizar o uso de seu tempo diário automatizando a alimentação de seus bichanos e uma full stack waifu (de verdade);</a:t>
+            </a:r>
+            <a:endParaRPr b="0" lang="en-US" sz="1500" spc="-1" strike="noStrike">
+              <a:latin typeface="Arial"/>
+            </a:endParaRPr>
+          </a:p>
+          <a:p>
+            <a:pPr>
+              <a:lnSpc>
+                <a:spcPct val="94000"/>
+              </a:lnSpc>
+              <a:spcBef>
+                <a:spcPts val="1001"/>
+              </a:spcBef>
+              <a:spcAft>
+                <a:spcPts val="201"/>
+              </a:spcAft>
+            </a:pPr>
+            <a:r>
+              <a:rPr b="0" lang="en-US" sz="1500" spc="-1" strike="noStrike">
+                <a:solidFill>
+                  <a:srgbClr val="191b0e"/>
+                </a:solidFill>
+                <a:latin typeface="Franklin Gothic Book"/>
+                <a:ea typeface="DejaVu Sans"/>
+              </a:rPr>
+              <a:t>Expectativas: Espera um produto funcional, que alimente seu gato nas horas certas e que não tenha muitos bugs, mas certamente algumas vulnerabilidades para ele poder mostrar para os devs e ganhar um trocado.</a:t>
+            </a:r>
+            <a:endParaRPr b="0" lang="en-US" sz="1500" spc="-1" strike="noStrike">
+              <a:latin typeface="Arial"/>
+            </a:endParaRPr>
+          </a:p>
+          <a:p>
+            <a:pPr>
+              <a:lnSpc>
+                <a:spcPct val="94000"/>
+              </a:lnSpc>
+              <a:spcBef>
+                <a:spcPts val="1001"/>
+              </a:spcBef>
+              <a:spcAft>
+                <a:spcPts val="201"/>
+              </a:spcAft>
+            </a:pPr>
+            <a:endParaRPr b="0" lang="en-US" sz="1500" spc="-1" strike="noStrike">
+              <a:latin typeface="Arial"/>
+            </a:endParaRPr>
+          </a:p>
+          <a:p>
+            <a:pPr>
+              <a:lnSpc>
+                <a:spcPct val="94000"/>
+              </a:lnSpc>
+              <a:spcBef>
+                <a:spcPts val="1001"/>
+              </a:spcBef>
+              <a:spcAft>
+                <a:spcPts val="201"/>
+              </a:spcAft>
+            </a:pPr>
+            <a:endParaRPr b="0" lang="en-US" sz="1500" spc="-1" strike="noStrike">
+              <a:latin typeface="Arial"/>
+            </a:endParaRPr>
+          </a:p>
+          <a:p>
+            <a:pPr>
+              <a:lnSpc>
+                <a:spcPct val="94000"/>
+              </a:lnSpc>
+              <a:spcBef>
+                <a:spcPts val="1001"/>
+              </a:spcBef>
+              <a:spcAft>
+                <a:spcPts val="201"/>
+              </a:spcAft>
+            </a:pPr>
+            <a:endParaRPr b="0" lang="en-US" sz="1500" spc="-1" strike="noStrike">
+              <a:latin typeface="Arial"/>
+            </a:endParaRPr>
+          </a:p>
+          <a:p>
+            <a:pPr>
+              <a:lnSpc>
+                <a:spcPct val="94000"/>
+              </a:lnSpc>
+              <a:spcBef>
+                <a:spcPts val="1001"/>
+              </a:spcBef>
+              <a:spcAft>
+                <a:spcPts val="201"/>
+              </a:spcAft>
+            </a:pPr>
+            <a:endParaRPr b="0" lang="en-US" sz="1500" spc="-1" strike="noStrike">
+              <a:latin typeface="Arial"/>
+            </a:endParaRPr>
+          </a:p>
+          <a:p>
+            <a:pPr>
+              <a:lnSpc>
+                <a:spcPct val="94000"/>
+              </a:lnSpc>
+              <a:spcBef>
+                <a:spcPts val="1001"/>
+              </a:spcBef>
+              <a:spcAft>
+                <a:spcPts val="201"/>
+              </a:spcAft>
+            </a:pPr>
+            <a:endParaRPr b="0" lang="en-US" sz="1500" spc="-1" strike="noStrike">
+              <a:latin typeface="Arial"/>
+            </a:endParaRPr>
+          </a:p>
+          <a:p>
+            <a:pPr>
+              <a:lnSpc>
+                <a:spcPct val="94000"/>
+              </a:lnSpc>
+              <a:spcBef>
+                <a:spcPts val="1001"/>
+              </a:spcBef>
+              <a:spcAft>
+                <a:spcPts val="201"/>
+              </a:spcAft>
+            </a:pPr>
+            <a:endParaRPr b="0" lang="en-US" sz="1500" spc="-1" strike="noStrike">
+              <a:latin typeface="Arial"/>
             </a:endParaRPr>
           </a:p>
         </p:txBody>
@@ -5299,14 +6608,14 @@
       </p:grpSpPr>
       <p:sp>
         <p:nvSpPr>
-          <p:cNvPr id="97" name="TextShape 1"/>
-          <p:cNvSpPr txBox="1"/>
+          <p:cNvPr id="91" name="CustomShape 1"/>
+          <p:cNvSpPr/>
           <p:nvPr/>
         </p:nvSpPr>
         <p:spPr>
           <a:xfrm>
             <a:off x="1371600" y="685800"/>
-            <a:ext cx="9600840" cy="1485720"/>
+            <a:ext cx="9600120" cy="1485000"/>
           </a:xfrm>
           <a:prstGeom prst="rect">
             <a:avLst/>
@@ -5316,8 +6625,14 @@
             <a:noFill/>
           </a:ln>
         </p:spPr>
-        <p:txBody>
-          <a:bodyPr>
+        <p:style>
+          <a:lnRef idx="0"/>
+          <a:fillRef idx="0"/>
+          <a:effectRef idx="0"/>
+          <a:fontRef idx="minor"/>
+        </p:style>
+        <p:txBody>
+          <a:bodyPr lIns="90000" rIns="90000" tIns="45000" bIns="45000">
             <a:noAutofit/>
           </a:bodyPr>
           <a:p>
@@ -5332,28 +6647,26 @@
                   <a:srgbClr val="191b0e"/>
                 </a:solidFill>
                 <a:latin typeface="Franklin Gothic Book"/>
-              </a:rPr>
-              <a:t>Consideraçoes finais</a:t>
+                <a:ea typeface="DejaVu Sans"/>
+              </a:rPr>
+              <a:t>Público</a:t>
             </a:r>
             <a:endParaRPr b="0" lang="en-US" sz="4400" spc="-1" strike="noStrike">
-              <a:solidFill>
-                <a:srgbClr val="000000"/>
-              </a:solidFill>
-              <a:latin typeface="Franklin Gothic Book"/>
-            </a:endParaRPr>
-          </a:p>
-        </p:txBody>
-      </p:sp>
-      <p:sp>
-        <p:nvSpPr>
-          <p:cNvPr id="98" name="TextShape 2"/>
-          <p:cNvSpPr txBox="1"/>
+              <a:latin typeface="Arial"/>
+            </a:endParaRPr>
+          </a:p>
+        </p:txBody>
+      </p:sp>
+      <p:sp>
+        <p:nvSpPr>
+          <p:cNvPr id="92" name="CustomShape 2"/>
+          <p:cNvSpPr/>
           <p:nvPr/>
         </p:nvSpPr>
         <p:spPr>
           <a:xfrm>
             <a:off x="1371600" y="2286000"/>
-            <a:ext cx="9600840" cy="3580920"/>
+            <a:ext cx="9600120" cy="3580200"/>
           </a:xfrm>
           <a:prstGeom prst="rect">
             <a:avLst/>
@@ -5363,12 +6676,18 @@
             <a:noFill/>
           </a:ln>
         </p:spPr>
-        <p:txBody>
-          <a:bodyPr>
+        <p:style>
+          <a:lnRef idx="0"/>
+          <a:fillRef idx="0"/>
+          <a:effectRef idx="0"/>
+          <a:fontRef idx="minor"/>
+        </p:style>
+        <p:txBody>
+          <a:bodyPr lIns="90000" rIns="90000" tIns="45000" bIns="45000">
             <a:noAutofit/>
           </a:bodyPr>
           <a:p>
-            <a:pPr marL="384120" indent="-383760">
+            <a:pPr>
               <a:lnSpc>
                 <a:spcPct val="94000"/>
               </a:lnSpc>
@@ -5378,30 +6697,13 @@
               <a:spcAft>
                 <a:spcPts val="201"/>
               </a:spcAft>
-              <a:buClr>
-                <a:srgbClr val="191b0e"/>
-              </a:buClr>
-              <a:buFont typeface="Franklin Gothic Book"/>
-              <a:buChar char="■"/>
-            </a:pPr>
-            <a:r>
-              <a:rPr b="0" lang="en-US" sz="2000" spc="-1" strike="noStrike">
-                <a:solidFill>
-                  <a:srgbClr val="191b0e"/>
-                </a:solidFill>
-                <a:latin typeface="Franklin Gothic Book"/>
-              </a:rPr>
-              <a:t>O sistema possui o objetivo de ser simples, com facilidade de alterar o seu escopo com poucos ajustes (adição / remoção de sensores e módulos), de forma que possa se ajustar à necessidades específicas</a:t>
-            </a:r>
-            <a:endParaRPr b="0" lang="en-US" sz="2000" spc="-1" strike="noStrike">
-              <a:solidFill>
-                <a:srgbClr val="191b0e"/>
-              </a:solidFill>
-              <a:latin typeface="Franklin Gothic Book"/>
-            </a:endParaRPr>
-          </a:p>
-          <a:p>
-            <a:pPr marL="384120" indent="-383760">
+            </a:pPr>
+            <a:endParaRPr b="0" lang="en-US" sz="1800" spc="-1" strike="noStrike">
+              <a:latin typeface="Arial"/>
+            </a:endParaRPr>
+          </a:p>
+          <a:p>
+            <a:pPr>
               <a:lnSpc>
                 <a:spcPct val="94000"/>
               </a:lnSpc>
@@ -5411,30 +6713,13 @@
               <a:spcAft>
                 <a:spcPts val="201"/>
               </a:spcAft>
-              <a:buClr>
-                <a:srgbClr val="191b0e"/>
-              </a:buClr>
-              <a:buFont typeface="Franklin Gothic Book"/>
-              <a:buChar char="■"/>
-            </a:pPr>
-            <a:r>
-              <a:rPr b="0" lang="en-US" sz="2000" spc="-1" strike="noStrike">
-                <a:solidFill>
-                  <a:srgbClr val="191b0e"/>
-                </a:solidFill>
-                <a:latin typeface="Franklin Gothic Book"/>
-              </a:rPr>
-              <a:t>As implementações do sistema e da estrutura é facilmente escalável para atender diversos tipos de animais.</a:t>
-            </a:r>
-            <a:endParaRPr b="0" lang="en-US" sz="2000" spc="-1" strike="noStrike">
-              <a:solidFill>
-                <a:srgbClr val="191b0e"/>
-              </a:solidFill>
-              <a:latin typeface="Franklin Gothic Book"/>
-            </a:endParaRPr>
-          </a:p>
-          <a:p>
-            <a:pPr marL="384120" indent="-383760">
+            </a:pPr>
+            <a:endParaRPr b="0" lang="en-US" sz="1800" spc="-1" strike="noStrike">
+              <a:latin typeface="Arial"/>
+            </a:endParaRPr>
+          </a:p>
+          <a:p>
+            <a:pPr>
               <a:lnSpc>
                 <a:spcPct val="94000"/>
               </a:lnSpc>
@@ -5444,26 +6729,9 @@
               <a:spcAft>
                 <a:spcPts val="201"/>
               </a:spcAft>
-              <a:buClr>
-                <a:srgbClr val="191b0e"/>
-              </a:buClr>
-              <a:buFont typeface="Franklin Gothic Book"/>
-              <a:buChar char="■"/>
-            </a:pPr>
-            <a:r>
-              <a:rPr b="0" lang="en-US" sz="2000" spc="-1" strike="noStrike">
-                <a:solidFill>
-                  <a:srgbClr val="191b0e"/>
-                </a:solidFill>
-                <a:latin typeface="Franklin Gothic Book"/>
-              </a:rPr>
-              <a:t>A idéia vem com o propósito de construir algo que seria útil para os membros do grupo (ou pelo menos um deles)</a:t>
-            </a:r>
-            <a:endParaRPr b="0" lang="en-US" sz="2000" spc="-1" strike="noStrike">
-              <a:solidFill>
-                <a:srgbClr val="191b0e"/>
-              </a:solidFill>
-              <a:latin typeface="Franklin Gothic Book"/>
+            </a:pPr>
+            <a:endParaRPr b="0" lang="en-US" sz="1800" spc="-1" strike="noStrike">
+              <a:latin typeface="Arial"/>
             </a:endParaRPr>
           </a:p>
           <a:p>
@@ -5478,15 +6746,90 @@
                 <a:spcPts val="201"/>
               </a:spcAft>
             </a:pPr>
-            <a:endParaRPr b="0" lang="en-US" sz="2000" spc="-1" strike="noStrike">
-              <a:solidFill>
-                <a:srgbClr val="191b0e"/>
-              </a:solidFill>
-              <a:latin typeface="Franklin Gothic Book"/>
-            </a:endParaRPr>
-          </a:p>
-        </p:txBody>
-      </p:sp>
+            <a:endParaRPr b="0" lang="en-US" sz="1800" spc="-1" strike="noStrike">
+              <a:latin typeface="Arial"/>
+            </a:endParaRPr>
+          </a:p>
+          <a:p>
+            <a:pPr>
+              <a:lnSpc>
+                <a:spcPct val="94000"/>
+              </a:lnSpc>
+              <a:spcBef>
+                <a:spcPts val="1001"/>
+              </a:spcBef>
+              <a:spcAft>
+                <a:spcPts val="201"/>
+              </a:spcAft>
+            </a:pPr>
+            <a:endParaRPr b="0" lang="en-US" sz="1800" spc="-1" strike="noStrike">
+              <a:latin typeface="Arial"/>
+            </a:endParaRPr>
+          </a:p>
+          <a:p>
+            <a:pPr>
+              <a:lnSpc>
+                <a:spcPct val="94000"/>
+              </a:lnSpc>
+              <a:spcBef>
+                <a:spcPts val="1001"/>
+              </a:spcBef>
+              <a:spcAft>
+                <a:spcPts val="201"/>
+              </a:spcAft>
+            </a:pPr>
+            <a:endParaRPr b="0" lang="en-US" sz="1800" spc="-1" strike="noStrike">
+              <a:latin typeface="Arial"/>
+            </a:endParaRPr>
+          </a:p>
+        </p:txBody>
+      </p:sp>
+      <p:pic>
+        <p:nvPicPr>
+          <p:cNvPr id="93" name="" descr=""/>
+          <p:cNvPicPr/>
+          <p:nvPr/>
+        </p:nvPicPr>
+        <p:blipFill>
+          <a:blip r:embed="rId1"/>
+          <a:stretch/>
+        </p:blipFill>
+        <p:spPr>
+          <a:xfrm>
+            <a:off x="1097280" y="1554480"/>
+            <a:ext cx="5394600" cy="3596040"/>
+          </a:xfrm>
+          <a:prstGeom prst="rect">
+            <a:avLst/>
+          </a:prstGeom>
+          <a:ln>
+            <a:noFill/>
+          </a:ln>
+        </p:spPr>
+      </p:pic>
+      <p:pic>
+        <p:nvPicPr>
+          <p:cNvPr id="94" name="" descr=""/>
+          <p:cNvPicPr/>
+          <p:nvPr/>
+        </p:nvPicPr>
+        <p:blipFill>
+          <a:blip r:embed="rId2"/>
+          <a:stretch/>
+        </p:blipFill>
+        <p:spPr>
+          <a:xfrm>
+            <a:off x="6446520" y="1554480"/>
+            <a:ext cx="5348880" cy="3565440"/>
+          </a:xfrm>
+          <a:prstGeom prst="rect">
+            <a:avLst/>
+          </a:prstGeom>
+          <a:ln>
+            <a:noFill/>
+          </a:ln>
+        </p:spPr>
+      </p:pic>
     </p:spTree>
   </p:cSld>
   <mc:AlternateContent>
@@ -5546,14 +6889,14 @@
       </p:grpSpPr>
       <p:sp>
         <p:nvSpPr>
-          <p:cNvPr id="99" name="TextShape 1"/>
-          <p:cNvSpPr txBox="1"/>
+          <p:cNvPr id="95" name="CustomShape 1"/>
+          <p:cNvSpPr/>
           <p:nvPr/>
         </p:nvSpPr>
         <p:spPr>
           <a:xfrm>
             <a:off x="1371600" y="685800"/>
-            <a:ext cx="9600840" cy="1485720"/>
+            <a:ext cx="9600120" cy="1485000"/>
           </a:xfrm>
           <a:prstGeom prst="rect">
             <a:avLst/>
@@ -5563,8 +6906,14 @@
             <a:noFill/>
           </a:ln>
         </p:spPr>
-        <p:txBody>
-          <a:bodyPr>
+        <p:style>
+          <a:lnRef idx="0"/>
+          <a:fillRef idx="0"/>
+          <a:effectRef idx="0"/>
+          <a:fontRef idx="minor"/>
+        </p:style>
+        <p:txBody>
+          <a:bodyPr lIns="90000" rIns="90000" tIns="45000" bIns="45000">
             <a:noAutofit/>
           </a:bodyPr>
           <a:p>
@@ -5579,28 +6928,26 @@
                   <a:srgbClr val="191b0e"/>
                 </a:solidFill>
                 <a:latin typeface="Franklin Gothic Book"/>
-              </a:rPr>
-              <a:t>Obrigado</a:t>
+                <a:ea typeface="DejaVu Sans"/>
+              </a:rPr>
+              <a:t>Histórias de Usuário</a:t>
             </a:r>
             <a:endParaRPr b="0" lang="en-US" sz="4400" spc="-1" strike="noStrike">
-              <a:solidFill>
-                <a:srgbClr val="000000"/>
-              </a:solidFill>
-              <a:latin typeface="Franklin Gothic Book"/>
-            </a:endParaRPr>
-          </a:p>
-        </p:txBody>
-      </p:sp>
-      <p:sp>
-        <p:nvSpPr>
-          <p:cNvPr id="100" name="TextShape 2"/>
-          <p:cNvSpPr txBox="1"/>
+              <a:latin typeface="Arial"/>
+            </a:endParaRPr>
+          </a:p>
+        </p:txBody>
+      </p:sp>
+      <p:sp>
+        <p:nvSpPr>
+          <p:cNvPr id="96" name="CustomShape 2"/>
+          <p:cNvSpPr/>
           <p:nvPr/>
         </p:nvSpPr>
         <p:spPr>
           <a:xfrm>
             <a:off x="1371600" y="2286000"/>
-            <a:ext cx="9600840" cy="3580920"/>
+            <a:ext cx="9600120" cy="3580200"/>
           </a:xfrm>
           <a:prstGeom prst="rect">
             <a:avLst/>
@@ -5610,12 +6957,18 @@
             <a:noFill/>
           </a:ln>
         </p:spPr>
-        <p:txBody>
-          <a:bodyPr>
+        <p:style>
+          <a:lnRef idx="0"/>
+          <a:fillRef idx="0"/>
+          <a:effectRef idx="0"/>
+          <a:fontRef idx="minor"/>
+        </p:style>
+        <p:txBody>
+          <a:bodyPr lIns="90000" rIns="90000" tIns="45000" bIns="45000">
             <a:noAutofit/>
           </a:bodyPr>
           <a:p>
-            <a:pPr>
+            <a:pPr marL="384120" indent="-383040">
               <a:lnSpc>
                 <a:spcPct val="94000"/>
               </a:lnSpc>
@@ -5625,25 +6978,11 @@
               <a:spcAft>
                 <a:spcPts val="201"/>
               </a:spcAft>
-            </a:pPr>
-            <a:endParaRPr b="0" lang="en-US" sz="2000" spc="-1" strike="noStrike">
-              <a:solidFill>
+              <a:buClr>
                 <a:srgbClr val="191b0e"/>
-              </a:solidFill>
-              <a:latin typeface="Franklin Gothic Book"/>
-            </a:endParaRPr>
-          </a:p>
-          <a:p>
-            <a:pPr>
-              <a:lnSpc>
-                <a:spcPct val="94000"/>
-              </a:lnSpc>
-              <a:spcBef>
-                <a:spcPts val="1001"/>
-              </a:spcBef>
-              <a:spcAft>
-                <a:spcPts val="201"/>
-              </a:spcAft>
+              </a:buClr>
+              <a:buFont typeface="Franklin Gothic Book"/>
+              <a:buChar char="■"/>
             </a:pPr>
             <a:r>
               <a:rPr b="0" lang="en-US" sz="2000" spc="-1" strike="noStrike">
@@ -5651,68 +6990,95 @@
                   <a:srgbClr val="191b0e"/>
                 </a:solidFill>
                 <a:latin typeface="Franklin Gothic Book"/>
-              </a:rPr>
-              <a:t>	</a:t>
-            </a:r>
+                <a:ea typeface="DejaVu Sans"/>
+              </a:rPr>
+              <a:t>Como um dono de pet, quero poder dispensar comida para o meu animal à distância, para poder sair de casa sem impactar a sua alimentação.</a:t>
+            </a:r>
+            <a:endParaRPr b="0" lang="en-US" sz="2000" spc="-1" strike="noStrike">
+              <a:latin typeface="Arial"/>
+            </a:endParaRPr>
+          </a:p>
+          <a:p>
+            <a:pPr>
+              <a:lnSpc>
+                <a:spcPct val="94000"/>
+              </a:lnSpc>
+              <a:spcBef>
+                <a:spcPts val="1001"/>
+              </a:spcBef>
+              <a:spcAft>
+                <a:spcPts val="201"/>
+              </a:spcAft>
+            </a:pPr>
+            <a:endParaRPr b="0" lang="en-US" sz="2000" spc="-1" strike="noStrike">
+              <a:latin typeface="Arial"/>
+            </a:endParaRPr>
+          </a:p>
+          <a:p>
+            <a:pPr marL="384120" indent="-383040">
+              <a:lnSpc>
+                <a:spcPct val="94000"/>
+              </a:lnSpc>
+              <a:spcBef>
+                <a:spcPts val="1001"/>
+              </a:spcBef>
+              <a:spcAft>
+                <a:spcPts val="201"/>
+              </a:spcAft>
+              <a:buClr>
+                <a:srgbClr val="191b0e"/>
+              </a:buClr>
+              <a:buFont typeface="Franklin Gothic Book"/>
+              <a:buChar char="■"/>
+            </a:pPr>
             <a:r>
               <a:rPr b="0" lang="en-US" sz="2000" spc="-1" strike="noStrike">
                 <a:solidFill>
                   <a:srgbClr val="191b0e"/>
                 </a:solidFill>
                 <a:latin typeface="Franklin Gothic Book"/>
-              </a:rPr>
-              <a:t>	</a:t>
-            </a:r>
-            <a:r>
-              <a:rPr b="0" lang="en-US" sz="2000" spc="-1" strike="noStrike">
-                <a:solidFill>
-                  <a:srgbClr val="191b0e"/>
-                </a:solidFill>
-                <a:latin typeface="Franklin Gothic Book"/>
-              </a:rPr>
-              <a:t>	</a:t>
-            </a:r>
-            <a:r>
-              <a:rPr b="0" lang="en-US" sz="2000" spc="-1" strike="noStrike">
-                <a:solidFill>
-                  <a:srgbClr val="191b0e"/>
-                </a:solidFill>
-                <a:latin typeface="Franklin Gothic Book"/>
-              </a:rPr>
-              <a:t>https://singlehorizon.com/si-pet/app/login</a:t>
+                <a:ea typeface="DejaVu Sans"/>
+              </a:rPr>
+              <a:t>O usuário pode acessar o sistema pelo celular e liberar o alimento do animal manualmente ou programar um período para qeue seja feito.</a:t>
             </a:r>
             <a:endParaRPr b="0" lang="en-US" sz="2000" spc="-1" strike="noStrike">
-              <a:solidFill>
-                <a:srgbClr val="191b0e"/>
-              </a:solidFill>
-              <a:latin typeface="Franklin Gothic Book"/>
-            </a:endParaRPr>
-          </a:p>
-        </p:txBody>
-      </p:sp>
-      <p:pic>
-        <p:nvPicPr>
-          <p:cNvPr id="101" name="" descr=""/>
-          <p:cNvPicPr/>
-          <p:nvPr/>
-        </p:nvPicPr>
-        <p:blipFill>
-          <a:blip r:embed="rId1"/>
-          <a:stretch/>
-        </p:blipFill>
-        <p:spPr>
-          <a:xfrm>
-            <a:off x="5212080" y="3566160"/>
-            <a:ext cx="1904760" cy="1904760"/>
-          </a:xfrm>
-          <a:prstGeom prst="rect">
-            <a:avLst/>
-          </a:prstGeom>
-          <a:ln>
-            <a:noFill/>
-          </a:ln>
-        </p:spPr>
-      </p:pic>
+              <a:latin typeface="Arial"/>
+            </a:endParaRPr>
+          </a:p>
+          <a:p>
+            <a:pPr>
+              <a:lnSpc>
+                <a:spcPct val="94000"/>
+              </a:lnSpc>
+              <a:spcBef>
+                <a:spcPts val="1001"/>
+              </a:spcBef>
+              <a:spcAft>
+                <a:spcPts val="201"/>
+              </a:spcAft>
+            </a:pPr>
+            <a:endParaRPr b="0" lang="en-US" sz="2000" spc="-1" strike="noStrike">
+              <a:latin typeface="Arial"/>
+            </a:endParaRPr>
+          </a:p>
+          <a:p>
+            <a:pPr>
+              <a:lnSpc>
+                <a:spcPct val="94000"/>
+              </a:lnSpc>
+              <a:spcBef>
+                <a:spcPts val="1001"/>
+              </a:spcBef>
+              <a:spcAft>
+                <a:spcPts val="201"/>
+              </a:spcAft>
+            </a:pPr>
+            <a:endParaRPr b="0" lang="en-US" sz="2000" spc="-1" strike="noStrike">
+              <a:latin typeface="Arial"/>
+            </a:endParaRPr>
+          </a:p>
+        </p:txBody>
+      </p:sp>
     </p:spTree>
   </p:cSld>
   <mc:AlternateContent>
@@ -5730,6 +7096,504 @@
           <p:childTnLst>
             <p:seq>
               <p:cTn id="14" dur="indefinite" nodeType="mainSeq"/>
+              <p:prevCondLst>
+                <p:cond delay="0" evt="onPrev">
+                  <p:tgtEl>
+                    <p:sldTgt/>
+                  </p:tgtEl>
+                </p:cond>
+              </p:prevCondLst>
+              <p:nextCondLst>
+                <p:cond delay="0" evt="onNext">
+                  <p:tgtEl>
+                    <p:sldTgt/>
+                  </p:tgtEl>
+                </p:cond>
+              </p:nextCondLst>
+            </p:seq>
+          </p:childTnLst>
+        </p:cTn>
+      </p:par>
+    </p:tnLst>
+  </p:timing>
+</p:sld>
+</file>
+
+<file path=ppt/slides/slide8.xml><?xml version="1.0" encoding="utf-8"?>
+<p:sld xmlns:a="http://schemas.openxmlformats.org/drawingml/2006/main" xmlns:p="http://schemas.openxmlformats.org/presentationml/2006/main" xmlns:r="http://schemas.openxmlformats.org/officeDocument/2006/relationships" xmlns:p14="http://schemas.microsoft.com/office/powerpoint/2010/main" xmlns:p15="http://schemas.microsoft.com/office/powerpoint/2012/main" xmlns:mc="http://schemas.openxmlformats.org/markup-compatibility/2006">
+  <p:cSld>
+    <p:spTree>
+      <p:nvGrpSpPr>
+        <p:cNvPr id="1" name=""/>
+        <p:cNvGrpSpPr/>
+        <p:nvPr/>
+      </p:nvGrpSpPr>
+      <p:grpSpPr>
+        <a:xfrm>
+          <a:off x="0" y="0"/>
+          <a:ext cx="0" cy="0"/>
+          <a:chOff x="0" y="0"/>
+          <a:chExt cx="0" cy="0"/>
+        </a:xfrm>
+      </p:grpSpPr>
+      <p:sp>
+        <p:nvSpPr>
+          <p:cNvPr id="97" name="CustomShape 1"/>
+          <p:cNvSpPr/>
+          <p:nvPr/>
+        </p:nvSpPr>
+        <p:spPr>
+          <a:xfrm>
+            <a:off x="1371600" y="685800"/>
+            <a:ext cx="9600120" cy="1485000"/>
+          </a:xfrm>
+          <a:prstGeom prst="rect">
+            <a:avLst/>
+          </a:prstGeom>
+          <a:noFill/>
+          <a:ln>
+            <a:noFill/>
+          </a:ln>
+        </p:spPr>
+        <p:style>
+          <a:lnRef idx="0"/>
+          <a:fillRef idx="0"/>
+          <a:effectRef idx="0"/>
+          <a:fontRef idx="minor"/>
+        </p:style>
+        <p:txBody>
+          <a:bodyPr lIns="90000" rIns="90000" tIns="45000" bIns="45000">
+            <a:noAutofit/>
+          </a:bodyPr>
+          <a:p>
+            <a:pPr>
+              <a:lnSpc>
+                <a:spcPct val="89000"/>
+              </a:lnSpc>
+            </a:pPr>
+            <a:r>
+              <a:rPr b="0" lang="en-US" sz="4400" spc="-1" strike="noStrike">
+                <a:solidFill>
+                  <a:srgbClr val="191b0e"/>
+                </a:solidFill>
+                <a:latin typeface="Franklin Gothic Book"/>
+                <a:ea typeface="DejaVu Sans"/>
+              </a:rPr>
+              <a:t>Histórias de Usuário</a:t>
+            </a:r>
+            <a:endParaRPr b="0" lang="en-US" sz="4400" spc="-1" strike="noStrike">
+              <a:latin typeface="Arial"/>
+            </a:endParaRPr>
+          </a:p>
+        </p:txBody>
+      </p:sp>
+      <p:sp>
+        <p:nvSpPr>
+          <p:cNvPr id="98" name="CustomShape 2"/>
+          <p:cNvSpPr/>
+          <p:nvPr/>
+        </p:nvSpPr>
+        <p:spPr>
+          <a:xfrm>
+            <a:off x="1371600" y="2286000"/>
+            <a:ext cx="9600120" cy="3580200"/>
+          </a:xfrm>
+          <a:prstGeom prst="rect">
+            <a:avLst/>
+          </a:prstGeom>
+          <a:noFill/>
+          <a:ln>
+            <a:noFill/>
+          </a:ln>
+        </p:spPr>
+        <p:style>
+          <a:lnRef idx="0"/>
+          <a:fillRef idx="0"/>
+          <a:effectRef idx="0"/>
+          <a:fontRef idx="minor"/>
+        </p:style>
+        <p:txBody>
+          <a:bodyPr lIns="90000" rIns="90000" tIns="45000" bIns="45000">
+            <a:noAutofit/>
+          </a:bodyPr>
+          <a:p>
+            <a:pPr marL="384120" indent="-383040">
+              <a:lnSpc>
+                <a:spcPct val="94000"/>
+              </a:lnSpc>
+              <a:spcBef>
+                <a:spcPts val="1001"/>
+              </a:spcBef>
+              <a:spcAft>
+                <a:spcPts val="201"/>
+              </a:spcAft>
+              <a:buClr>
+                <a:srgbClr val="191b0e"/>
+              </a:buClr>
+              <a:buFont typeface="Franklin Gothic Book"/>
+              <a:buChar char="■"/>
+            </a:pPr>
+            <a:r>
+              <a:rPr b="0" lang="en-US" sz="2000" spc="-1" strike="noStrike">
+                <a:solidFill>
+                  <a:srgbClr val="191b0e"/>
+                </a:solidFill>
+                <a:latin typeface="Franklin Gothic Book"/>
+                <a:ea typeface="DejaVu Sans"/>
+              </a:rPr>
+              <a:t>Como dono de gato com acesso à rua, quero ser informado quando ele entra ou sai de casa para poder ajustar as minahs atividades à sua presença.</a:t>
+            </a:r>
+            <a:endParaRPr b="0" lang="en-US" sz="2000" spc="-1" strike="noStrike">
+              <a:latin typeface="Arial"/>
+            </a:endParaRPr>
+          </a:p>
+          <a:p>
+            <a:pPr>
+              <a:lnSpc>
+                <a:spcPct val="94000"/>
+              </a:lnSpc>
+              <a:spcBef>
+                <a:spcPts val="1001"/>
+              </a:spcBef>
+              <a:spcAft>
+                <a:spcPts val="201"/>
+              </a:spcAft>
+            </a:pPr>
+            <a:endParaRPr b="0" lang="en-US" sz="2000" spc="-1" strike="noStrike">
+              <a:latin typeface="Arial"/>
+            </a:endParaRPr>
+          </a:p>
+          <a:p>
+            <a:pPr marL="384120" indent="-383040">
+              <a:lnSpc>
+                <a:spcPct val="94000"/>
+              </a:lnSpc>
+              <a:spcBef>
+                <a:spcPts val="1001"/>
+              </a:spcBef>
+              <a:spcAft>
+                <a:spcPts val="201"/>
+              </a:spcAft>
+              <a:buClr>
+                <a:srgbClr val="191b0e"/>
+              </a:buClr>
+              <a:buFont typeface="Franklin Gothic Book"/>
+              <a:buChar char="■"/>
+            </a:pPr>
+            <a:r>
+              <a:rPr b="0" lang="en-US" sz="2000" spc="-1" strike="noStrike">
+                <a:solidFill>
+                  <a:srgbClr val="191b0e"/>
+                </a:solidFill>
+                <a:latin typeface="Franklin Gothic Book"/>
+                <a:ea typeface="DejaVu Sans"/>
+              </a:rPr>
+              <a:t>O sistema conta com um sensor que, ao ser instalado na porta de acesso do gato, envia uma mensagem ao usuário toda vez que ativado.</a:t>
+            </a:r>
+            <a:endParaRPr b="0" lang="en-US" sz="2000" spc="-1" strike="noStrike">
+              <a:latin typeface="Arial"/>
+            </a:endParaRPr>
+          </a:p>
+          <a:p>
+            <a:pPr>
+              <a:lnSpc>
+                <a:spcPct val="94000"/>
+              </a:lnSpc>
+              <a:spcBef>
+                <a:spcPts val="1001"/>
+              </a:spcBef>
+              <a:spcAft>
+                <a:spcPts val="201"/>
+              </a:spcAft>
+            </a:pPr>
+            <a:endParaRPr b="0" lang="en-US" sz="2000" spc="-1" strike="noStrike">
+              <a:latin typeface="Arial"/>
+            </a:endParaRPr>
+          </a:p>
+          <a:p>
+            <a:pPr>
+              <a:lnSpc>
+                <a:spcPct val="94000"/>
+              </a:lnSpc>
+              <a:spcBef>
+                <a:spcPts val="1001"/>
+              </a:spcBef>
+              <a:spcAft>
+                <a:spcPts val="201"/>
+              </a:spcAft>
+            </a:pPr>
+            <a:endParaRPr b="0" lang="en-US" sz="2000" spc="-1" strike="noStrike">
+              <a:latin typeface="Arial"/>
+            </a:endParaRPr>
+          </a:p>
+        </p:txBody>
+      </p:sp>
+    </p:spTree>
+  </p:cSld>
+  <mc:AlternateContent>
+    <mc:Choice Requires="p14">
+      <p:transition spd="slow" p14:dur="2000"/>
+    </mc:Choice>
+    <mc:Fallback>
+      <p:transition spd="slow"/>
+    </mc:Fallback>
+  </mc:AlternateContent>
+  <p:timing>
+    <p:tnLst>
+      <p:par>
+        <p:cTn id="15" dur="indefinite" restart="never" nodeType="tmRoot">
+          <p:childTnLst>
+            <p:seq>
+              <p:cTn id="16" dur="indefinite" nodeType="mainSeq"/>
+              <p:prevCondLst>
+                <p:cond delay="0" evt="onPrev">
+                  <p:tgtEl>
+                    <p:sldTgt/>
+                  </p:tgtEl>
+                </p:cond>
+              </p:prevCondLst>
+              <p:nextCondLst>
+                <p:cond delay="0" evt="onNext">
+                  <p:tgtEl>
+                    <p:sldTgt/>
+                  </p:tgtEl>
+                </p:cond>
+              </p:nextCondLst>
+            </p:seq>
+          </p:childTnLst>
+        </p:cTn>
+      </p:par>
+    </p:tnLst>
+  </p:timing>
+</p:sld>
+</file>
+
+<file path=ppt/slides/slide9.xml><?xml version="1.0" encoding="utf-8"?>
+<p:sld xmlns:a="http://schemas.openxmlformats.org/drawingml/2006/main" xmlns:p="http://schemas.openxmlformats.org/presentationml/2006/main" xmlns:r="http://schemas.openxmlformats.org/officeDocument/2006/relationships" xmlns:p14="http://schemas.microsoft.com/office/powerpoint/2010/main" xmlns:p15="http://schemas.microsoft.com/office/powerpoint/2012/main" xmlns:mc="http://schemas.openxmlformats.org/markup-compatibility/2006">
+  <p:cSld>
+    <p:spTree>
+      <p:nvGrpSpPr>
+        <p:cNvPr id="1" name=""/>
+        <p:cNvGrpSpPr/>
+        <p:nvPr/>
+      </p:nvGrpSpPr>
+      <p:grpSpPr>
+        <a:xfrm>
+          <a:off x="0" y="0"/>
+          <a:ext cx="0" cy="0"/>
+          <a:chOff x="0" y="0"/>
+          <a:chExt cx="0" cy="0"/>
+        </a:xfrm>
+      </p:grpSpPr>
+      <p:sp>
+        <p:nvSpPr>
+          <p:cNvPr id="99" name="CustomShape 1"/>
+          <p:cNvSpPr/>
+          <p:nvPr/>
+        </p:nvSpPr>
+        <p:spPr>
+          <a:xfrm>
+            <a:off x="1371600" y="685800"/>
+            <a:ext cx="9600120" cy="1485000"/>
+          </a:xfrm>
+          <a:prstGeom prst="rect">
+            <a:avLst/>
+          </a:prstGeom>
+          <a:noFill/>
+          <a:ln>
+            <a:noFill/>
+          </a:ln>
+        </p:spPr>
+        <p:style>
+          <a:lnRef idx="0"/>
+          <a:fillRef idx="0"/>
+          <a:effectRef idx="0"/>
+          <a:fontRef idx="minor"/>
+        </p:style>
+        <p:txBody>
+          <a:bodyPr lIns="90000" rIns="90000" tIns="45000" bIns="45000">
+            <a:noAutofit/>
+          </a:bodyPr>
+          <a:p>
+            <a:pPr>
+              <a:lnSpc>
+                <a:spcPct val="89000"/>
+              </a:lnSpc>
+            </a:pPr>
+            <a:r>
+              <a:rPr b="0" lang="en-US" sz="4400" spc="-1" strike="noStrike">
+                <a:solidFill>
+                  <a:srgbClr val="191b0e"/>
+                </a:solidFill>
+                <a:latin typeface="Franklin Gothic Book"/>
+                <a:ea typeface="DejaVu Sans"/>
+              </a:rPr>
+              <a:t>Histórias de Usuário</a:t>
+            </a:r>
+            <a:endParaRPr b="0" lang="en-US" sz="4400" spc="-1" strike="noStrike">
+              <a:latin typeface="Arial"/>
+            </a:endParaRPr>
+          </a:p>
+        </p:txBody>
+      </p:sp>
+      <p:sp>
+        <p:nvSpPr>
+          <p:cNvPr id="100" name="CustomShape 2"/>
+          <p:cNvSpPr/>
+          <p:nvPr/>
+        </p:nvSpPr>
+        <p:spPr>
+          <a:xfrm>
+            <a:off x="1371600" y="2286000"/>
+            <a:ext cx="9600120" cy="3580200"/>
+          </a:xfrm>
+          <a:prstGeom prst="rect">
+            <a:avLst/>
+          </a:prstGeom>
+          <a:noFill/>
+          <a:ln>
+            <a:noFill/>
+          </a:ln>
+        </p:spPr>
+        <p:style>
+          <a:lnRef idx="0"/>
+          <a:fillRef idx="0"/>
+          <a:effectRef idx="0"/>
+          <a:fontRef idx="minor"/>
+        </p:style>
+        <p:txBody>
+          <a:bodyPr lIns="90000" rIns="90000" tIns="45000" bIns="45000">
+            <a:noAutofit/>
+          </a:bodyPr>
+          <a:p>
+            <a:pPr marL="384120" indent="-383040">
+              <a:lnSpc>
+                <a:spcPct val="94000"/>
+              </a:lnSpc>
+              <a:spcBef>
+                <a:spcPts val="1001"/>
+              </a:spcBef>
+              <a:spcAft>
+                <a:spcPts val="201"/>
+              </a:spcAft>
+              <a:buClr>
+                <a:srgbClr val="191b0e"/>
+              </a:buClr>
+              <a:buFont typeface="Franklin Gothic Book"/>
+              <a:buChar char="■"/>
+            </a:pPr>
+            <a:r>
+              <a:rPr b="0" lang="en-US" sz="2000" spc="-1" strike="noStrike">
+                <a:solidFill>
+                  <a:srgbClr val="191b0e"/>
+                </a:solidFill>
+                <a:latin typeface="Franklin Gothic Book"/>
+                <a:ea typeface="DejaVu Sans"/>
+              </a:rPr>
+              <a:t>Como dono de animal em dieta, quero acompanhar a alimentação e verificar um histórico do seu peso, para melhor ajustar suas atividades e ajudar com a sua dieta.</a:t>
+            </a:r>
+            <a:endParaRPr b="0" lang="en-US" sz="2000" spc="-1" strike="noStrike">
+              <a:latin typeface="Arial"/>
+            </a:endParaRPr>
+          </a:p>
+          <a:p>
+            <a:pPr>
+              <a:lnSpc>
+                <a:spcPct val="94000"/>
+              </a:lnSpc>
+              <a:spcBef>
+                <a:spcPts val="1001"/>
+              </a:spcBef>
+              <a:spcAft>
+                <a:spcPts val="201"/>
+              </a:spcAft>
+            </a:pPr>
+            <a:endParaRPr b="0" lang="en-US" sz="2000" spc="-1" strike="noStrike">
+              <a:latin typeface="Arial"/>
+            </a:endParaRPr>
+          </a:p>
+          <a:p>
+            <a:pPr marL="384120" indent="-383040">
+              <a:lnSpc>
+                <a:spcPct val="94000"/>
+              </a:lnSpc>
+              <a:spcBef>
+                <a:spcPts val="1001"/>
+              </a:spcBef>
+              <a:spcAft>
+                <a:spcPts val="201"/>
+              </a:spcAft>
+              <a:buClr>
+                <a:srgbClr val="191b0e"/>
+              </a:buClr>
+              <a:buFont typeface="Franklin Gothic Book"/>
+              <a:buChar char="■"/>
+            </a:pPr>
+            <a:r>
+              <a:rPr b="0" lang="en-US" sz="2000" spc="-1" strike="noStrike">
+                <a:solidFill>
+                  <a:srgbClr val="191b0e"/>
+                </a:solidFill>
+                <a:latin typeface="Franklin Gothic Book"/>
+                <a:ea typeface="DejaVu Sans"/>
+              </a:rPr>
+              <a:t>O usuário é capaz de extrair do sistema, apartir de uma página dedicada, o histórico de peso e alimentação fornecida ao animal, fornecidos por uma balança situada prõxima à tigela de alimento.</a:t>
+            </a:r>
+            <a:endParaRPr b="0" lang="en-US" sz="2000" spc="-1" strike="noStrike">
+              <a:latin typeface="Arial"/>
+            </a:endParaRPr>
+          </a:p>
+          <a:p>
+            <a:pPr>
+              <a:lnSpc>
+                <a:spcPct val="94000"/>
+              </a:lnSpc>
+              <a:spcBef>
+                <a:spcPts val="1001"/>
+              </a:spcBef>
+              <a:spcAft>
+                <a:spcPts val="201"/>
+              </a:spcAft>
+            </a:pPr>
+            <a:endParaRPr b="0" lang="en-US" sz="2000" spc="-1" strike="noStrike">
+              <a:latin typeface="Arial"/>
+            </a:endParaRPr>
+          </a:p>
+          <a:p>
+            <a:pPr>
+              <a:lnSpc>
+                <a:spcPct val="94000"/>
+              </a:lnSpc>
+              <a:spcBef>
+                <a:spcPts val="1001"/>
+              </a:spcBef>
+              <a:spcAft>
+                <a:spcPts val="201"/>
+              </a:spcAft>
+            </a:pPr>
+            <a:endParaRPr b="0" lang="en-US" sz="2000" spc="-1" strike="noStrike">
+              <a:latin typeface="Arial"/>
+            </a:endParaRPr>
+          </a:p>
+        </p:txBody>
+      </p:sp>
+    </p:spTree>
+  </p:cSld>
+  <mc:AlternateContent>
+    <mc:Choice Requires="p14">
+      <p:transition spd="slow" p14:dur="2000"/>
+    </mc:Choice>
+    <mc:Fallback>
+      <p:transition spd="slow"/>
+    </mc:Fallback>
+  </mc:AlternateContent>
+  <p:timing>
+    <p:tnLst>
+      <p:par>
+        <p:cTn id="17" dur="indefinite" restart="never" nodeType="tmRoot">
+          <p:childTnLst>
+            <p:seq>
+              <p:cTn id="18" dur="indefinite" nodeType="mainSeq"/>
               <p:prevCondLst>
                 <p:cond delay="0" evt="onPrev">
                   <p:tgtEl>
